--- a/Resources/生字教学.pptx
+++ b/Resources/生字教学.pptx
@@ -104,6 +104,11 @@
       </a:defRPr>
     </a:lvl9pPr>
   </p:defaultTextStyle>
+  <p:extLst>
+    <p:ext uri="{EFAFB233-063F-42B5-8137-9DF3F51BA10A}">
+      <p15:sldGuideLst xmlns:p15="http://schemas.microsoft.com/office/powerpoint/2012/main"/>
+    </p:ext>
+  </p:extLst>
 </p:presentation>
 </file>
 
@@ -6795,1622 +6800,49 @@
           </a:p>
         </p:txBody>
       </p:sp>
-      <p:grpSp>
-        <p:nvGrpSpPr>
-          <p:cNvPr id="56" name="[笔画拆分]替换">
-            <a:extLst>
-              <a:ext uri="{FF2B5EF4-FFF2-40B4-BE49-F238E27FC236}">
-                <a16:creationId xmlns:a16="http://schemas.microsoft.com/office/drawing/2014/main" id="{1F9A80D9-EABC-8F9B-850A-9A4B88ED6C39}"/>
-              </a:ext>
-            </a:extLst>
-          </p:cNvPr>
-          <p:cNvGrpSpPr/>
+      <p:sp>
+        <p:nvSpPr>
+          <p:cNvPr id="2" name="[笔画拆分]替换">
+            <a:extLst>
+              <a:ext uri="{FF2B5EF4-FFF2-40B4-BE49-F238E27FC236}">
+                <a16:creationId xmlns:a16="http://schemas.microsoft.com/office/drawing/2014/main" id="{04E44429-6CD9-7EED-6AA0-EF59F5C495BD}"/>
+              </a:ext>
+            </a:extLst>
+          </p:cNvPr>
+          <p:cNvSpPr txBox="1"/>
           <p:nvPr/>
-        </p:nvGrpSpPr>
-        <p:grpSpPr>
+        </p:nvSpPr>
+        <p:spPr>
           <a:xfrm>
-            <a:off x="947927" y="2323597"/>
-            <a:ext cx="1854200" cy="1908811"/>
-            <a:chOff x="5027613" y="2521426"/>
-            <a:chExt cx="1854200" cy="1908811"/>
+            <a:off x="673830" y="1963481"/>
+            <a:ext cx="2337044" cy="2554545"/>
           </a:xfrm>
-        </p:grpSpPr>
-        <p:sp>
-          <p:nvSpPr>
-            <p:cNvPr id="60" name="Freeform 17">
-              <a:extLst>
-                <a:ext uri="{FF2B5EF4-FFF2-40B4-BE49-F238E27FC236}">
-                  <a16:creationId xmlns:a16="http://schemas.microsoft.com/office/drawing/2014/main" id="{6D9CEE6B-B370-320C-B70F-3AAF1F520D74}"/>
-                </a:ext>
-              </a:extLst>
-            </p:cNvPr>
-            <p:cNvSpPr>
-              <a:spLocks/>
-            </p:cNvSpPr>
-            <p:nvPr/>
-          </p:nvSpPr>
-          <p:spPr bwMode="auto">
-            <a:xfrm>
-              <a:off x="5223193" y="2934177"/>
-              <a:ext cx="281940" cy="298450"/>
-            </a:xfrm>
-            <a:custGeom>
-              <a:avLst/>
-              <a:gdLst>
-                <a:gd name="T0" fmla="*/ 29 w 148"/>
-                <a:gd name="T1" fmla="*/ 63 h 157"/>
-                <a:gd name="T2" fmla="*/ 90 w 148"/>
-                <a:gd name="T3" fmla="*/ 137 h 157"/>
-                <a:gd name="T4" fmla="*/ 121 w 148"/>
-                <a:gd name="T5" fmla="*/ 156 h 157"/>
-                <a:gd name="T6" fmla="*/ 142 w 148"/>
-                <a:gd name="T7" fmla="*/ 142 h 157"/>
-                <a:gd name="T8" fmla="*/ 144 w 148"/>
-                <a:gd name="T9" fmla="*/ 90 h 157"/>
-                <a:gd name="T10" fmla="*/ 32 w 148"/>
-                <a:gd name="T11" fmla="*/ 6 h 157"/>
-                <a:gd name="T12" fmla="*/ 7 w 148"/>
-                <a:gd name="T13" fmla="*/ 1 h 157"/>
-                <a:gd name="T14" fmla="*/ 0 w 148"/>
-                <a:gd name="T15" fmla="*/ 20 h 157"/>
-                <a:gd name="T16" fmla="*/ 29 w 148"/>
-                <a:gd name="T17" fmla="*/ 63 h 157"/>
-              </a:gdLst>
-              <a:ahLst/>
-              <a:cxnLst>
-                <a:cxn ang="0">
-                  <a:pos x="T0" y="T1"/>
-                </a:cxn>
-                <a:cxn ang="0">
-                  <a:pos x="T2" y="T3"/>
-                </a:cxn>
-                <a:cxn ang="0">
-                  <a:pos x="T4" y="T5"/>
-                </a:cxn>
-                <a:cxn ang="0">
-                  <a:pos x="T6" y="T7"/>
-                </a:cxn>
-                <a:cxn ang="0">
-                  <a:pos x="T8" y="T9"/>
-                </a:cxn>
-                <a:cxn ang="0">
-                  <a:pos x="T10" y="T11"/>
-                </a:cxn>
-                <a:cxn ang="0">
-                  <a:pos x="T12" y="T13"/>
-                </a:cxn>
-                <a:cxn ang="0">
-                  <a:pos x="T14" y="T15"/>
-                </a:cxn>
-                <a:cxn ang="0">
-                  <a:pos x="T16" y="T17"/>
-                </a:cxn>
-              </a:cxnLst>
-              <a:rect l="0" t="0" r="r" b="b"/>
-              <a:pathLst>
-                <a:path w="148" h="157">
-                  <a:moveTo>
-                    <a:pt x="29" y="63"/>
-                  </a:moveTo>
-                  <a:cubicBezTo>
-                    <a:pt x="49" y="85"/>
-                    <a:pt x="69" y="110"/>
-                    <a:pt x="90" y="137"/>
-                  </a:cubicBezTo>
-                  <a:cubicBezTo>
-                    <a:pt x="99" y="148"/>
-                    <a:pt x="109" y="154"/>
-                    <a:pt x="121" y="156"/>
-                  </a:cubicBezTo>
-                  <a:cubicBezTo>
-                    <a:pt x="130" y="157"/>
-                    <a:pt x="137" y="152"/>
-                    <a:pt x="142" y="142"/>
-                  </a:cubicBezTo>
-                  <a:cubicBezTo>
-                    <a:pt x="147" y="131"/>
-                    <a:pt x="148" y="114"/>
-                    <a:pt x="144" y="90"/>
-                  </a:cubicBezTo>
-                  <a:cubicBezTo>
-                    <a:pt x="141" y="65"/>
-                    <a:pt x="104" y="37"/>
-                    <a:pt x="32" y="6"/>
-                  </a:cubicBezTo>
-                  <a:cubicBezTo>
-                    <a:pt x="20" y="1"/>
-                    <a:pt x="12" y="0"/>
-                    <a:pt x="7" y="1"/>
-                  </a:cubicBezTo>
-                  <a:cubicBezTo>
-                    <a:pt x="2" y="4"/>
-                    <a:pt x="0" y="10"/>
-                    <a:pt x="0" y="20"/>
-                  </a:cubicBezTo>
-                  <a:cubicBezTo>
-                    <a:pt x="1" y="29"/>
-                    <a:pt x="10" y="43"/>
-                    <a:pt x="29" y="63"/>
-                  </a:cubicBezTo>
-                </a:path>
-              </a:pathLst>
-            </a:custGeom>
-            <a:solidFill>
-              <a:srgbClr val="0070C0"/>
-            </a:solidFill>
-            <a:ln w="0">
-              <a:solidFill>
-                <a:srgbClr val="000000"/>
-              </a:solidFill>
-              <a:prstDash val="solid"/>
-              <a:round/>
-              <a:headEnd/>
-              <a:tailEnd/>
-            </a:ln>
-          </p:spPr>
-          <p:txBody>
-            <a:bodyPr vert="horz" wrap="square" lIns="91440" tIns="45720" rIns="91440" bIns="45720" numCol="1" anchor="t" anchorCtr="0" compatLnSpc="1">
-              <a:prstTxWarp prst="textNoShape">
-                <a:avLst/>
-              </a:prstTxWarp>
-            </a:bodyPr>
-            <a:lstStyle/>
-            <a:p>
-              <a:endParaRPr lang="zh-CN" altLang="en-US"/>
-            </a:p>
-          </p:txBody>
-        </p:sp>
-        <p:sp>
-          <p:nvSpPr>
-            <p:cNvPr id="62" name="Freeform 18">
-              <a:extLst>
-                <a:ext uri="{FF2B5EF4-FFF2-40B4-BE49-F238E27FC236}">
-                  <a16:creationId xmlns:a16="http://schemas.microsoft.com/office/drawing/2014/main" id="{860272FF-E6F2-60A3-AB52-E6E289E5C217}"/>
-                </a:ext>
-              </a:extLst>
-            </p:cNvPr>
-            <p:cNvSpPr>
-              <a:spLocks/>
-            </p:cNvSpPr>
-            <p:nvPr/>
-          </p:nvSpPr>
-          <p:spPr bwMode="auto">
-            <a:xfrm>
-              <a:off x="5027613" y="3387566"/>
-              <a:ext cx="628650" cy="486410"/>
-            </a:xfrm>
-            <a:custGeom>
-              <a:avLst/>
-              <a:gdLst>
-                <a:gd name="T0" fmla="*/ 302 w 330"/>
-                <a:gd name="T1" fmla="*/ 19 h 255"/>
-                <a:gd name="T2" fmla="*/ 14 w 330"/>
-                <a:gd name="T3" fmla="*/ 197 h 255"/>
-                <a:gd name="T4" fmla="*/ 1 w 330"/>
-                <a:gd name="T5" fmla="*/ 215 h 255"/>
-                <a:gd name="T6" fmla="*/ 17 w 330"/>
-                <a:gd name="T7" fmla="*/ 236 h 255"/>
-                <a:gd name="T8" fmla="*/ 91 w 330"/>
-                <a:gd name="T9" fmla="*/ 255 h 255"/>
-                <a:gd name="T10" fmla="*/ 113 w 330"/>
-                <a:gd name="T11" fmla="*/ 242 h 255"/>
-                <a:gd name="T12" fmla="*/ 288 w 330"/>
-                <a:gd name="T13" fmla="*/ 69 h 255"/>
-                <a:gd name="T14" fmla="*/ 301 w 330"/>
-                <a:gd name="T15" fmla="*/ 57 h 255"/>
-                <a:gd name="T16" fmla="*/ 302 w 330"/>
-                <a:gd name="T17" fmla="*/ 19 h 255"/>
-              </a:gdLst>
-              <a:ahLst/>
-              <a:cxnLst>
-                <a:cxn ang="0">
-                  <a:pos x="T0" y="T1"/>
-                </a:cxn>
-                <a:cxn ang="0">
-                  <a:pos x="T2" y="T3"/>
-                </a:cxn>
-                <a:cxn ang="0">
-                  <a:pos x="T4" y="T5"/>
-                </a:cxn>
-                <a:cxn ang="0">
-                  <a:pos x="T6" y="T7"/>
-                </a:cxn>
-                <a:cxn ang="0">
-                  <a:pos x="T8" y="T9"/>
-                </a:cxn>
-                <a:cxn ang="0">
-                  <a:pos x="T10" y="T11"/>
-                </a:cxn>
-                <a:cxn ang="0">
-                  <a:pos x="T12" y="T13"/>
-                </a:cxn>
-                <a:cxn ang="0">
-                  <a:pos x="T14" y="T15"/>
-                </a:cxn>
-                <a:cxn ang="0">
-                  <a:pos x="T16" y="T17"/>
-                </a:cxn>
-              </a:cxnLst>
-              <a:rect l="0" t="0" r="r" b="b"/>
-              <a:pathLst>
-                <a:path w="330" h="255">
-                  <a:moveTo>
-                    <a:pt x="302" y="19"/>
-                  </a:moveTo>
-                  <a:cubicBezTo>
-                    <a:pt x="146" y="127"/>
-                    <a:pt x="50" y="186"/>
-                    <a:pt x="14" y="197"/>
-                  </a:cubicBezTo>
-                  <a:cubicBezTo>
-                    <a:pt x="5" y="200"/>
-                    <a:pt x="0" y="206"/>
-                    <a:pt x="1" y="215"/>
-                  </a:cubicBezTo>
-                  <a:cubicBezTo>
-                    <a:pt x="2" y="224"/>
-                    <a:pt x="7" y="231"/>
-                    <a:pt x="17" y="236"/>
-                  </a:cubicBezTo>
-                  <a:cubicBezTo>
-                    <a:pt x="38" y="243"/>
-                    <a:pt x="62" y="249"/>
-                    <a:pt x="91" y="255"/>
-                  </a:cubicBezTo>
-                  <a:cubicBezTo>
-                    <a:pt x="98" y="255"/>
-                    <a:pt x="106" y="251"/>
-                    <a:pt x="113" y="242"/>
-                  </a:cubicBezTo>
-                  <a:cubicBezTo>
-                    <a:pt x="131" y="217"/>
-                    <a:pt x="189" y="159"/>
-                    <a:pt x="288" y="69"/>
-                  </a:cubicBezTo>
-                  <a:cubicBezTo>
-                    <a:pt x="291" y="65"/>
-                    <a:pt x="295" y="60"/>
-                    <a:pt x="301" y="57"/>
-                  </a:cubicBezTo>
-                  <a:cubicBezTo>
-                    <a:pt x="328" y="35"/>
-                    <a:pt x="330" y="0"/>
-                    <a:pt x="302" y="19"/>
-                  </a:cubicBezTo>
-                </a:path>
-              </a:pathLst>
-            </a:custGeom>
-            <a:solidFill>
-              <a:srgbClr val="0070C0"/>
-            </a:solidFill>
-            <a:ln w="0">
-              <a:solidFill>
-                <a:srgbClr val="000000"/>
-              </a:solidFill>
-              <a:prstDash val="solid"/>
-              <a:round/>
-              <a:headEnd/>
-              <a:tailEnd/>
-            </a:ln>
-          </p:spPr>
-          <p:txBody>
-            <a:bodyPr vert="horz" wrap="square" lIns="91440" tIns="45720" rIns="91440" bIns="45720" numCol="1" anchor="t" anchorCtr="0" compatLnSpc="1">
-              <a:prstTxWarp prst="textNoShape">
-                <a:avLst/>
-              </a:prstTxWarp>
-            </a:bodyPr>
-            <a:lstStyle/>
-            <a:p>
-              <a:endParaRPr lang="zh-CN" altLang="en-US"/>
-            </a:p>
-          </p:txBody>
-        </p:sp>
-        <p:sp>
-          <p:nvSpPr>
-            <p:cNvPr id="63" name="Freeform 19">
-              <a:extLst>
-                <a:ext uri="{FF2B5EF4-FFF2-40B4-BE49-F238E27FC236}">
-                  <a16:creationId xmlns:a16="http://schemas.microsoft.com/office/drawing/2014/main" id="{FE723C2C-F4C5-07B0-E448-5D3A41EAEFB6}"/>
-                </a:ext>
-              </a:extLst>
-            </p:cNvPr>
-            <p:cNvSpPr>
-              <a:spLocks/>
-            </p:cNvSpPr>
-            <p:nvPr/>
-          </p:nvSpPr>
-          <p:spPr bwMode="auto">
-            <a:xfrm>
-              <a:off x="5527993" y="2570957"/>
-              <a:ext cx="242570" cy="1755140"/>
-            </a:xfrm>
-            <a:custGeom>
-              <a:avLst/>
-              <a:gdLst>
-                <a:gd name="T0" fmla="*/ 38 w 127"/>
-                <a:gd name="T1" fmla="*/ 485 h 920"/>
-                <a:gd name="T2" fmla="*/ 9 w 127"/>
-                <a:gd name="T3" fmla="*/ 776 h 920"/>
-                <a:gd name="T4" fmla="*/ 25 w 127"/>
-                <a:gd name="T5" fmla="*/ 891 h 920"/>
-                <a:gd name="T6" fmla="*/ 42 w 127"/>
-                <a:gd name="T7" fmla="*/ 915 h 920"/>
-                <a:gd name="T8" fmla="*/ 57 w 127"/>
-                <a:gd name="T9" fmla="*/ 913 h 920"/>
-                <a:gd name="T10" fmla="*/ 77 w 127"/>
-                <a:gd name="T11" fmla="*/ 885 h 920"/>
-                <a:gd name="T12" fmla="*/ 87 w 127"/>
-                <a:gd name="T13" fmla="*/ 821 h 920"/>
-                <a:gd name="T14" fmla="*/ 96 w 127"/>
-                <a:gd name="T15" fmla="*/ 269 h 920"/>
-                <a:gd name="T16" fmla="*/ 118 w 127"/>
-                <a:gd name="T17" fmla="*/ 96 h 920"/>
-                <a:gd name="T18" fmla="*/ 124 w 127"/>
-                <a:gd name="T19" fmla="*/ 64 h 920"/>
-                <a:gd name="T20" fmla="*/ 55 w 127"/>
-                <a:gd name="T21" fmla="*/ 14 h 920"/>
-                <a:gd name="T22" fmla="*/ 5 w 127"/>
-                <a:gd name="T23" fmla="*/ 12 h 920"/>
-                <a:gd name="T24" fmla="*/ 6 w 127"/>
-                <a:gd name="T25" fmla="*/ 36 h 920"/>
-                <a:gd name="T26" fmla="*/ 42 w 127"/>
-                <a:gd name="T27" fmla="*/ 170 h 920"/>
-                <a:gd name="T28" fmla="*/ 39 w 127"/>
-                <a:gd name="T29" fmla="*/ 447 h 920"/>
-                <a:gd name="T30" fmla="*/ 38 w 127"/>
-                <a:gd name="T31" fmla="*/ 485 h 920"/>
-              </a:gdLst>
-              <a:ahLst/>
-              <a:cxnLst>
-                <a:cxn ang="0">
-                  <a:pos x="T0" y="T1"/>
-                </a:cxn>
-                <a:cxn ang="0">
-                  <a:pos x="T2" y="T3"/>
-                </a:cxn>
-                <a:cxn ang="0">
-                  <a:pos x="T4" y="T5"/>
-                </a:cxn>
-                <a:cxn ang="0">
-                  <a:pos x="T6" y="T7"/>
-                </a:cxn>
-                <a:cxn ang="0">
-                  <a:pos x="T8" y="T9"/>
-                </a:cxn>
-                <a:cxn ang="0">
-                  <a:pos x="T10" y="T11"/>
-                </a:cxn>
-                <a:cxn ang="0">
-                  <a:pos x="T12" y="T13"/>
-                </a:cxn>
-                <a:cxn ang="0">
-                  <a:pos x="T14" y="T15"/>
-                </a:cxn>
-                <a:cxn ang="0">
-                  <a:pos x="T16" y="T17"/>
-                </a:cxn>
-                <a:cxn ang="0">
-                  <a:pos x="T18" y="T19"/>
-                </a:cxn>
-                <a:cxn ang="0">
-                  <a:pos x="T20" y="T21"/>
-                </a:cxn>
-                <a:cxn ang="0">
-                  <a:pos x="T22" y="T23"/>
-                </a:cxn>
-                <a:cxn ang="0">
-                  <a:pos x="T24" y="T25"/>
-                </a:cxn>
-                <a:cxn ang="0">
-                  <a:pos x="T26" y="T27"/>
-                </a:cxn>
-                <a:cxn ang="0">
-                  <a:pos x="T28" y="T29"/>
-                </a:cxn>
-                <a:cxn ang="0">
-                  <a:pos x="T30" y="T31"/>
-                </a:cxn>
-              </a:cxnLst>
-              <a:rect l="0" t="0" r="r" b="b"/>
-              <a:pathLst>
-                <a:path w="127" h="920">
-                  <a:moveTo>
-                    <a:pt x="38" y="485"/>
-                  </a:moveTo>
-                  <a:cubicBezTo>
-                    <a:pt x="35" y="624"/>
-                    <a:pt x="25" y="721"/>
-                    <a:pt x="9" y="776"/>
-                  </a:cubicBezTo>
-                  <a:cubicBezTo>
-                    <a:pt x="0" y="806"/>
-                    <a:pt x="5" y="844"/>
-                    <a:pt x="25" y="891"/>
-                  </a:cubicBezTo>
-                  <a:cubicBezTo>
-                    <a:pt x="30" y="905"/>
-                    <a:pt x="36" y="913"/>
-                    <a:pt x="42" y="915"/>
-                  </a:cubicBezTo>
-                  <a:cubicBezTo>
-                    <a:pt x="46" y="920"/>
-                    <a:pt x="51" y="919"/>
-                    <a:pt x="57" y="913"/>
-                  </a:cubicBezTo>
-                  <a:cubicBezTo>
-                    <a:pt x="62" y="910"/>
-                    <a:pt x="69" y="900"/>
-                    <a:pt x="77" y="885"/>
-                  </a:cubicBezTo>
-                  <a:cubicBezTo>
-                    <a:pt x="85" y="866"/>
-                    <a:pt x="88" y="845"/>
-                    <a:pt x="87" y="821"/>
-                  </a:cubicBezTo>
-                  <a:cubicBezTo>
-                    <a:pt x="87" y="785"/>
-                    <a:pt x="90" y="601"/>
-                    <a:pt x="96" y="269"/>
-                  </a:cubicBezTo>
-                  <a:cubicBezTo>
-                    <a:pt x="97" y="201"/>
-                    <a:pt x="104" y="143"/>
-                    <a:pt x="118" y="96"/>
-                  </a:cubicBezTo>
-                  <a:cubicBezTo>
-                    <a:pt x="125" y="85"/>
-                    <a:pt x="127" y="74"/>
-                    <a:pt x="124" y="64"/>
-                  </a:cubicBezTo>
-                  <a:cubicBezTo>
-                    <a:pt x="119" y="56"/>
-                    <a:pt x="96" y="40"/>
-                    <a:pt x="55" y="14"/>
-                  </a:cubicBezTo>
-                  <a:cubicBezTo>
-                    <a:pt x="37" y="1"/>
-                    <a:pt x="20" y="0"/>
-                    <a:pt x="5" y="12"/>
-                  </a:cubicBezTo>
-                  <a:cubicBezTo>
-                    <a:pt x="2" y="17"/>
-                    <a:pt x="2" y="24"/>
-                    <a:pt x="6" y="36"/>
-                  </a:cubicBezTo>
-                  <a:cubicBezTo>
-                    <a:pt x="28" y="70"/>
-                    <a:pt x="40" y="115"/>
-                    <a:pt x="42" y="170"/>
-                  </a:cubicBezTo>
-                  <a:cubicBezTo>
-                    <a:pt x="42" y="289"/>
-                    <a:pt x="41" y="381"/>
-                    <a:pt x="39" y="447"/>
-                  </a:cubicBezTo>
-                  <a:lnTo>
-                    <a:pt x="38" y="485"/>
-                  </a:lnTo>
-                  <a:close/>
-                </a:path>
-              </a:pathLst>
-            </a:custGeom>
-            <a:solidFill>
-              <a:srgbClr val="0070C0"/>
-            </a:solidFill>
-            <a:ln w="0">
-              <a:solidFill>
-                <a:srgbClr val="000000"/>
-              </a:solidFill>
-              <a:prstDash val="solid"/>
-              <a:round/>
-              <a:headEnd/>
-              <a:tailEnd/>
-            </a:ln>
-          </p:spPr>
-          <p:txBody>
-            <a:bodyPr vert="horz" wrap="square" lIns="91440" tIns="45720" rIns="91440" bIns="45720" numCol="1" anchor="t" anchorCtr="0" compatLnSpc="1">
-              <a:prstTxWarp prst="textNoShape">
-                <a:avLst/>
-              </a:prstTxWarp>
-            </a:bodyPr>
-            <a:lstStyle/>
-            <a:p>
-              <a:endParaRPr lang="zh-CN" altLang="en-US"/>
-            </a:p>
-          </p:txBody>
-        </p:sp>
-        <p:sp>
-          <p:nvSpPr>
-            <p:cNvPr id="65" name="Freeform 20">
-              <a:extLst>
-                <a:ext uri="{FF2B5EF4-FFF2-40B4-BE49-F238E27FC236}">
-                  <a16:creationId xmlns:a16="http://schemas.microsoft.com/office/drawing/2014/main" id="{9580C0D4-A733-D62E-6B27-494F0BB67678}"/>
-                </a:ext>
-              </a:extLst>
-            </p:cNvPr>
-            <p:cNvSpPr>
-              <a:spLocks/>
-            </p:cNvSpPr>
-            <p:nvPr/>
-          </p:nvSpPr>
-          <p:spPr bwMode="auto">
-            <a:xfrm>
-              <a:off x="5821363" y="2521426"/>
-              <a:ext cx="501650" cy="558800"/>
-            </a:xfrm>
-            <a:custGeom>
-              <a:avLst/>
-              <a:gdLst>
-                <a:gd name="T0" fmla="*/ 189 w 263"/>
-                <a:gd name="T1" fmla="*/ 151 h 293"/>
-                <a:gd name="T2" fmla="*/ 253 w 263"/>
-                <a:gd name="T3" fmla="*/ 83 h 293"/>
-                <a:gd name="T4" fmla="*/ 261 w 263"/>
-                <a:gd name="T5" fmla="*/ 61 h 293"/>
-                <a:gd name="T6" fmla="*/ 234 w 263"/>
-                <a:gd name="T7" fmla="*/ 22 h 293"/>
-                <a:gd name="T8" fmla="*/ 193 w 263"/>
-                <a:gd name="T9" fmla="*/ 0 h 293"/>
-                <a:gd name="T10" fmla="*/ 180 w 263"/>
-                <a:gd name="T11" fmla="*/ 21 h 293"/>
-                <a:gd name="T12" fmla="*/ 108 w 263"/>
-                <a:gd name="T13" fmla="*/ 167 h 293"/>
-                <a:gd name="T14" fmla="*/ 16 w 263"/>
-                <a:gd name="T15" fmla="*/ 269 h 293"/>
-                <a:gd name="T16" fmla="*/ 3 w 263"/>
-                <a:gd name="T17" fmla="*/ 282 h 293"/>
-                <a:gd name="T18" fmla="*/ 12 w 263"/>
-                <a:gd name="T19" fmla="*/ 292 h 293"/>
-                <a:gd name="T20" fmla="*/ 49 w 263"/>
-                <a:gd name="T21" fmla="*/ 273 h 293"/>
-                <a:gd name="T22" fmla="*/ 57 w 263"/>
-                <a:gd name="T23" fmla="*/ 269 h 293"/>
-                <a:gd name="T24" fmla="*/ 78 w 263"/>
-                <a:gd name="T25" fmla="*/ 253 h 293"/>
-                <a:gd name="T26" fmla="*/ 169 w 263"/>
-                <a:gd name="T27" fmla="*/ 173 h 293"/>
-                <a:gd name="T28" fmla="*/ 189 w 263"/>
-                <a:gd name="T29" fmla="*/ 151 h 293"/>
-              </a:gdLst>
-              <a:ahLst/>
-              <a:cxnLst>
-                <a:cxn ang="0">
-                  <a:pos x="T0" y="T1"/>
-                </a:cxn>
-                <a:cxn ang="0">
-                  <a:pos x="T2" y="T3"/>
-                </a:cxn>
-                <a:cxn ang="0">
-                  <a:pos x="T4" y="T5"/>
-                </a:cxn>
-                <a:cxn ang="0">
-                  <a:pos x="T6" y="T7"/>
-                </a:cxn>
-                <a:cxn ang="0">
-                  <a:pos x="T8" y="T9"/>
-                </a:cxn>
-                <a:cxn ang="0">
-                  <a:pos x="T10" y="T11"/>
-                </a:cxn>
-                <a:cxn ang="0">
-                  <a:pos x="T12" y="T13"/>
-                </a:cxn>
-                <a:cxn ang="0">
-                  <a:pos x="T14" y="T15"/>
-                </a:cxn>
-                <a:cxn ang="0">
-                  <a:pos x="T16" y="T17"/>
-                </a:cxn>
-                <a:cxn ang="0">
-                  <a:pos x="T18" y="T19"/>
-                </a:cxn>
-                <a:cxn ang="0">
-                  <a:pos x="T20" y="T21"/>
-                </a:cxn>
-                <a:cxn ang="0">
-                  <a:pos x="T22" y="T23"/>
-                </a:cxn>
-                <a:cxn ang="0">
-                  <a:pos x="T24" y="T25"/>
-                </a:cxn>
-                <a:cxn ang="0">
-                  <a:pos x="T26" y="T27"/>
-                </a:cxn>
-                <a:cxn ang="0">
-                  <a:pos x="T28" y="T29"/>
-                </a:cxn>
-              </a:cxnLst>
-              <a:rect l="0" t="0" r="r" b="b"/>
-              <a:pathLst>
-                <a:path w="263" h="293">
-                  <a:moveTo>
-                    <a:pt x="189" y="151"/>
-                  </a:moveTo>
-                  <a:cubicBezTo>
-                    <a:pt x="216" y="117"/>
-                    <a:pt x="237" y="94"/>
-                    <a:pt x="253" y="83"/>
-                  </a:cubicBezTo>
-                  <a:cubicBezTo>
-                    <a:pt x="260" y="76"/>
-                    <a:pt x="263" y="69"/>
-                    <a:pt x="261" y="61"/>
-                  </a:cubicBezTo>
-                  <a:cubicBezTo>
-                    <a:pt x="260" y="52"/>
-                    <a:pt x="251" y="39"/>
-                    <a:pt x="234" y="22"/>
-                  </a:cubicBezTo>
-                  <a:cubicBezTo>
-                    <a:pt x="219" y="9"/>
-                    <a:pt x="206" y="2"/>
-                    <a:pt x="193" y="0"/>
-                  </a:cubicBezTo>
-                  <a:cubicBezTo>
-                    <a:pt x="181" y="0"/>
-                    <a:pt x="177" y="7"/>
-                    <a:pt x="180" y="21"/>
-                  </a:cubicBezTo>
-                  <a:cubicBezTo>
-                    <a:pt x="189" y="46"/>
-                    <a:pt x="165" y="94"/>
-                    <a:pt x="108" y="167"/>
-                  </a:cubicBezTo>
-                  <a:cubicBezTo>
-                    <a:pt x="83" y="199"/>
-                    <a:pt x="52" y="233"/>
-                    <a:pt x="16" y="269"/>
-                  </a:cubicBezTo>
-                  <a:cubicBezTo>
-                    <a:pt x="9" y="274"/>
-                    <a:pt x="4" y="279"/>
-                    <a:pt x="3" y="282"/>
-                  </a:cubicBezTo>
-                  <a:cubicBezTo>
-                    <a:pt x="0" y="290"/>
-                    <a:pt x="3" y="293"/>
-                    <a:pt x="12" y="292"/>
-                  </a:cubicBezTo>
-                  <a:cubicBezTo>
-                    <a:pt x="19" y="292"/>
-                    <a:pt x="32" y="285"/>
-                    <a:pt x="49" y="273"/>
-                  </a:cubicBezTo>
-                  <a:cubicBezTo>
-                    <a:pt x="51" y="273"/>
-                    <a:pt x="54" y="271"/>
-                    <a:pt x="57" y="269"/>
-                  </a:cubicBezTo>
-                  <a:lnTo>
-                    <a:pt x="78" y="253"/>
-                  </a:lnTo>
-                  <a:cubicBezTo>
-                    <a:pt x="105" y="233"/>
-                    <a:pt x="135" y="206"/>
-                    <a:pt x="169" y="173"/>
-                  </a:cubicBezTo>
-                  <a:lnTo>
-                    <a:pt x="189" y="151"/>
-                  </a:lnTo>
-                  <a:close/>
-                </a:path>
-              </a:pathLst>
-            </a:custGeom>
-            <a:solidFill>
-              <a:srgbClr val="0070C0"/>
-            </a:solidFill>
-            <a:ln w="0">
-              <a:solidFill>
-                <a:srgbClr val="000000"/>
-              </a:solidFill>
-              <a:prstDash val="solid"/>
-              <a:round/>
-              <a:headEnd/>
-              <a:tailEnd/>
-            </a:ln>
-          </p:spPr>
-          <p:txBody>
-            <a:bodyPr vert="horz" wrap="square" lIns="91440" tIns="45720" rIns="91440" bIns="45720" numCol="1" anchor="t" anchorCtr="0" compatLnSpc="1">
-              <a:prstTxWarp prst="textNoShape">
-                <a:avLst/>
-              </a:prstTxWarp>
-            </a:bodyPr>
-            <a:lstStyle/>
-            <a:p>
-              <a:endParaRPr lang="zh-CN" altLang="en-US"/>
-            </a:p>
-          </p:txBody>
-        </p:sp>
-        <p:sp>
-          <p:nvSpPr>
-            <p:cNvPr id="66" name="Freeform 21">
-              <a:extLst>
-                <a:ext uri="{FF2B5EF4-FFF2-40B4-BE49-F238E27FC236}">
-                  <a16:creationId xmlns:a16="http://schemas.microsoft.com/office/drawing/2014/main" id="{EAE75995-3DC2-B09F-ABAB-3AADD945F49D}"/>
-                </a:ext>
-              </a:extLst>
-            </p:cNvPr>
-            <p:cNvSpPr>
-              <a:spLocks/>
-            </p:cNvSpPr>
-            <p:nvPr/>
-          </p:nvSpPr>
-          <p:spPr bwMode="auto">
-            <a:xfrm>
-              <a:off x="5851842" y="2724626"/>
-              <a:ext cx="835660" cy="754380"/>
-            </a:xfrm>
-            <a:custGeom>
-              <a:avLst/>
-              <a:gdLst>
-                <a:gd name="T0" fmla="*/ 153 w 438"/>
-                <a:gd name="T1" fmla="*/ 67 h 396"/>
-                <a:gd name="T2" fmla="*/ 285 w 438"/>
-                <a:gd name="T3" fmla="*/ 63 h 396"/>
-                <a:gd name="T4" fmla="*/ 309 w 438"/>
-                <a:gd name="T5" fmla="*/ 68 h 396"/>
-                <a:gd name="T6" fmla="*/ 299 w 438"/>
-                <a:gd name="T7" fmla="*/ 96 h 396"/>
-                <a:gd name="T8" fmla="*/ 10 w 438"/>
-                <a:gd name="T9" fmla="*/ 382 h 396"/>
-                <a:gd name="T10" fmla="*/ 9 w 438"/>
-                <a:gd name="T11" fmla="*/ 396 h 396"/>
-                <a:gd name="T12" fmla="*/ 355 w 438"/>
-                <a:gd name="T13" fmla="*/ 130 h 396"/>
-                <a:gd name="T14" fmla="*/ 423 w 438"/>
-                <a:gd name="T15" fmla="*/ 67 h 396"/>
-                <a:gd name="T16" fmla="*/ 434 w 438"/>
-                <a:gd name="T17" fmla="*/ 45 h 396"/>
-                <a:gd name="T18" fmla="*/ 369 w 438"/>
-                <a:gd name="T19" fmla="*/ 7 h 396"/>
-                <a:gd name="T20" fmla="*/ 329 w 438"/>
-                <a:gd name="T21" fmla="*/ 8 h 396"/>
-                <a:gd name="T22" fmla="*/ 269 w 438"/>
-                <a:gd name="T23" fmla="*/ 28 h 396"/>
-                <a:gd name="T24" fmla="*/ 173 w 438"/>
-                <a:gd name="T25" fmla="*/ 45 h 396"/>
-                <a:gd name="T26" fmla="*/ 153 w 438"/>
-                <a:gd name="T27" fmla="*/ 67 h 396"/>
-              </a:gdLst>
-              <a:ahLst/>
-              <a:cxnLst>
-                <a:cxn ang="0">
-                  <a:pos x="T0" y="T1"/>
-                </a:cxn>
-                <a:cxn ang="0">
-                  <a:pos x="T2" y="T3"/>
-                </a:cxn>
-                <a:cxn ang="0">
-                  <a:pos x="T4" y="T5"/>
-                </a:cxn>
-                <a:cxn ang="0">
-                  <a:pos x="T6" y="T7"/>
-                </a:cxn>
-                <a:cxn ang="0">
-                  <a:pos x="T8" y="T9"/>
-                </a:cxn>
-                <a:cxn ang="0">
-                  <a:pos x="T10" y="T11"/>
-                </a:cxn>
-                <a:cxn ang="0">
-                  <a:pos x="T12" y="T13"/>
-                </a:cxn>
-                <a:cxn ang="0">
-                  <a:pos x="T14" y="T15"/>
-                </a:cxn>
-                <a:cxn ang="0">
-                  <a:pos x="T16" y="T17"/>
-                </a:cxn>
-                <a:cxn ang="0">
-                  <a:pos x="T18" y="T19"/>
-                </a:cxn>
-                <a:cxn ang="0">
-                  <a:pos x="T20" y="T21"/>
-                </a:cxn>
-                <a:cxn ang="0">
-                  <a:pos x="T22" y="T23"/>
-                </a:cxn>
-                <a:cxn ang="0">
-                  <a:pos x="T24" y="T25"/>
-                </a:cxn>
-                <a:cxn ang="0">
-                  <a:pos x="T26" y="T27"/>
-                </a:cxn>
-              </a:cxnLst>
-              <a:rect l="0" t="0" r="r" b="b"/>
-              <a:pathLst>
-                <a:path w="438" h="396">
-                  <a:moveTo>
-                    <a:pt x="153" y="67"/>
-                  </a:moveTo>
-                  <a:cubicBezTo>
-                    <a:pt x="169" y="80"/>
-                    <a:pt x="213" y="79"/>
-                    <a:pt x="285" y="63"/>
-                  </a:cubicBezTo>
-                  <a:cubicBezTo>
-                    <a:pt x="297" y="61"/>
-                    <a:pt x="305" y="62"/>
-                    <a:pt x="309" y="68"/>
-                  </a:cubicBezTo>
-                  <a:cubicBezTo>
-                    <a:pt x="312" y="73"/>
-                    <a:pt x="308" y="82"/>
-                    <a:pt x="299" y="96"/>
-                  </a:cubicBezTo>
-                  <a:cubicBezTo>
-                    <a:pt x="247" y="185"/>
-                    <a:pt x="151" y="281"/>
-                    <a:pt x="10" y="382"/>
-                  </a:cubicBezTo>
-                  <a:cubicBezTo>
-                    <a:pt x="1" y="390"/>
-                    <a:pt x="0" y="394"/>
-                    <a:pt x="9" y="396"/>
-                  </a:cubicBezTo>
-                  <a:cubicBezTo>
-                    <a:pt x="88" y="396"/>
-                    <a:pt x="203" y="307"/>
-                    <a:pt x="355" y="130"/>
-                  </a:cubicBezTo>
-                  <a:cubicBezTo>
-                    <a:pt x="360" y="116"/>
-                    <a:pt x="382" y="95"/>
-                    <a:pt x="423" y="67"/>
-                  </a:cubicBezTo>
-                  <a:cubicBezTo>
-                    <a:pt x="434" y="59"/>
-                    <a:pt x="438" y="52"/>
-                    <a:pt x="434" y="45"/>
-                  </a:cubicBezTo>
-                  <a:cubicBezTo>
-                    <a:pt x="433" y="39"/>
-                    <a:pt x="411" y="26"/>
-                    <a:pt x="369" y="7"/>
-                  </a:cubicBezTo>
-                  <a:cubicBezTo>
-                    <a:pt x="357" y="0"/>
-                    <a:pt x="343" y="0"/>
-                    <a:pt x="329" y="8"/>
-                  </a:cubicBezTo>
-                  <a:cubicBezTo>
-                    <a:pt x="313" y="16"/>
-                    <a:pt x="293" y="22"/>
-                    <a:pt x="269" y="28"/>
-                  </a:cubicBezTo>
-                  <a:cubicBezTo>
-                    <a:pt x="236" y="36"/>
-                    <a:pt x="203" y="41"/>
-                    <a:pt x="173" y="45"/>
-                  </a:cubicBezTo>
-                  <a:cubicBezTo>
-                    <a:pt x="139" y="50"/>
-                    <a:pt x="121" y="54"/>
-                    <a:pt x="153" y="67"/>
-                  </a:cubicBezTo>
-                </a:path>
-              </a:pathLst>
-            </a:custGeom>
-            <a:solidFill>
-              <a:srgbClr val="0070C0"/>
-            </a:solidFill>
-            <a:ln w="0">
-              <a:solidFill>
-                <a:srgbClr val="000000"/>
-              </a:solidFill>
-              <a:prstDash val="solid"/>
-              <a:round/>
-              <a:headEnd/>
-              <a:tailEnd/>
-            </a:ln>
-          </p:spPr>
-          <p:txBody>
-            <a:bodyPr vert="horz" wrap="square" lIns="91440" tIns="45720" rIns="91440" bIns="45720" numCol="1" anchor="t" anchorCtr="0" compatLnSpc="1">
-              <a:prstTxWarp prst="textNoShape">
-                <a:avLst/>
-              </a:prstTxWarp>
-            </a:bodyPr>
-            <a:lstStyle/>
-            <a:p>
-              <a:endParaRPr lang="zh-CN" altLang="en-US"/>
-            </a:p>
-          </p:txBody>
-        </p:sp>
-        <p:sp>
-          <p:nvSpPr>
-            <p:cNvPr id="67" name="Freeform 22">
-              <a:extLst>
-                <a:ext uri="{FF2B5EF4-FFF2-40B4-BE49-F238E27FC236}">
-                  <a16:creationId xmlns:a16="http://schemas.microsoft.com/office/drawing/2014/main" id="{A1102905-F444-BAA3-373A-0484DB30E86B}"/>
-                </a:ext>
-              </a:extLst>
-            </p:cNvPr>
-            <p:cNvSpPr>
-              <a:spLocks/>
-            </p:cNvSpPr>
-            <p:nvPr/>
-          </p:nvSpPr>
-          <p:spPr bwMode="auto">
-            <a:xfrm>
-              <a:off x="5900103" y="2977357"/>
-              <a:ext cx="232410" cy="232410"/>
-            </a:xfrm>
-            <a:custGeom>
-              <a:avLst/>
-              <a:gdLst>
-                <a:gd name="T0" fmla="*/ 16 w 122"/>
-                <a:gd name="T1" fmla="*/ 30 h 122"/>
-                <a:gd name="T2" fmla="*/ 93 w 122"/>
-                <a:gd name="T3" fmla="*/ 121 h 122"/>
-                <a:gd name="T4" fmla="*/ 97 w 122"/>
-                <a:gd name="T5" fmla="*/ 122 h 122"/>
-                <a:gd name="T6" fmla="*/ 120 w 122"/>
-                <a:gd name="T7" fmla="*/ 106 h 122"/>
-                <a:gd name="T8" fmla="*/ 115 w 122"/>
-                <a:gd name="T9" fmla="*/ 71 h 122"/>
-                <a:gd name="T10" fmla="*/ 37 w 122"/>
-                <a:gd name="T11" fmla="*/ 14 h 122"/>
-                <a:gd name="T12" fmla="*/ 16 w 122"/>
-                <a:gd name="T13" fmla="*/ 30 h 122"/>
-              </a:gdLst>
-              <a:ahLst/>
-              <a:cxnLst>
-                <a:cxn ang="0">
-                  <a:pos x="T0" y="T1"/>
-                </a:cxn>
-                <a:cxn ang="0">
-                  <a:pos x="T2" y="T3"/>
-                </a:cxn>
-                <a:cxn ang="0">
-                  <a:pos x="T4" y="T5"/>
-                </a:cxn>
-                <a:cxn ang="0">
-                  <a:pos x="T6" y="T7"/>
-                </a:cxn>
-                <a:cxn ang="0">
-                  <a:pos x="T8" y="T9"/>
-                </a:cxn>
-                <a:cxn ang="0">
-                  <a:pos x="T10" y="T11"/>
-                </a:cxn>
-                <a:cxn ang="0">
-                  <a:pos x="T12" y="T13"/>
-                </a:cxn>
-              </a:cxnLst>
-              <a:rect l="0" t="0" r="r" b="b"/>
-              <a:pathLst>
-                <a:path w="122" h="122">
-                  <a:moveTo>
-                    <a:pt x="16" y="30"/>
-                  </a:moveTo>
-                  <a:cubicBezTo>
-                    <a:pt x="40" y="79"/>
-                    <a:pt x="66" y="109"/>
-                    <a:pt x="93" y="121"/>
-                  </a:cubicBezTo>
-                  <a:cubicBezTo>
-                    <a:pt x="94" y="121"/>
-                    <a:pt x="95" y="121"/>
-                    <a:pt x="97" y="122"/>
-                  </a:cubicBezTo>
-                  <a:cubicBezTo>
-                    <a:pt x="107" y="122"/>
-                    <a:pt x="115" y="117"/>
-                    <a:pt x="120" y="106"/>
-                  </a:cubicBezTo>
-                  <a:cubicBezTo>
-                    <a:pt x="122" y="97"/>
-                    <a:pt x="121" y="85"/>
-                    <a:pt x="115" y="71"/>
-                  </a:cubicBezTo>
-                  <a:cubicBezTo>
-                    <a:pt x="108" y="53"/>
-                    <a:pt x="82" y="34"/>
-                    <a:pt x="37" y="14"/>
-                  </a:cubicBezTo>
-                  <a:cubicBezTo>
-                    <a:pt x="7" y="1"/>
-                    <a:pt x="0" y="0"/>
-                    <a:pt x="16" y="30"/>
-                  </a:cubicBezTo>
-                </a:path>
-              </a:pathLst>
-            </a:custGeom>
-            <a:solidFill>
-              <a:srgbClr val="0070C0"/>
-            </a:solidFill>
-            <a:ln w="0">
-              <a:solidFill>
-                <a:srgbClr val="000000"/>
-              </a:solidFill>
-              <a:prstDash val="solid"/>
-              <a:round/>
-              <a:headEnd/>
-              <a:tailEnd/>
-            </a:ln>
-          </p:spPr>
-          <p:txBody>
-            <a:bodyPr vert="horz" wrap="square" lIns="91440" tIns="45720" rIns="91440" bIns="45720" numCol="1" anchor="t" anchorCtr="0" compatLnSpc="1">
-              <a:prstTxWarp prst="textNoShape">
-                <a:avLst/>
-              </a:prstTxWarp>
-            </a:bodyPr>
-            <a:lstStyle/>
-            <a:p>
-              <a:endParaRPr lang="zh-CN" altLang="en-US"/>
-            </a:p>
-          </p:txBody>
-        </p:sp>
-        <p:sp>
-          <p:nvSpPr>
-            <p:cNvPr id="68" name="Freeform 23">
-              <a:extLst>
-                <a:ext uri="{FF2B5EF4-FFF2-40B4-BE49-F238E27FC236}">
-                  <a16:creationId xmlns:a16="http://schemas.microsoft.com/office/drawing/2014/main" id="{6464B4F6-5148-FD5E-0592-649484087B3C}"/>
-                </a:ext>
-              </a:extLst>
-            </p:cNvPr>
-            <p:cNvSpPr>
-              <a:spLocks/>
-            </p:cNvSpPr>
-            <p:nvPr/>
-          </p:nvSpPr>
-          <p:spPr bwMode="auto">
-            <a:xfrm>
-              <a:off x="5790883" y="3395187"/>
-              <a:ext cx="1090930" cy="247650"/>
-            </a:xfrm>
-            <a:custGeom>
-              <a:avLst/>
-              <a:gdLst>
-                <a:gd name="T0" fmla="*/ 373 w 572"/>
-                <a:gd name="T1" fmla="*/ 76 h 130"/>
-                <a:gd name="T2" fmla="*/ 503 w 572"/>
-                <a:gd name="T3" fmla="*/ 68 h 130"/>
-                <a:gd name="T4" fmla="*/ 569 w 572"/>
-                <a:gd name="T5" fmla="*/ 57 h 130"/>
-                <a:gd name="T6" fmla="*/ 557 w 572"/>
-                <a:gd name="T7" fmla="*/ 33 h 130"/>
-                <a:gd name="T8" fmla="*/ 421 w 572"/>
-                <a:gd name="T9" fmla="*/ 16 h 130"/>
-                <a:gd name="T10" fmla="*/ 377 w 572"/>
-                <a:gd name="T11" fmla="*/ 27 h 130"/>
-                <a:gd name="T12" fmla="*/ 312 w 572"/>
-                <a:gd name="T13" fmla="*/ 39 h 130"/>
-                <a:gd name="T14" fmla="*/ 264 w 572"/>
-                <a:gd name="T15" fmla="*/ 48 h 130"/>
-                <a:gd name="T16" fmla="*/ 16 w 572"/>
-                <a:gd name="T17" fmla="*/ 90 h 130"/>
-                <a:gd name="T18" fmla="*/ 11 w 572"/>
-                <a:gd name="T19" fmla="*/ 109 h 130"/>
-                <a:gd name="T20" fmla="*/ 44 w 572"/>
-                <a:gd name="T21" fmla="*/ 127 h 130"/>
-                <a:gd name="T22" fmla="*/ 82 w 572"/>
-                <a:gd name="T23" fmla="*/ 127 h 130"/>
-                <a:gd name="T24" fmla="*/ 313 w 572"/>
-                <a:gd name="T25" fmla="*/ 81 h 130"/>
-                <a:gd name="T26" fmla="*/ 373 w 572"/>
-                <a:gd name="T27" fmla="*/ 76 h 130"/>
-              </a:gdLst>
-              <a:ahLst/>
-              <a:cxnLst>
-                <a:cxn ang="0">
-                  <a:pos x="T0" y="T1"/>
-                </a:cxn>
-                <a:cxn ang="0">
-                  <a:pos x="T2" y="T3"/>
-                </a:cxn>
-                <a:cxn ang="0">
-                  <a:pos x="T4" y="T5"/>
-                </a:cxn>
-                <a:cxn ang="0">
-                  <a:pos x="T6" y="T7"/>
-                </a:cxn>
-                <a:cxn ang="0">
-                  <a:pos x="T8" y="T9"/>
-                </a:cxn>
-                <a:cxn ang="0">
-                  <a:pos x="T10" y="T11"/>
-                </a:cxn>
-                <a:cxn ang="0">
-                  <a:pos x="T12" y="T13"/>
-                </a:cxn>
-                <a:cxn ang="0">
-                  <a:pos x="T14" y="T15"/>
-                </a:cxn>
-                <a:cxn ang="0">
-                  <a:pos x="T16" y="T17"/>
-                </a:cxn>
-                <a:cxn ang="0">
-                  <a:pos x="T18" y="T19"/>
-                </a:cxn>
-                <a:cxn ang="0">
-                  <a:pos x="T20" y="T21"/>
-                </a:cxn>
-                <a:cxn ang="0">
-                  <a:pos x="T22" y="T23"/>
-                </a:cxn>
-                <a:cxn ang="0">
-                  <a:pos x="T24" y="T25"/>
-                </a:cxn>
-                <a:cxn ang="0">
-                  <a:pos x="T26" y="T27"/>
-                </a:cxn>
-              </a:cxnLst>
-              <a:rect l="0" t="0" r="r" b="b"/>
-              <a:pathLst>
-                <a:path w="572" h="130">
-                  <a:moveTo>
-                    <a:pt x="373" y="76"/>
-                  </a:moveTo>
-                  <a:cubicBezTo>
-                    <a:pt x="411" y="72"/>
-                    <a:pt x="454" y="69"/>
-                    <a:pt x="503" y="68"/>
-                  </a:cubicBezTo>
-                  <a:cubicBezTo>
-                    <a:pt x="541" y="68"/>
-                    <a:pt x="563" y="65"/>
-                    <a:pt x="569" y="57"/>
-                  </a:cubicBezTo>
-                  <a:cubicBezTo>
-                    <a:pt x="572" y="50"/>
-                    <a:pt x="568" y="42"/>
-                    <a:pt x="557" y="33"/>
-                  </a:cubicBezTo>
-                  <a:cubicBezTo>
-                    <a:pt x="520" y="6"/>
-                    <a:pt x="475" y="0"/>
-                    <a:pt x="421" y="16"/>
-                  </a:cubicBezTo>
-                  <a:cubicBezTo>
-                    <a:pt x="408" y="18"/>
-                    <a:pt x="393" y="22"/>
-                    <a:pt x="377" y="27"/>
-                  </a:cubicBezTo>
-                  <a:lnTo>
-                    <a:pt x="312" y="39"/>
-                  </a:lnTo>
-                  <a:cubicBezTo>
-                    <a:pt x="296" y="42"/>
-                    <a:pt x="280" y="45"/>
-                    <a:pt x="264" y="48"/>
-                  </a:cubicBezTo>
-                  <a:cubicBezTo>
-                    <a:pt x="188" y="60"/>
-                    <a:pt x="105" y="74"/>
-                    <a:pt x="16" y="90"/>
-                  </a:cubicBezTo>
-                  <a:cubicBezTo>
-                    <a:pt x="1" y="92"/>
-                    <a:pt x="0" y="98"/>
-                    <a:pt x="11" y="109"/>
-                  </a:cubicBezTo>
-                  <a:cubicBezTo>
-                    <a:pt x="21" y="118"/>
-                    <a:pt x="32" y="124"/>
-                    <a:pt x="44" y="127"/>
-                  </a:cubicBezTo>
-                  <a:cubicBezTo>
-                    <a:pt x="58" y="130"/>
-                    <a:pt x="70" y="130"/>
-                    <a:pt x="82" y="127"/>
-                  </a:cubicBezTo>
-                  <a:cubicBezTo>
-                    <a:pt x="152" y="104"/>
-                    <a:pt x="229" y="89"/>
-                    <a:pt x="313" y="81"/>
-                  </a:cubicBezTo>
-                  <a:lnTo>
-                    <a:pt x="373" y="76"/>
-                  </a:lnTo>
-                  <a:close/>
-                </a:path>
-              </a:pathLst>
-            </a:custGeom>
-            <a:solidFill>
-              <a:srgbClr val="0070C0"/>
-            </a:solidFill>
-            <a:ln w="0">
-              <a:solidFill>
-                <a:srgbClr val="000000"/>
-              </a:solidFill>
-              <a:prstDash val="solid"/>
-              <a:round/>
-              <a:headEnd/>
-              <a:tailEnd/>
-            </a:ln>
-          </p:spPr>
-          <p:txBody>
-            <a:bodyPr vert="horz" wrap="square" lIns="91440" tIns="45720" rIns="91440" bIns="45720" numCol="1" anchor="t" anchorCtr="0" compatLnSpc="1">
-              <a:prstTxWarp prst="textNoShape">
-                <a:avLst/>
-              </a:prstTxWarp>
-            </a:bodyPr>
-            <a:lstStyle/>
-            <a:p>
-              <a:endParaRPr lang="zh-CN" altLang="en-US"/>
-            </a:p>
-          </p:txBody>
-        </p:sp>
-        <p:sp>
-          <p:nvSpPr>
-            <p:cNvPr id="69" name="Freeform 24">
-              <a:extLst>
-                <a:ext uri="{FF2B5EF4-FFF2-40B4-BE49-F238E27FC236}">
-                  <a16:creationId xmlns:a16="http://schemas.microsoft.com/office/drawing/2014/main" id="{7C71DDCC-1F50-5310-5179-290F9065E235}"/>
-                </a:ext>
-              </a:extLst>
-            </p:cNvPr>
-            <p:cNvSpPr>
-              <a:spLocks/>
-            </p:cNvSpPr>
-            <p:nvPr/>
-          </p:nvSpPr>
-          <p:spPr bwMode="auto">
-            <a:xfrm>
-              <a:off x="6155373" y="3232627"/>
-              <a:ext cx="384810" cy="1197610"/>
-            </a:xfrm>
-            <a:custGeom>
-              <a:avLst/>
-              <a:gdLst>
-                <a:gd name="T0" fmla="*/ 81 w 202"/>
-                <a:gd name="T1" fmla="*/ 494 h 628"/>
-                <a:gd name="T2" fmla="*/ 14 w 202"/>
-                <a:gd name="T3" fmla="*/ 484 h 628"/>
-                <a:gd name="T4" fmla="*/ 0 w 202"/>
-                <a:gd name="T5" fmla="*/ 491 h 628"/>
-                <a:gd name="T6" fmla="*/ 14 w 202"/>
-                <a:gd name="T7" fmla="*/ 507 h 628"/>
-                <a:gd name="T8" fmla="*/ 120 w 202"/>
-                <a:gd name="T9" fmla="*/ 615 h 628"/>
-                <a:gd name="T10" fmla="*/ 156 w 202"/>
-                <a:gd name="T11" fmla="*/ 617 h 628"/>
-                <a:gd name="T12" fmla="*/ 192 w 202"/>
-                <a:gd name="T13" fmla="*/ 486 h 628"/>
-                <a:gd name="T14" fmla="*/ 182 w 202"/>
-                <a:gd name="T15" fmla="*/ 161 h 628"/>
-                <a:gd name="T16" fmla="*/ 186 w 202"/>
-                <a:gd name="T17" fmla="*/ 112 h 628"/>
-                <a:gd name="T18" fmla="*/ 195 w 202"/>
-                <a:gd name="T19" fmla="*/ 80 h 628"/>
-                <a:gd name="T20" fmla="*/ 185 w 202"/>
-                <a:gd name="T21" fmla="*/ 43 h 628"/>
-                <a:gd name="T22" fmla="*/ 120 w 202"/>
-                <a:gd name="T23" fmla="*/ 6 h 628"/>
-                <a:gd name="T24" fmla="*/ 89 w 202"/>
-                <a:gd name="T25" fmla="*/ 8 h 628"/>
-                <a:gd name="T26" fmla="*/ 94 w 202"/>
-                <a:gd name="T27" fmla="*/ 34 h 628"/>
-                <a:gd name="T28" fmla="*/ 121 w 202"/>
-                <a:gd name="T29" fmla="*/ 124 h 628"/>
-                <a:gd name="T30" fmla="*/ 122 w 202"/>
-                <a:gd name="T31" fmla="*/ 166 h 628"/>
-                <a:gd name="T32" fmla="*/ 108 w 202"/>
-                <a:gd name="T33" fmla="*/ 491 h 628"/>
-                <a:gd name="T34" fmla="*/ 81 w 202"/>
-                <a:gd name="T35" fmla="*/ 494 h 628"/>
-              </a:gdLst>
-              <a:ahLst/>
-              <a:cxnLst>
-                <a:cxn ang="0">
-                  <a:pos x="T0" y="T1"/>
-                </a:cxn>
-                <a:cxn ang="0">
-                  <a:pos x="T2" y="T3"/>
-                </a:cxn>
-                <a:cxn ang="0">
-                  <a:pos x="T4" y="T5"/>
-                </a:cxn>
-                <a:cxn ang="0">
-                  <a:pos x="T6" y="T7"/>
-                </a:cxn>
-                <a:cxn ang="0">
-                  <a:pos x="T8" y="T9"/>
-                </a:cxn>
-                <a:cxn ang="0">
-                  <a:pos x="T10" y="T11"/>
-                </a:cxn>
-                <a:cxn ang="0">
-                  <a:pos x="T12" y="T13"/>
-                </a:cxn>
-                <a:cxn ang="0">
-                  <a:pos x="T14" y="T15"/>
-                </a:cxn>
-                <a:cxn ang="0">
-                  <a:pos x="T16" y="T17"/>
-                </a:cxn>
-                <a:cxn ang="0">
-                  <a:pos x="T18" y="T19"/>
-                </a:cxn>
-                <a:cxn ang="0">
-                  <a:pos x="T20" y="T21"/>
-                </a:cxn>
-                <a:cxn ang="0">
-                  <a:pos x="T22" y="T23"/>
-                </a:cxn>
-                <a:cxn ang="0">
-                  <a:pos x="T24" y="T25"/>
-                </a:cxn>
-                <a:cxn ang="0">
-                  <a:pos x="T26" y="T27"/>
-                </a:cxn>
-                <a:cxn ang="0">
-                  <a:pos x="T28" y="T29"/>
-                </a:cxn>
-                <a:cxn ang="0">
-                  <a:pos x="T30" y="T31"/>
-                </a:cxn>
-                <a:cxn ang="0">
-                  <a:pos x="T32" y="T33"/>
-                </a:cxn>
-                <a:cxn ang="0">
-                  <a:pos x="T34" y="T35"/>
-                </a:cxn>
-              </a:cxnLst>
-              <a:rect l="0" t="0" r="r" b="b"/>
-              <a:pathLst>
-                <a:path w="202" h="628">
-                  <a:moveTo>
-                    <a:pt x="81" y="494"/>
-                  </a:moveTo>
-                  <a:cubicBezTo>
-                    <a:pt x="58" y="491"/>
-                    <a:pt x="35" y="488"/>
-                    <a:pt x="14" y="484"/>
-                  </a:cubicBezTo>
-                  <a:cubicBezTo>
-                    <a:pt x="4" y="483"/>
-                    <a:pt x="0" y="485"/>
-                    <a:pt x="0" y="491"/>
-                  </a:cubicBezTo>
-                  <a:cubicBezTo>
-                    <a:pt x="1" y="496"/>
-                    <a:pt x="6" y="501"/>
-                    <a:pt x="14" y="507"/>
-                  </a:cubicBezTo>
-                  <a:cubicBezTo>
-                    <a:pt x="66" y="552"/>
-                    <a:pt x="102" y="588"/>
-                    <a:pt x="120" y="615"/>
-                  </a:cubicBezTo>
-                  <a:cubicBezTo>
-                    <a:pt x="132" y="627"/>
-                    <a:pt x="144" y="628"/>
-                    <a:pt x="156" y="617"/>
-                  </a:cubicBezTo>
-                  <a:cubicBezTo>
-                    <a:pt x="179" y="592"/>
-                    <a:pt x="191" y="549"/>
-                    <a:pt x="192" y="486"/>
-                  </a:cubicBezTo>
-                  <a:cubicBezTo>
-                    <a:pt x="185" y="414"/>
-                    <a:pt x="182" y="306"/>
-                    <a:pt x="182" y="161"/>
-                  </a:cubicBezTo>
-                  <a:lnTo>
-                    <a:pt x="186" y="112"/>
-                  </a:lnTo>
-                  <a:cubicBezTo>
-                    <a:pt x="189" y="100"/>
-                    <a:pt x="192" y="89"/>
-                    <a:pt x="195" y="80"/>
-                  </a:cubicBezTo>
-                  <a:cubicBezTo>
-                    <a:pt x="202" y="65"/>
-                    <a:pt x="199" y="53"/>
-                    <a:pt x="185" y="43"/>
-                  </a:cubicBezTo>
-                  <a:cubicBezTo>
-                    <a:pt x="165" y="26"/>
-                    <a:pt x="143" y="14"/>
-                    <a:pt x="120" y="6"/>
-                  </a:cubicBezTo>
-                  <a:cubicBezTo>
-                    <a:pt x="106" y="0"/>
-                    <a:pt x="96" y="1"/>
-                    <a:pt x="89" y="8"/>
-                  </a:cubicBezTo>
-                  <a:cubicBezTo>
-                    <a:pt x="84" y="13"/>
-                    <a:pt x="86" y="22"/>
-                    <a:pt x="94" y="34"/>
-                  </a:cubicBezTo>
-                  <a:cubicBezTo>
-                    <a:pt x="111" y="61"/>
-                    <a:pt x="120" y="91"/>
-                    <a:pt x="121" y="124"/>
-                  </a:cubicBezTo>
-                  <a:lnTo>
-                    <a:pt x="122" y="166"/>
-                  </a:lnTo>
-                  <a:cubicBezTo>
-                    <a:pt x="131" y="365"/>
-                    <a:pt x="127" y="473"/>
-                    <a:pt x="108" y="491"/>
-                  </a:cubicBezTo>
-                  <a:cubicBezTo>
-                    <a:pt x="100" y="496"/>
-                    <a:pt x="91" y="497"/>
-                    <a:pt x="81" y="494"/>
-                  </a:cubicBezTo>
-                  <a:close/>
-                </a:path>
-              </a:pathLst>
-            </a:custGeom>
-            <a:solidFill>
-              <a:srgbClr val="0070C0"/>
-            </a:solidFill>
-            <a:ln w="0">
-              <a:solidFill>
-                <a:srgbClr val="000000"/>
-              </a:solidFill>
-              <a:prstDash val="solid"/>
-              <a:round/>
-              <a:headEnd/>
-              <a:tailEnd/>
-            </a:ln>
-          </p:spPr>
-          <p:txBody>
-            <a:bodyPr vert="horz" wrap="square" lIns="91440" tIns="45720" rIns="91440" bIns="45720" numCol="1" anchor="t" anchorCtr="0" compatLnSpc="1">
-              <a:prstTxWarp prst="textNoShape">
-                <a:avLst/>
-              </a:prstTxWarp>
-            </a:bodyPr>
-            <a:lstStyle/>
-            <a:p>
-              <a:endParaRPr lang="zh-CN" altLang="en-US"/>
-            </a:p>
-          </p:txBody>
-        </p:sp>
-        <p:sp>
-          <p:nvSpPr>
-            <p:cNvPr id="70" name="Freeform 25">
-              <a:extLst>
-                <a:ext uri="{FF2B5EF4-FFF2-40B4-BE49-F238E27FC236}">
-                  <a16:creationId xmlns:a16="http://schemas.microsoft.com/office/drawing/2014/main" id="{D9209DC5-71DB-4582-7489-6D3F3ABC1CEB}"/>
-                </a:ext>
-              </a:extLst>
-            </p:cNvPr>
-            <p:cNvSpPr>
-              <a:spLocks/>
-            </p:cNvSpPr>
-            <p:nvPr/>
-          </p:nvSpPr>
-          <p:spPr bwMode="auto">
-            <a:xfrm>
-              <a:off x="5907723" y="3726657"/>
-              <a:ext cx="265430" cy="275590"/>
-            </a:xfrm>
-            <a:custGeom>
-              <a:avLst/>
-              <a:gdLst>
-                <a:gd name="T0" fmla="*/ 28 w 139"/>
-                <a:gd name="T1" fmla="*/ 60 h 144"/>
-                <a:gd name="T2" fmla="*/ 82 w 139"/>
-                <a:gd name="T3" fmla="*/ 125 h 144"/>
-                <a:gd name="T4" fmla="*/ 112 w 139"/>
-                <a:gd name="T5" fmla="*/ 143 h 144"/>
-                <a:gd name="T6" fmla="*/ 133 w 139"/>
-                <a:gd name="T7" fmla="*/ 130 h 144"/>
-                <a:gd name="T8" fmla="*/ 135 w 139"/>
-                <a:gd name="T9" fmla="*/ 79 h 144"/>
-                <a:gd name="T10" fmla="*/ 31 w 139"/>
-                <a:gd name="T11" fmla="*/ 6 h 144"/>
-                <a:gd name="T12" fmla="*/ 6 w 139"/>
-                <a:gd name="T13" fmla="*/ 2 h 144"/>
-                <a:gd name="T14" fmla="*/ 0 w 139"/>
-                <a:gd name="T15" fmla="*/ 20 h 144"/>
-                <a:gd name="T16" fmla="*/ 28 w 139"/>
-                <a:gd name="T17" fmla="*/ 60 h 144"/>
-              </a:gdLst>
-              <a:ahLst/>
-              <a:cxnLst>
-                <a:cxn ang="0">
-                  <a:pos x="T0" y="T1"/>
-                </a:cxn>
-                <a:cxn ang="0">
-                  <a:pos x="T2" y="T3"/>
-                </a:cxn>
-                <a:cxn ang="0">
-                  <a:pos x="T4" y="T5"/>
-                </a:cxn>
-                <a:cxn ang="0">
-                  <a:pos x="T6" y="T7"/>
-                </a:cxn>
-                <a:cxn ang="0">
-                  <a:pos x="T8" y="T9"/>
-                </a:cxn>
-                <a:cxn ang="0">
-                  <a:pos x="T10" y="T11"/>
-                </a:cxn>
-                <a:cxn ang="0">
-                  <a:pos x="T12" y="T13"/>
-                </a:cxn>
-                <a:cxn ang="0">
-                  <a:pos x="T14" y="T15"/>
-                </a:cxn>
-                <a:cxn ang="0">
-                  <a:pos x="T16" y="T17"/>
-                </a:cxn>
-              </a:cxnLst>
-              <a:rect l="0" t="0" r="r" b="b"/>
-              <a:pathLst>
-                <a:path w="139" h="144">
-                  <a:moveTo>
-                    <a:pt x="28" y="60"/>
-                  </a:moveTo>
-                  <a:cubicBezTo>
-                    <a:pt x="46" y="80"/>
-                    <a:pt x="64" y="102"/>
-                    <a:pt x="82" y="125"/>
-                  </a:cubicBezTo>
-                  <a:cubicBezTo>
-                    <a:pt x="91" y="136"/>
-                    <a:pt x="101" y="142"/>
-                    <a:pt x="112" y="143"/>
-                  </a:cubicBezTo>
-                  <a:cubicBezTo>
-                    <a:pt x="120" y="144"/>
-                    <a:pt x="127" y="139"/>
-                    <a:pt x="133" y="130"/>
-                  </a:cubicBezTo>
-                  <a:cubicBezTo>
-                    <a:pt x="138" y="120"/>
-                    <a:pt x="139" y="103"/>
-                    <a:pt x="135" y="79"/>
-                  </a:cubicBezTo>
-                  <a:cubicBezTo>
-                    <a:pt x="130" y="55"/>
-                    <a:pt x="95" y="30"/>
-                    <a:pt x="31" y="6"/>
-                  </a:cubicBezTo>
-                  <a:cubicBezTo>
-                    <a:pt x="20" y="2"/>
-                    <a:pt x="11" y="0"/>
-                    <a:pt x="6" y="2"/>
-                  </a:cubicBezTo>
-                  <a:cubicBezTo>
-                    <a:pt x="2" y="4"/>
-                    <a:pt x="0" y="10"/>
-                    <a:pt x="0" y="20"/>
-                  </a:cubicBezTo>
-                  <a:cubicBezTo>
-                    <a:pt x="1" y="29"/>
-                    <a:pt x="11" y="42"/>
-                    <a:pt x="28" y="60"/>
-                  </a:cubicBezTo>
-                </a:path>
-              </a:pathLst>
-            </a:custGeom>
-            <a:solidFill>
-              <a:srgbClr val="0070C0"/>
-            </a:solidFill>
-            <a:ln w="0">
-              <a:solidFill>
-                <a:srgbClr val="000000"/>
-              </a:solidFill>
-              <a:prstDash val="solid"/>
-              <a:round/>
-              <a:headEnd/>
-              <a:tailEnd/>
-            </a:ln>
-          </p:spPr>
-          <p:txBody>
-            <a:bodyPr vert="horz" wrap="square" lIns="91440" tIns="45720" rIns="91440" bIns="45720" numCol="1" anchor="t" anchorCtr="0" compatLnSpc="1">
-              <a:prstTxWarp prst="textNoShape">
-                <a:avLst/>
-              </a:prstTxWarp>
-            </a:bodyPr>
-            <a:lstStyle/>
-            <a:p>
-              <a:endParaRPr lang="zh-CN" altLang="en-US"/>
-            </a:p>
-          </p:txBody>
-        </p:sp>
-      </p:grpSp>
+          <a:prstGeom prst="rect">
+            <a:avLst/>
+          </a:prstGeom>
+          <a:noFill/>
+        </p:spPr>
+        <p:txBody>
+          <a:bodyPr wrap="square" lIns="0" tIns="0" rIns="0" bIns="0" rtlCol="0">
+            <a:spAutoFit/>
+          </a:bodyPr>
+          <a:lstStyle/>
+          <a:p>
+            <a:pPr algn="ctr"/>
+            <a:r>
+              <a:rPr lang="zh-CN" altLang="en-US" sz="16600">
+                <a:solidFill>
+                  <a:schemeClr val="tx1">
+                    <a:lumMod val="95000"/>
+                    <a:lumOff val="5000"/>
+                  </a:schemeClr>
+                </a:solidFill>
+              </a:rPr>
+              <a:t>字</a:t>
+            </a:r>
+          </a:p>
+        </p:txBody>
+      </p:sp>
     </p:spTree>
     <p:extLst>
       <p:ext uri="{BB962C8B-B14F-4D97-AF65-F5344CB8AC3E}">

--- a/Resources/生字教学.pptx
+++ b/Resources/生字教学.pptx
@@ -259,7 +259,7 @@
           <a:p>
             <a:fld id="{51683BBD-C539-4CCF-AF5B-1ABA35A9BE62}" type="datetimeFigureOut">
               <a:rPr lang="zh-CN" altLang="en-US" smtClean="0"/>
-              <a:t>2024/6/23</a:t>
+              <a:t>2024/6/24</a:t>
             </a:fld>
             <a:endParaRPr lang="zh-CN" altLang="en-US"/>
           </a:p>
@@ -457,7 +457,7 @@
           <a:p>
             <a:fld id="{51683BBD-C539-4CCF-AF5B-1ABA35A9BE62}" type="datetimeFigureOut">
               <a:rPr lang="zh-CN" altLang="en-US" smtClean="0"/>
-              <a:t>2024/6/23</a:t>
+              <a:t>2024/6/24</a:t>
             </a:fld>
             <a:endParaRPr lang="zh-CN" altLang="en-US"/>
           </a:p>
@@ -665,7 +665,7 @@
           <a:p>
             <a:fld id="{51683BBD-C539-4CCF-AF5B-1ABA35A9BE62}" type="datetimeFigureOut">
               <a:rPr lang="zh-CN" altLang="en-US" smtClean="0"/>
-              <a:t>2024/6/23</a:t>
+              <a:t>2024/6/24</a:t>
             </a:fld>
             <a:endParaRPr lang="zh-CN" altLang="en-US"/>
           </a:p>
@@ -863,7 +863,7 @@
           <a:p>
             <a:fld id="{51683BBD-C539-4CCF-AF5B-1ABA35A9BE62}" type="datetimeFigureOut">
               <a:rPr lang="zh-CN" altLang="en-US" smtClean="0"/>
-              <a:t>2024/6/23</a:t>
+              <a:t>2024/6/24</a:t>
             </a:fld>
             <a:endParaRPr lang="zh-CN" altLang="en-US"/>
           </a:p>
@@ -1138,7 +1138,7 @@
           <a:p>
             <a:fld id="{51683BBD-C539-4CCF-AF5B-1ABA35A9BE62}" type="datetimeFigureOut">
               <a:rPr lang="zh-CN" altLang="en-US" smtClean="0"/>
-              <a:t>2024/6/23</a:t>
+              <a:t>2024/6/24</a:t>
             </a:fld>
             <a:endParaRPr lang="zh-CN" altLang="en-US"/>
           </a:p>
@@ -1403,7 +1403,7 @@
           <a:p>
             <a:fld id="{51683BBD-C539-4CCF-AF5B-1ABA35A9BE62}" type="datetimeFigureOut">
               <a:rPr lang="zh-CN" altLang="en-US" smtClean="0"/>
-              <a:t>2024/6/23</a:t>
+              <a:t>2024/6/24</a:t>
             </a:fld>
             <a:endParaRPr lang="zh-CN" altLang="en-US"/>
           </a:p>
@@ -1815,7 +1815,7 @@
           <a:p>
             <a:fld id="{51683BBD-C539-4CCF-AF5B-1ABA35A9BE62}" type="datetimeFigureOut">
               <a:rPr lang="zh-CN" altLang="en-US" smtClean="0"/>
-              <a:t>2024/6/23</a:t>
+              <a:t>2024/6/24</a:t>
             </a:fld>
             <a:endParaRPr lang="zh-CN" altLang="en-US"/>
           </a:p>
@@ -1956,7 +1956,7 @@
           <a:p>
             <a:fld id="{51683BBD-C539-4CCF-AF5B-1ABA35A9BE62}" type="datetimeFigureOut">
               <a:rPr lang="zh-CN" altLang="en-US" smtClean="0"/>
-              <a:t>2024/6/23</a:t>
+              <a:t>2024/6/24</a:t>
             </a:fld>
             <a:endParaRPr lang="zh-CN" altLang="en-US"/>
           </a:p>
@@ -2069,7 +2069,7 @@
           <a:p>
             <a:fld id="{51683BBD-C539-4CCF-AF5B-1ABA35A9BE62}" type="datetimeFigureOut">
               <a:rPr lang="zh-CN" altLang="en-US" smtClean="0"/>
-              <a:t>2024/6/23</a:t>
+              <a:t>2024/6/24</a:t>
             </a:fld>
             <a:endParaRPr lang="zh-CN" altLang="en-US"/>
           </a:p>
@@ -2380,7 +2380,7 @@
           <a:p>
             <a:fld id="{51683BBD-C539-4CCF-AF5B-1ABA35A9BE62}" type="datetimeFigureOut">
               <a:rPr lang="zh-CN" altLang="en-US" smtClean="0"/>
-              <a:t>2024/6/23</a:t>
+              <a:t>2024/6/24</a:t>
             </a:fld>
             <a:endParaRPr lang="zh-CN" altLang="en-US"/>
           </a:p>
@@ -2668,7 +2668,7 @@
           <a:p>
             <a:fld id="{51683BBD-C539-4CCF-AF5B-1ABA35A9BE62}" type="datetimeFigureOut">
               <a:rPr lang="zh-CN" altLang="en-US" smtClean="0"/>
-              <a:t>2024/6/23</a:t>
+              <a:t>2024/6/24</a:t>
             </a:fld>
             <a:endParaRPr lang="zh-CN" altLang="en-US"/>
           </a:p>
@@ -2909,7 +2909,7 @@
           <a:p>
             <a:fld id="{51683BBD-C539-4CCF-AF5B-1ABA35A9BE62}" type="datetimeFigureOut">
               <a:rPr lang="zh-CN" altLang="en-US" smtClean="0"/>
-              <a:t>2024/6/23</a:t>
+              <a:t>2024/6/24</a:t>
             </a:fld>
             <a:endParaRPr lang="zh-CN" altLang="en-US"/>
           </a:p>
@@ -3312,6 +3312,20 @@
 <file path=ppt/slides/slide1.xml><?xml version="1.0" encoding="utf-8"?>
 <p:sld xmlns:a="http://schemas.openxmlformats.org/drawingml/2006/main" xmlns:r="http://schemas.openxmlformats.org/officeDocument/2006/relationships" xmlns:p="http://schemas.openxmlformats.org/presentationml/2006/main">
   <p:cSld>
+    <p:bg>
+      <p:bgPr>
+        <a:blipFill dpi="0" rotWithShape="1">
+          <a:blip r:embed="rId23">
+            <a:lum/>
+          </a:blip>
+          <a:srcRect/>
+          <a:stretch>
+            <a:fillRect/>
+          </a:stretch>
+        </a:blipFill>
+        <a:effectLst/>
+      </p:bgPr>
+    </p:bg>
     <p:spTree>
       <p:nvGrpSpPr>
         <p:cNvPr id="1" name=""/>
@@ -3341,7 +3355,7 @@
         <p:spPr>
           <a:xfrm>
             <a:off x="1" y="0"/>
-            <a:ext cx="4572001" cy="6858000"/>
+            <a:ext cx="4507705" cy="6858000"/>
           </a:xfrm>
           <a:custGeom>
             <a:avLst/>
@@ -3441,7 +3455,7 @@
         </p:nvGrpSpPr>
         <p:grpSpPr>
           <a:xfrm flipH="1">
-            <a:off x="3368577" y="2469281"/>
+            <a:off x="3368577" y="2418482"/>
             <a:ext cx="607748" cy="607748"/>
             <a:chOff x="5456128" y="3192921"/>
             <a:chExt cx="610943" cy="610943"/>
@@ -4020,7 +4034,7 @@
         </p:nvGrpSpPr>
         <p:grpSpPr>
           <a:xfrm flipH="1">
-            <a:off x="3368577" y="3345615"/>
+            <a:off x="3368577" y="3294816"/>
             <a:ext cx="607748" cy="607748"/>
             <a:chOff x="5456128" y="3304738"/>
             <a:chExt cx="610943" cy="610943"/>
@@ -4696,7 +4710,7 @@
         </p:nvCxnSpPr>
         <p:spPr>
           <a:xfrm>
-            <a:off x="674642" y="1406774"/>
+            <a:off x="674642" y="1355975"/>
             <a:ext cx="2400749" cy="0"/>
           </a:xfrm>
           <a:prstGeom prst="line">
@@ -4733,7 +4747,7 @@
         </p:nvCxnSpPr>
         <p:spPr>
           <a:xfrm>
-            <a:off x="674642" y="1591918"/>
+            <a:off x="674642" y="1541119"/>
             <a:ext cx="2400749" cy="0"/>
           </a:xfrm>
           <a:prstGeom prst="line">
@@ -4773,7 +4787,7 @@
         </p:nvCxnSpPr>
         <p:spPr>
           <a:xfrm>
-            <a:off x="674642" y="1777063"/>
+            <a:off x="674642" y="1726264"/>
             <a:ext cx="2400749" cy="0"/>
           </a:xfrm>
           <a:prstGeom prst="line">
@@ -4813,7 +4827,7 @@
         </p:nvCxnSpPr>
         <p:spPr>
           <a:xfrm>
-            <a:off x="674642" y="1962210"/>
+            <a:off x="674642" y="1911411"/>
             <a:ext cx="2400749" cy="0"/>
           </a:xfrm>
           <a:prstGeom prst="line">
@@ -4848,7 +4862,7 @@
         </p:nvSpPr>
         <p:spPr>
           <a:xfrm>
-            <a:off x="673053" y="1347121"/>
+            <a:off x="673053" y="1296322"/>
             <a:ext cx="2403929" cy="599284"/>
           </a:xfrm>
           <a:prstGeom prst="rect">
@@ -4920,7 +4934,7 @@
           </p:nvPr>
         </p:nvPicPr>
         <p:blipFill rotWithShape="1">
-          <a:blip r:embed="rId23">
+          <a:blip r:embed="rId24">
             <a:duotone>
               <a:srgbClr val="48A1FA">
                 <a:shade val="45000"/>
@@ -4939,7 +4953,7 @@
         </p:blipFill>
         <p:spPr>
           <a:xfrm>
-            <a:off x="583701" y="279871"/>
+            <a:off x="583701" y="236329"/>
             <a:ext cx="836863" cy="758075"/>
           </a:xfrm>
           <a:prstGeom prst="rect">
@@ -4965,7 +4979,7 @@
         </p:nvSpPr>
         <p:spPr>
           <a:xfrm>
-            <a:off x="1519222" y="366520"/>
+            <a:off x="1519222" y="322978"/>
             <a:ext cx="2387935" cy="646331"/>
           </a:xfrm>
           <a:prstGeom prst="rect">
@@ -5013,7 +5027,7 @@
         </p:nvGrpSpPr>
         <p:grpSpPr>
           <a:xfrm>
-            <a:off x="695681" y="2098656"/>
+            <a:off x="695681" y="2047857"/>
             <a:ext cx="2358693" cy="2358692"/>
             <a:chOff x="3605517" y="3935544"/>
             <a:chExt cx="707608" cy="707608"/>
@@ -5193,13 +5207,13 @@
             </p:custDataLst>
             <p:extLst>
               <p:ext uri="{D42A27DB-BD31-4B8C-83A1-F6EECF244321}">
-                <p14:modId xmlns:p14="http://schemas.microsoft.com/office/powerpoint/2010/main" val="247241311"/>
+                <p14:modId xmlns:p14="http://schemas.microsoft.com/office/powerpoint/2010/main" val="1234103067"/>
               </p:ext>
             </p:extLst>
           </p:nvPr>
         </p:nvGraphicFramePr>
         <p:xfrm>
-          <a:off x="695681" y="4589026"/>
+          <a:off x="695681" y="4538227"/>
           <a:ext cx="2360935" cy="1554480"/>
         </p:xfrm>
         <a:graphic>
@@ -6023,7 +6037,7 @@
         </p:nvSpPr>
         <p:spPr>
           <a:xfrm>
-            <a:off x="5025329" y="332164"/>
+            <a:off x="5454890" y="329783"/>
             <a:ext cx="2387935" cy="523220"/>
           </a:xfrm>
           <a:prstGeom prst="rect">
@@ -6075,7 +6089,7 @@
         <p:spPr>
           <a:xfrm>
             <a:off x="5158675" y="873714"/>
-            <a:ext cx="6480339" cy="2367040"/>
+            <a:ext cx="6480339" cy="2298677"/>
           </a:xfrm>
           <a:prstGeom prst="rect">
             <a:avLst/>
@@ -6083,10 +6097,13 @@
           <a:solidFill>
             <a:schemeClr val="bg1"/>
           </a:solidFill>
-          <a:ln>
+          <a:ln w="19050">
             <a:solidFill>
-              <a:srgbClr val="48A1FA"/>
+              <a:srgbClr val="48A1FA">
+                <a:alpha val="44000"/>
+              </a:srgbClr>
             </a:solidFill>
+            <a:prstDash val="sysDash"/>
           </a:ln>
         </p:spPr>
         <p:style>
@@ -6132,7 +6149,7 @@
         </p:nvSpPr>
         <p:spPr>
           <a:xfrm>
-            <a:off x="5025329" y="3425090"/>
+            <a:off x="5560664" y="3367940"/>
             <a:ext cx="2387935" cy="523220"/>
           </a:xfrm>
           <a:prstGeom prst="rect">
@@ -6183,7 +6200,7 @@
         </p:nvSpPr>
         <p:spPr>
           <a:xfrm>
-            <a:off x="5158675" y="4027871"/>
+            <a:off x="5158675" y="3970721"/>
             <a:ext cx="1490183" cy="487483"/>
           </a:xfrm>
           <a:prstGeom prst="roundRect">
@@ -6222,12 +6239,12 @@
           </a:fontRef>
         </p:style>
         <p:txBody>
-          <a:bodyPr wrap="none" rtlCol="0" anchor="ctr"/>
+          <a:bodyPr wrap="none" bIns="108000" rtlCol="0" anchor="ctr"/>
           <a:lstStyle/>
           <a:p>
             <a:pPr algn="ctr"/>
             <a:r>
-              <a:rPr lang="zh-CN" altLang="en-US" sz="3200">
+              <a:rPr lang="zh-CN" altLang="en-US" sz="3000">
                 <a:solidFill>
                   <a:schemeClr val="tx1">
                     <a:lumMod val="85000"/>
@@ -6236,7 +6253,7 @@
                 </a:solidFill>
                 <a:latin typeface="+mn-ea"/>
               </a:rPr>
-              <a:t>睡觉</a:t>
+              <a:t>词语</a:t>
             </a:r>
           </a:p>
         </p:txBody>
@@ -6255,7 +6272,7 @@
         </p:nvSpPr>
         <p:spPr>
           <a:xfrm>
-            <a:off x="6822060" y="4027871"/>
+            <a:off x="6822060" y="3970721"/>
             <a:ext cx="1490183" cy="487483"/>
           </a:xfrm>
           <a:prstGeom prst="roundRect">
@@ -6294,12 +6311,12 @@
           </a:fontRef>
         </p:style>
         <p:txBody>
-          <a:bodyPr wrap="none" rtlCol="0" anchor="ctr"/>
+          <a:bodyPr wrap="none" bIns="108000" rtlCol="0" anchor="ctr"/>
           <a:lstStyle/>
           <a:p>
             <a:pPr algn="ctr"/>
             <a:r>
-              <a:rPr lang="zh-CN" altLang="en-US" sz="3200">
+              <a:rPr lang="zh-CN" altLang="en-US" sz="3000">
                 <a:solidFill>
                   <a:schemeClr val="tx1">
                     <a:lumMod val="85000"/>
@@ -6308,7 +6325,7 @@
                 </a:solidFill>
                 <a:latin typeface="+mn-ea"/>
               </a:rPr>
-              <a:t>睡觉</a:t>
+              <a:t>词语</a:t>
             </a:r>
           </a:p>
         </p:txBody>
@@ -6327,7 +6344,7 @@
         </p:nvSpPr>
         <p:spPr>
           <a:xfrm>
-            <a:off x="8485446" y="4027871"/>
+            <a:off x="8485446" y="3970721"/>
             <a:ext cx="1490183" cy="487483"/>
           </a:xfrm>
           <a:prstGeom prst="roundRect">
@@ -6366,12 +6383,12 @@
           </a:fontRef>
         </p:style>
         <p:txBody>
-          <a:bodyPr wrap="none" rtlCol="0" anchor="ctr"/>
+          <a:bodyPr wrap="none" bIns="108000" rtlCol="0" anchor="ctr"/>
           <a:lstStyle/>
           <a:p>
             <a:pPr algn="ctr"/>
             <a:r>
-              <a:rPr lang="zh-CN" altLang="en-US" sz="3200">
+              <a:rPr lang="zh-CN" altLang="en-US" sz="3000">
                 <a:solidFill>
                   <a:schemeClr val="tx1">
                     <a:lumMod val="85000"/>
@@ -6380,7 +6397,7 @@
                 </a:solidFill>
                 <a:latin typeface="+mn-ea"/>
               </a:rPr>
-              <a:t>睡觉</a:t>
+              <a:t>词语</a:t>
             </a:r>
           </a:p>
         </p:txBody>
@@ -6399,7 +6416,7 @@
         </p:nvSpPr>
         <p:spPr>
           <a:xfrm>
-            <a:off x="10148831" y="4027871"/>
+            <a:off x="10148831" y="3970721"/>
             <a:ext cx="1490183" cy="487483"/>
           </a:xfrm>
           <a:prstGeom prst="roundRect">
@@ -6438,12 +6455,12 @@
           </a:fontRef>
         </p:style>
         <p:txBody>
-          <a:bodyPr wrap="none" rtlCol="0" anchor="ctr"/>
+          <a:bodyPr wrap="none" bIns="108000" rtlCol="0" anchor="ctr"/>
           <a:lstStyle/>
           <a:p>
             <a:pPr algn="ctr"/>
             <a:r>
-              <a:rPr lang="zh-CN" altLang="en-US" sz="3200">
+              <a:rPr lang="zh-CN" altLang="en-US" sz="3000">
                 <a:solidFill>
                   <a:schemeClr val="tx1">
                     <a:lumMod val="85000"/>
@@ -6452,7 +6469,7 @@
                 </a:solidFill>
                 <a:latin typeface="+mn-ea"/>
               </a:rPr>
-              <a:t>睡觉</a:t>
+              <a:t>词语</a:t>
             </a:r>
           </a:p>
         </p:txBody>
@@ -6471,7 +6488,7 @@
         </p:nvSpPr>
         <p:spPr>
           <a:xfrm>
-            <a:off x="5158675" y="4694887"/>
+            <a:off x="5158675" y="4637737"/>
             <a:ext cx="1490183" cy="487483"/>
           </a:xfrm>
           <a:prstGeom prst="roundRect">
@@ -6510,12 +6527,12 @@
           </a:fontRef>
         </p:style>
         <p:txBody>
-          <a:bodyPr wrap="none" rtlCol="0" anchor="ctr"/>
+          <a:bodyPr wrap="none" bIns="108000" rtlCol="0" anchor="ctr"/>
           <a:lstStyle/>
           <a:p>
             <a:pPr algn="ctr"/>
             <a:r>
-              <a:rPr lang="zh-CN" altLang="en-US" sz="3200">
+              <a:rPr lang="zh-CN" altLang="en-US" sz="3000">
                 <a:solidFill>
                   <a:schemeClr val="tx1">
                     <a:lumMod val="85000"/>
@@ -6524,7 +6541,7 @@
                 </a:solidFill>
                 <a:latin typeface="+mn-ea"/>
               </a:rPr>
-              <a:t>睡觉</a:t>
+              <a:t>词语</a:t>
             </a:r>
           </a:p>
         </p:txBody>
@@ -6543,7 +6560,7 @@
         </p:nvSpPr>
         <p:spPr>
           <a:xfrm>
-            <a:off x="6822060" y="4694887"/>
+            <a:off x="6822060" y="4637737"/>
             <a:ext cx="1490183" cy="487483"/>
           </a:xfrm>
           <a:prstGeom prst="roundRect">
@@ -6582,12 +6599,12 @@
           </a:fontRef>
         </p:style>
         <p:txBody>
-          <a:bodyPr wrap="none" rtlCol="0" anchor="ctr"/>
+          <a:bodyPr wrap="none" bIns="108000" rtlCol="0" anchor="ctr"/>
           <a:lstStyle/>
           <a:p>
             <a:pPr algn="ctr"/>
             <a:r>
-              <a:rPr lang="zh-CN" altLang="en-US" sz="3200">
+              <a:rPr lang="zh-CN" altLang="en-US" sz="3000">
                 <a:solidFill>
                   <a:schemeClr val="tx1">
                     <a:lumMod val="85000"/>
@@ -6596,7 +6613,7 @@
                 </a:solidFill>
                 <a:latin typeface="+mn-ea"/>
               </a:rPr>
-              <a:t>睡觉</a:t>
+              <a:t>词语</a:t>
             </a:r>
           </a:p>
         </p:txBody>
@@ -6615,7 +6632,7 @@
         </p:nvSpPr>
         <p:spPr>
           <a:xfrm>
-            <a:off x="8485446" y="4694887"/>
+            <a:off x="8485446" y="4637737"/>
             <a:ext cx="1490183" cy="487483"/>
           </a:xfrm>
           <a:prstGeom prst="roundRect">
@@ -6654,12 +6671,12 @@
           </a:fontRef>
         </p:style>
         <p:txBody>
-          <a:bodyPr wrap="none" rtlCol="0" anchor="ctr"/>
+          <a:bodyPr wrap="none" bIns="108000" rtlCol="0" anchor="ctr"/>
           <a:lstStyle/>
           <a:p>
             <a:pPr algn="ctr"/>
             <a:r>
-              <a:rPr lang="zh-CN" altLang="en-US" sz="3200">
+              <a:rPr lang="zh-CN" altLang="en-US" sz="3000">
                 <a:solidFill>
                   <a:schemeClr val="tx1">
                     <a:lumMod val="85000"/>
@@ -6668,7 +6685,7 @@
                 </a:solidFill>
                 <a:latin typeface="+mn-ea"/>
               </a:rPr>
-              <a:t>睡觉</a:t>
+              <a:t>词语</a:t>
             </a:r>
           </a:p>
         </p:txBody>
@@ -6687,7 +6704,7 @@
         </p:nvSpPr>
         <p:spPr>
           <a:xfrm>
-            <a:off x="10148831" y="4694887"/>
+            <a:off x="10148831" y="4637737"/>
             <a:ext cx="1490183" cy="487483"/>
           </a:xfrm>
           <a:prstGeom prst="roundRect">
@@ -6726,12 +6743,12 @@
           </a:fontRef>
         </p:style>
         <p:txBody>
-          <a:bodyPr wrap="none" rtlCol="0" anchor="ctr"/>
+          <a:bodyPr wrap="none" bIns="108000" rtlCol="0" anchor="ctr"/>
           <a:lstStyle/>
           <a:p>
             <a:pPr algn="ctr"/>
             <a:r>
-              <a:rPr lang="zh-CN" altLang="en-US" sz="3200">
+              <a:rPr lang="zh-CN" altLang="en-US" sz="3000">
                 <a:solidFill>
                   <a:schemeClr val="tx1">
                     <a:lumMod val="85000"/>
@@ -6740,7 +6757,7 @@
                 </a:solidFill>
                 <a:latin typeface="+mn-ea"/>
               </a:rPr>
-              <a:t>睡觉</a:t>
+              <a:t>词语</a:t>
             </a:r>
           </a:p>
         </p:txBody>
@@ -6763,7 +6780,7 @@
         </p:nvSpPr>
         <p:spPr>
           <a:xfrm>
-            <a:off x="5025329" y="5362780"/>
+            <a:off x="5527772" y="5349231"/>
             <a:ext cx="1070671" cy="523220"/>
           </a:xfrm>
           <a:prstGeom prst="rect">
@@ -6814,8 +6831,8 @@
         </p:nvSpPr>
         <p:spPr>
           <a:xfrm>
-            <a:off x="673830" y="1963481"/>
-            <a:ext cx="2337044" cy="2554545"/>
+            <a:off x="673831" y="1912682"/>
+            <a:ext cx="2403152" cy="2554545"/>
           </a:xfrm>
           <a:prstGeom prst="rect">
             <a:avLst/>
@@ -6843,6 +6860,2024 @@
           </a:p>
         </p:txBody>
       </p:sp>
+      <p:sp>
+        <p:nvSpPr>
+          <p:cNvPr id="23" name="图形 11">
+            <a:extLst>
+              <a:ext uri="{FF2B5EF4-FFF2-40B4-BE49-F238E27FC236}">
+                <a16:creationId xmlns:a16="http://schemas.microsoft.com/office/drawing/2014/main" id="{48F97C41-0ADD-D3BC-125A-E6FBD9B40D5A}"/>
+              </a:ext>
+            </a:extLst>
+          </p:cNvPr>
+          <p:cNvSpPr/>
+          <p:nvPr/>
+        </p:nvSpPr>
+        <p:spPr>
+          <a:xfrm>
+            <a:off x="5158675" y="385762"/>
+            <a:ext cx="344637" cy="375259"/>
+          </a:xfrm>
+          <a:custGeom>
+            <a:avLst/>
+            <a:gdLst>
+              <a:gd name="connsiteX0" fmla="*/ 144576 w 386612"/>
+              <a:gd name="connsiteY0" fmla="*/ 371170 h 420964"/>
+              <a:gd name="connsiteX1" fmla="*/ 304666 w 386612"/>
+              <a:gd name="connsiteY1" fmla="*/ 91723 h 420964"/>
+              <a:gd name="connsiteX2" fmla="*/ 298772 w 386612"/>
+              <a:gd name="connsiteY2" fmla="*/ 69752 h 420964"/>
+              <a:gd name="connsiteX3" fmla="*/ 183025 w 386612"/>
+              <a:gd name="connsiteY3" fmla="*/ 2236 h 420964"/>
+              <a:gd name="connsiteX4" fmla="*/ 160853 w 386612"/>
+              <a:gd name="connsiteY4" fmla="*/ 7992 h 420964"/>
+              <a:gd name="connsiteX5" fmla="*/ 160773 w 386612"/>
+              <a:gd name="connsiteY5" fmla="*/ 8130 h 420964"/>
+              <a:gd name="connsiteX6" fmla="*/ 121884 w 386612"/>
+              <a:gd name="connsiteY6" fmla="*/ 75967 h 420964"/>
+              <a:gd name="connsiteX7" fmla="*/ 121884 w 386612"/>
+              <a:gd name="connsiteY7" fmla="*/ 77089 h 420964"/>
+              <a:gd name="connsiteX8" fmla="*/ 1565 w 386612"/>
+              <a:gd name="connsiteY8" fmla="*/ 287576 h 420964"/>
+              <a:gd name="connsiteX9" fmla="*/ 1565 w 386612"/>
+              <a:gd name="connsiteY9" fmla="*/ 288538 h 420964"/>
+              <a:gd name="connsiteX10" fmla="*/ 1084 w 386612"/>
+              <a:gd name="connsiteY10" fmla="*/ 289501 h 420964"/>
+              <a:gd name="connsiteX11" fmla="*/ 122 w 386612"/>
+              <a:gd name="connsiteY11" fmla="*/ 292908 h 420964"/>
+              <a:gd name="connsiteX12" fmla="*/ 122 w 386612"/>
+              <a:gd name="connsiteY12" fmla="*/ 293390 h 420964"/>
+              <a:gd name="connsiteX13" fmla="*/ 122 w 386612"/>
+              <a:gd name="connsiteY13" fmla="*/ 297439 h 420964"/>
+              <a:gd name="connsiteX14" fmla="*/ 15517 w 386612"/>
+              <a:gd name="connsiteY14" fmla="*/ 406571 h 420964"/>
+              <a:gd name="connsiteX15" fmla="*/ 31675 w 386612"/>
+              <a:gd name="connsiteY15" fmla="*/ 420484 h 420964"/>
+              <a:gd name="connsiteX16" fmla="*/ 37929 w 386612"/>
+              <a:gd name="connsiteY16" fmla="*/ 419281 h 420964"/>
+              <a:gd name="connsiteX17" fmla="*/ 138281 w 386612"/>
+              <a:gd name="connsiteY17" fmla="*/ 377665 h 420964"/>
+              <a:gd name="connsiteX18" fmla="*/ 141769 w 386612"/>
+              <a:gd name="connsiteY18" fmla="*/ 375660 h 420964"/>
+              <a:gd name="connsiteX19" fmla="*/ 142170 w 386612"/>
+              <a:gd name="connsiteY19" fmla="*/ 375660 h 420964"/>
+              <a:gd name="connsiteX20" fmla="*/ 144536 w 386612"/>
+              <a:gd name="connsiteY20" fmla="*/ 373134 h 420964"/>
+              <a:gd name="connsiteX21" fmla="*/ 144616 w 386612"/>
+              <a:gd name="connsiteY21" fmla="*/ 372412 h 420964"/>
+              <a:gd name="connsiteX22" fmla="*/ 144616 w 386612"/>
+              <a:gd name="connsiteY22" fmla="*/ 371210 h 420964"/>
+              <a:gd name="connsiteX23" fmla="*/ 37087 w 386612"/>
+              <a:gd name="connsiteY23" fmla="*/ 289781 h 420964"/>
+              <a:gd name="connsiteX24" fmla="*/ 141649 w 386612"/>
+              <a:gd name="connsiteY24" fmla="*/ 106958 h 420964"/>
+              <a:gd name="connsiteX25" fmla="*/ 229412 w 386612"/>
+              <a:gd name="connsiteY25" fmla="*/ 158117 h 420964"/>
+              <a:gd name="connsiteX26" fmla="*/ 124891 w 386612"/>
+              <a:gd name="connsiteY26" fmla="*/ 340980 h 420964"/>
+              <a:gd name="connsiteX27" fmla="*/ 52082 w 386612"/>
+              <a:gd name="connsiteY27" fmla="*/ 298561 h 420964"/>
+              <a:gd name="connsiteX28" fmla="*/ 37127 w 386612"/>
+              <a:gd name="connsiteY28" fmla="*/ 289741 h 420964"/>
+              <a:gd name="connsiteX29" fmla="*/ 268663 w 386612"/>
+              <a:gd name="connsiteY29" fmla="*/ 90039 h 420964"/>
+              <a:gd name="connsiteX30" fmla="*/ 245530 w 386612"/>
+              <a:gd name="connsiteY30" fmla="*/ 130533 h 420964"/>
+              <a:gd name="connsiteX31" fmla="*/ 157686 w 386612"/>
+              <a:gd name="connsiteY31" fmla="*/ 78893 h 420964"/>
+              <a:gd name="connsiteX32" fmla="*/ 180820 w 386612"/>
+              <a:gd name="connsiteY32" fmla="*/ 38801 h 420964"/>
+              <a:gd name="connsiteX33" fmla="*/ 268663 w 386612"/>
+              <a:gd name="connsiteY33" fmla="*/ 90039 h 420964"/>
+              <a:gd name="connsiteX34" fmla="*/ 43222 w 386612"/>
+              <a:gd name="connsiteY34" fmla="*/ 382195 h 420964"/>
+              <a:gd name="connsiteX35" fmla="*/ 35123 w 386612"/>
+              <a:gd name="connsiteY35" fmla="*/ 326867 h 420964"/>
+              <a:gd name="connsiteX36" fmla="*/ 93818 w 386612"/>
+              <a:gd name="connsiteY36" fmla="*/ 361147 h 420964"/>
+              <a:gd name="connsiteX37" fmla="*/ 43222 w 386612"/>
+              <a:gd name="connsiteY37" fmla="*/ 382195 h 420964"/>
+              <a:gd name="connsiteX38" fmla="*/ 181341 w 386612"/>
+              <a:gd name="connsiteY38" fmla="*/ 388610 h 420964"/>
+              <a:gd name="connsiteX39" fmla="*/ 371220 w 386612"/>
+              <a:gd name="connsiteY39" fmla="*/ 388610 h 420964"/>
+              <a:gd name="connsiteX40" fmla="*/ 386592 w 386612"/>
+              <a:gd name="connsiteY40" fmla="*/ 405593 h 420964"/>
+              <a:gd name="connsiteX41" fmla="*/ 371220 w 386612"/>
+              <a:gd name="connsiteY41" fmla="*/ 420965 h 420964"/>
+              <a:gd name="connsiteX42" fmla="*/ 181341 w 386612"/>
+              <a:gd name="connsiteY42" fmla="*/ 420965 h 420964"/>
+              <a:gd name="connsiteX43" fmla="*/ 165146 w 386612"/>
+              <a:gd name="connsiteY43" fmla="*/ 404764 h 420964"/>
+              <a:gd name="connsiteX44" fmla="*/ 181341 w 386612"/>
+              <a:gd name="connsiteY44" fmla="*/ 388570 h 420964"/>
+            </a:gdLst>
+            <a:ahLst/>
+            <a:cxnLst>
+              <a:cxn ang="0">
+                <a:pos x="connsiteX0" y="connsiteY0"/>
+              </a:cxn>
+              <a:cxn ang="0">
+                <a:pos x="connsiteX1" y="connsiteY1"/>
+              </a:cxn>
+              <a:cxn ang="0">
+                <a:pos x="connsiteX2" y="connsiteY2"/>
+              </a:cxn>
+              <a:cxn ang="0">
+                <a:pos x="connsiteX3" y="connsiteY3"/>
+              </a:cxn>
+              <a:cxn ang="0">
+                <a:pos x="connsiteX4" y="connsiteY4"/>
+              </a:cxn>
+              <a:cxn ang="0">
+                <a:pos x="connsiteX5" y="connsiteY5"/>
+              </a:cxn>
+              <a:cxn ang="0">
+                <a:pos x="connsiteX6" y="connsiteY6"/>
+              </a:cxn>
+              <a:cxn ang="0">
+                <a:pos x="connsiteX7" y="connsiteY7"/>
+              </a:cxn>
+              <a:cxn ang="0">
+                <a:pos x="connsiteX8" y="connsiteY8"/>
+              </a:cxn>
+              <a:cxn ang="0">
+                <a:pos x="connsiteX9" y="connsiteY9"/>
+              </a:cxn>
+              <a:cxn ang="0">
+                <a:pos x="connsiteX10" y="connsiteY10"/>
+              </a:cxn>
+              <a:cxn ang="0">
+                <a:pos x="connsiteX11" y="connsiteY11"/>
+              </a:cxn>
+              <a:cxn ang="0">
+                <a:pos x="connsiteX12" y="connsiteY12"/>
+              </a:cxn>
+              <a:cxn ang="0">
+                <a:pos x="connsiteX13" y="connsiteY13"/>
+              </a:cxn>
+              <a:cxn ang="0">
+                <a:pos x="connsiteX14" y="connsiteY14"/>
+              </a:cxn>
+              <a:cxn ang="0">
+                <a:pos x="connsiteX15" y="connsiteY15"/>
+              </a:cxn>
+              <a:cxn ang="0">
+                <a:pos x="connsiteX16" y="connsiteY16"/>
+              </a:cxn>
+              <a:cxn ang="0">
+                <a:pos x="connsiteX17" y="connsiteY17"/>
+              </a:cxn>
+              <a:cxn ang="0">
+                <a:pos x="connsiteX18" y="connsiteY18"/>
+              </a:cxn>
+              <a:cxn ang="0">
+                <a:pos x="connsiteX19" y="connsiteY19"/>
+              </a:cxn>
+              <a:cxn ang="0">
+                <a:pos x="connsiteX20" y="connsiteY20"/>
+              </a:cxn>
+              <a:cxn ang="0">
+                <a:pos x="connsiteX21" y="connsiteY21"/>
+              </a:cxn>
+              <a:cxn ang="0">
+                <a:pos x="connsiteX22" y="connsiteY22"/>
+              </a:cxn>
+              <a:cxn ang="0">
+                <a:pos x="connsiteX23" y="connsiteY23"/>
+              </a:cxn>
+              <a:cxn ang="0">
+                <a:pos x="connsiteX24" y="connsiteY24"/>
+              </a:cxn>
+              <a:cxn ang="0">
+                <a:pos x="connsiteX25" y="connsiteY25"/>
+              </a:cxn>
+              <a:cxn ang="0">
+                <a:pos x="connsiteX26" y="connsiteY26"/>
+              </a:cxn>
+              <a:cxn ang="0">
+                <a:pos x="connsiteX27" y="connsiteY27"/>
+              </a:cxn>
+              <a:cxn ang="0">
+                <a:pos x="connsiteX28" y="connsiteY28"/>
+              </a:cxn>
+              <a:cxn ang="0">
+                <a:pos x="connsiteX29" y="connsiteY29"/>
+              </a:cxn>
+              <a:cxn ang="0">
+                <a:pos x="connsiteX30" y="connsiteY30"/>
+              </a:cxn>
+              <a:cxn ang="0">
+                <a:pos x="connsiteX31" y="connsiteY31"/>
+              </a:cxn>
+              <a:cxn ang="0">
+                <a:pos x="connsiteX32" y="connsiteY32"/>
+              </a:cxn>
+              <a:cxn ang="0">
+                <a:pos x="connsiteX33" y="connsiteY33"/>
+              </a:cxn>
+              <a:cxn ang="0">
+                <a:pos x="connsiteX34" y="connsiteY34"/>
+              </a:cxn>
+              <a:cxn ang="0">
+                <a:pos x="connsiteX35" y="connsiteY35"/>
+              </a:cxn>
+              <a:cxn ang="0">
+                <a:pos x="connsiteX36" y="connsiteY36"/>
+              </a:cxn>
+              <a:cxn ang="0">
+                <a:pos x="connsiteX37" y="connsiteY37"/>
+              </a:cxn>
+              <a:cxn ang="0">
+                <a:pos x="connsiteX38" y="connsiteY38"/>
+              </a:cxn>
+              <a:cxn ang="0">
+                <a:pos x="connsiteX39" y="connsiteY39"/>
+              </a:cxn>
+              <a:cxn ang="0">
+                <a:pos x="connsiteX40" y="connsiteY40"/>
+              </a:cxn>
+              <a:cxn ang="0">
+                <a:pos x="connsiteX41" y="connsiteY41"/>
+              </a:cxn>
+              <a:cxn ang="0">
+                <a:pos x="connsiteX42" y="connsiteY42"/>
+              </a:cxn>
+              <a:cxn ang="0">
+                <a:pos x="connsiteX43" y="connsiteY43"/>
+              </a:cxn>
+              <a:cxn ang="0">
+                <a:pos x="connsiteX44" y="connsiteY44"/>
+              </a:cxn>
+            </a:cxnLst>
+            <a:rect l="l" t="t" r="r" b="b"/>
+            <a:pathLst>
+              <a:path w="386612" h="420964">
+                <a:moveTo>
+                  <a:pt x="144576" y="371170"/>
+                </a:moveTo>
+                <a:lnTo>
+                  <a:pt x="304666" y="91723"/>
+                </a:lnTo>
+                <a:cubicBezTo>
+                  <a:pt x="309040" y="84020"/>
+                  <a:pt x="306414" y="74232"/>
+                  <a:pt x="298772" y="69752"/>
+                </a:cubicBezTo>
+                <a:lnTo>
+                  <a:pt x="183025" y="2236"/>
+                </a:lnTo>
+                <a:cubicBezTo>
+                  <a:pt x="175313" y="-2297"/>
+                  <a:pt x="165386" y="280"/>
+                  <a:pt x="160853" y="7992"/>
+                </a:cubicBezTo>
+                <a:cubicBezTo>
+                  <a:pt x="160826" y="8038"/>
+                  <a:pt x="160800" y="8084"/>
+                  <a:pt x="160773" y="8130"/>
+                </a:cubicBezTo>
+                <a:lnTo>
+                  <a:pt x="121884" y="75967"/>
+                </a:lnTo>
+                <a:lnTo>
+                  <a:pt x="121884" y="77089"/>
+                </a:lnTo>
+                <a:lnTo>
+                  <a:pt x="1565" y="287576"/>
+                </a:lnTo>
+                <a:lnTo>
+                  <a:pt x="1565" y="288538"/>
+                </a:lnTo>
+                <a:lnTo>
+                  <a:pt x="1084" y="289501"/>
+                </a:lnTo>
+                <a:cubicBezTo>
+                  <a:pt x="688" y="290614"/>
+                  <a:pt x="367" y="291753"/>
+                  <a:pt x="122" y="292908"/>
+                </a:cubicBezTo>
+                <a:lnTo>
+                  <a:pt x="122" y="293390"/>
+                </a:lnTo>
+                <a:cubicBezTo>
+                  <a:pt x="-41" y="294735"/>
+                  <a:pt x="-41" y="296094"/>
+                  <a:pt x="122" y="297439"/>
+                </a:cubicBezTo>
+                <a:lnTo>
+                  <a:pt x="15517" y="406571"/>
+                </a:lnTo>
+                <a:cubicBezTo>
+                  <a:pt x="16661" y="414599"/>
+                  <a:pt x="23565" y="420545"/>
+                  <a:pt x="31675" y="420484"/>
+                </a:cubicBezTo>
+                <a:cubicBezTo>
+                  <a:pt x="33840" y="420484"/>
+                  <a:pt x="35925" y="420083"/>
+                  <a:pt x="37929" y="419281"/>
+                </a:cubicBezTo>
+                <a:lnTo>
+                  <a:pt x="138281" y="377665"/>
+                </a:lnTo>
+                <a:cubicBezTo>
+                  <a:pt x="139524" y="377103"/>
+                  <a:pt x="140687" y="376462"/>
+                  <a:pt x="141769" y="375660"/>
+                </a:cubicBezTo>
+                <a:lnTo>
+                  <a:pt x="142170" y="375660"/>
+                </a:lnTo>
+                <a:cubicBezTo>
+                  <a:pt x="143012" y="374858"/>
+                  <a:pt x="143814" y="374056"/>
+                  <a:pt x="144536" y="373134"/>
+                </a:cubicBezTo>
+                <a:lnTo>
+                  <a:pt x="144616" y="372412"/>
+                </a:lnTo>
+                <a:cubicBezTo>
+                  <a:pt x="144683" y="372014"/>
+                  <a:pt x="144683" y="371608"/>
+                  <a:pt x="144616" y="371210"/>
+                </a:cubicBezTo>
+                <a:close/>
+                <a:moveTo>
+                  <a:pt x="37087" y="289781"/>
+                </a:moveTo>
+                <a:lnTo>
+                  <a:pt x="141649" y="106958"/>
+                </a:lnTo>
+                <a:lnTo>
+                  <a:pt x="229412" y="158117"/>
+                </a:lnTo>
+                <a:lnTo>
+                  <a:pt x="124891" y="340980"/>
+                </a:lnTo>
+                <a:lnTo>
+                  <a:pt x="52082" y="298561"/>
+                </a:lnTo>
+                <a:lnTo>
+                  <a:pt x="37127" y="289741"/>
+                </a:lnTo>
+                <a:close/>
+                <a:moveTo>
+                  <a:pt x="268663" y="90039"/>
+                </a:moveTo>
+                <a:lnTo>
+                  <a:pt x="245530" y="130533"/>
+                </a:lnTo>
+                <a:lnTo>
+                  <a:pt x="157686" y="78893"/>
+                </a:lnTo>
+                <a:lnTo>
+                  <a:pt x="180820" y="38801"/>
+                </a:lnTo>
+                <a:lnTo>
+                  <a:pt x="268663" y="90039"/>
+                </a:lnTo>
+                <a:close/>
+                <a:moveTo>
+                  <a:pt x="43222" y="382195"/>
+                </a:moveTo>
+                <a:lnTo>
+                  <a:pt x="35123" y="326867"/>
+                </a:lnTo>
+                <a:lnTo>
+                  <a:pt x="93818" y="361147"/>
+                </a:lnTo>
+                <a:lnTo>
+                  <a:pt x="43222" y="382195"/>
+                </a:lnTo>
+                <a:close/>
+                <a:moveTo>
+                  <a:pt x="181341" y="388610"/>
+                </a:moveTo>
+                <a:lnTo>
+                  <a:pt x="371220" y="388610"/>
+                </a:lnTo>
+                <a:cubicBezTo>
+                  <a:pt x="380155" y="389055"/>
+                  <a:pt x="387037" y="396658"/>
+                  <a:pt x="386592" y="405593"/>
+                </a:cubicBezTo>
+                <a:cubicBezTo>
+                  <a:pt x="386178" y="413905"/>
+                  <a:pt x="379532" y="420551"/>
+                  <a:pt x="371220" y="420965"/>
+                </a:cubicBezTo>
+                <a:lnTo>
+                  <a:pt x="181341" y="420965"/>
+                </a:lnTo>
+                <a:cubicBezTo>
+                  <a:pt x="172395" y="420963"/>
+                  <a:pt x="165145" y="413710"/>
+                  <a:pt x="165146" y="404764"/>
+                </a:cubicBezTo>
+                <a:cubicBezTo>
+                  <a:pt x="165148" y="395821"/>
+                  <a:pt x="172398" y="388571"/>
+                  <a:pt x="181341" y="388570"/>
+                </a:cubicBezTo>
+                <a:close/>
+              </a:path>
+            </a:pathLst>
+          </a:custGeom>
+          <a:solidFill>
+            <a:srgbClr val="48A1FA"/>
+          </a:solidFill>
+          <a:ln w="465" cap="flat">
+            <a:noFill/>
+            <a:prstDash val="solid"/>
+            <a:miter/>
+          </a:ln>
+        </p:spPr>
+        <p:txBody>
+          <a:bodyPr rtlCol="0" anchor="ctr"/>
+          <a:lstStyle/>
+          <a:p>
+            <a:endParaRPr lang="zh-CN" altLang="en-US"/>
+          </a:p>
+        </p:txBody>
+      </p:sp>
+      <p:grpSp>
+        <p:nvGrpSpPr>
+          <p:cNvPr id="52" name="组合 51">
+            <a:extLst>
+              <a:ext uri="{FF2B5EF4-FFF2-40B4-BE49-F238E27FC236}">
+                <a16:creationId xmlns:a16="http://schemas.microsoft.com/office/drawing/2014/main" id="{E7932AA1-64C2-3E93-5FFC-6DD26FABC901}"/>
+              </a:ext>
+            </a:extLst>
+          </p:cNvPr>
+          <p:cNvGrpSpPr/>
+          <p:nvPr/>
+        </p:nvGrpSpPr>
+        <p:grpSpPr>
+          <a:xfrm>
+            <a:off x="5158675" y="3443117"/>
+            <a:ext cx="414481" cy="414508"/>
+            <a:chOff x="5158675" y="3500267"/>
+            <a:chExt cx="414481" cy="414508"/>
+          </a:xfrm>
+        </p:grpSpPr>
+        <p:sp>
+          <p:nvSpPr>
+            <p:cNvPr id="31" name="任意多边形: 形状 30">
+              <a:extLst>
+                <a:ext uri="{FF2B5EF4-FFF2-40B4-BE49-F238E27FC236}">
+                  <a16:creationId xmlns:a16="http://schemas.microsoft.com/office/drawing/2014/main" id="{5F0878AC-6A3E-B5CE-92BC-D5615298BEE6}"/>
+                </a:ext>
+              </a:extLst>
+            </p:cNvPr>
+            <p:cNvSpPr/>
+            <p:nvPr/>
+          </p:nvSpPr>
+          <p:spPr>
+            <a:xfrm>
+              <a:off x="5158675" y="3500267"/>
+              <a:ext cx="414481" cy="414508"/>
+            </a:xfrm>
+            <a:custGeom>
+              <a:avLst/>
+              <a:gdLst>
+                <a:gd name="connsiteX0" fmla="*/ 555561 w 634957"/>
+                <a:gd name="connsiteY0" fmla="*/ 0 h 634999"/>
+                <a:gd name="connsiteX1" fmla="*/ 79397 w 634957"/>
+                <a:gd name="connsiteY1" fmla="*/ 0 h 634999"/>
+                <a:gd name="connsiteX2" fmla="*/ 0 w 634957"/>
+                <a:gd name="connsiteY2" fmla="*/ 79397 h 634999"/>
+                <a:gd name="connsiteX3" fmla="*/ 0 w 634957"/>
+                <a:gd name="connsiteY3" fmla="*/ 436528 h 634999"/>
+                <a:gd name="connsiteX4" fmla="*/ 79397 w 634957"/>
+                <a:gd name="connsiteY4" fmla="*/ 515925 h 634999"/>
+                <a:gd name="connsiteX5" fmla="*/ 297645 w 634957"/>
+                <a:gd name="connsiteY5" fmla="*/ 515925 h 634999"/>
+                <a:gd name="connsiteX6" fmla="*/ 297645 w 634957"/>
+                <a:gd name="connsiteY6" fmla="*/ 615171 h 634999"/>
+                <a:gd name="connsiteX7" fmla="*/ 317515 w 634957"/>
+                <a:gd name="connsiteY7" fmla="*/ 634999 h 634999"/>
+                <a:gd name="connsiteX8" fmla="*/ 331514 w 634957"/>
+                <a:gd name="connsiteY8" fmla="*/ 629201 h 634999"/>
+                <a:gd name="connsiteX9" fmla="*/ 444749 w 634957"/>
+                <a:gd name="connsiteY9" fmla="*/ 515831 h 634999"/>
+                <a:gd name="connsiteX10" fmla="*/ 555561 w 634957"/>
+                <a:gd name="connsiteY10" fmla="*/ 515831 h 634999"/>
+                <a:gd name="connsiteX11" fmla="*/ 634958 w 634957"/>
+                <a:gd name="connsiteY11" fmla="*/ 436434 h 634999"/>
+                <a:gd name="connsiteX12" fmla="*/ 634958 w 634957"/>
+                <a:gd name="connsiteY12" fmla="*/ 79366 h 634999"/>
+                <a:gd name="connsiteX13" fmla="*/ 555561 w 634957"/>
+                <a:gd name="connsiteY13" fmla="*/ 0 h 634999"/>
+                <a:gd name="connsiteX14" fmla="*/ 595259 w 634957"/>
+                <a:gd name="connsiteY14" fmla="*/ 436496 h 634999"/>
+                <a:gd name="connsiteX15" fmla="*/ 555561 w 634957"/>
+                <a:gd name="connsiteY15" fmla="*/ 476195 h 634999"/>
+                <a:gd name="connsiteX16" fmla="*/ 436465 w 634957"/>
+                <a:gd name="connsiteY16" fmla="*/ 476195 h 634999"/>
+                <a:gd name="connsiteX17" fmla="*/ 422435 w 634957"/>
+                <a:gd name="connsiteY17" fmla="*/ 482003 h 634999"/>
+                <a:gd name="connsiteX18" fmla="*/ 337260 w 634957"/>
+                <a:gd name="connsiteY18" fmla="*/ 567178 h 634999"/>
+                <a:gd name="connsiteX19" fmla="*/ 337260 w 634957"/>
+                <a:gd name="connsiteY19" fmla="*/ 495981 h 634999"/>
+                <a:gd name="connsiteX20" fmla="*/ 317411 w 634957"/>
+                <a:gd name="connsiteY20" fmla="*/ 476132 h 634999"/>
+                <a:gd name="connsiteX21" fmla="*/ 79397 w 634957"/>
+                <a:gd name="connsiteY21" fmla="*/ 476132 h 634999"/>
+                <a:gd name="connsiteX22" fmla="*/ 39699 w 634957"/>
+                <a:gd name="connsiteY22" fmla="*/ 436434 h 634999"/>
+                <a:gd name="connsiteX23" fmla="*/ 39699 w 634957"/>
+                <a:gd name="connsiteY23" fmla="*/ 79366 h 634999"/>
+                <a:gd name="connsiteX24" fmla="*/ 79397 w 634957"/>
+                <a:gd name="connsiteY24" fmla="*/ 39667 h 634999"/>
+                <a:gd name="connsiteX25" fmla="*/ 555561 w 634957"/>
+                <a:gd name="connsiteY25" fmla="*/ 39667 h 634999"/>
+                <a:gd name="connsiteX26" fmla="*/ 595259 w 634957"/>
+                <a:gd name="connsiteY26" fmla="*/ 79366 h 634999"/>
+              </a:gdLst>
+              <a:ahLst/>
+              <a:cxnLst>
+                <a:cxn ang="0">
+                  <a:pos x="connsiteX0" y="connsiteY0"/>
+                </a:cxn>
+                <a:cxn ang="0">
+                  <a:pos x="connsiteX1" y="connsiteY1"/>
+                </a:cxn>
+                <a:cxn ang="0">
+                  <a:pos x="connsiteX2" y="connsiteY2"/>
+                </a:cxn>
+                <a:cxn ang="0">
+                  <a:pos x="connsiteX3" y="connsiteY3"/>
+                </a:cxn>
+                <a:cxn ang="0">
+                  <a:pos x="connsiteX4" y="connsiteY4"/>
+                </a:cxn>
+                <a:cxn ang="0">
+                  <a:pos x="connsiteX5" y="connsiteY5"/>
+                </a:cxn>
+                <a:cxn ang="0">
+                  <a:pos x="connsiteX6" y="connsiteY6"/>
+                </a:cxn>
+                <a:cxn ang="0">
+                  <a:pos x="connsiteX7" y="connsiteY7"/>
+                </a:cxn>
+                <a:cxn ang="0">
+                  <a:pos x="connsiteX8" y="connsiteY8"/>
+                </a:cxn>
+                <a:cxn ang="0">
+                  <a:pos x="connsiteX9" y="connsiteY9"/>
+                </a:cxn>
+                <a:cxn ang="0">
+                  <a:pos x="connsiteX10" y="connsiteY10"/>
+                </a:cxn>
+                <a:cxn ang="0">
+                  <a:pos x="connsiteX11" y="connsiteY11"/>
+                </a:cxn>
+                <a:cxn ang="0">
+                  <a:pos x="connsiteX12" y="connsiteY12"/>
+                </a:cxn>
+                <a:cxn ang="0">
+                  <a:pos x="connsiteX13" y="connsiteY13"/>
+                </a:cxn>
+                <a:cxn ang="0">
+                  <a:pos x="connsiteX14" y="connsiteY14"/>
+                </a:cxn>
+                <a:cxn ang="0">
+                  <a:pos x="connsiteX15" y="connsiteY15"/>
+                </a:cxn>
+                <a:cxn ang="0">
+                  <a:pos x="connsiteX16" y="connsiteY16"/>
+                </a:cxn>
+                <a:cxn ang="0">
+                  <a:pos x="connsiteX17" y="connsiteY17"/>
+                </a:cxn>
+                <a:cxn ang="0">
+                  <a:pos x="connsiteX18" y="connsiteY18"/>
+                </a:cxn>
+                <a:cxn ang="0">
+                  <a:pos x="connsiteX19" y="connsiteY19"/>
+                </a:cxn>
+                <a:cxn ang="0">
+                  <a:pos x="connsiteX20" y="connsiteY20"/>
+                </a:cxn>
+                <a:cxn ang="0">
+                  <a:pos x="connsiteX21" y="connsiteY21"/>
+                </a:cxn>
+                <a:cxn ang="0">
+                  <a:pos x="connsiteX22" y="connsiteY22"/>
+                </a:cxn>
+                <a:cxn ang="0">
+                  <a:pos x="connsiteX23" y="connsiteY23"/>
+                </a:cxn>
+                <a:cxn ang="0">
+                  <a:pos x="connsiteX24" y="connsiteY24"/>
+                </a:cxn>
+                <a:cxn ang="0">
+                  <a:pos x="connsiteX25" y="connsiteY25"/>
+                </a:cxn>
+                <a:cxn ang="0">
+                  <a:pos x="connsiteX26" y="connsiteY26"/>
+                </a:cxn>
+              </a:cxnLst>
+              <a:rect l="l" t="t" r="r" b="b"/>
+              <a:pathLst>
+                <a:path w="634957" h="634999">
+                  <a:moveTo>
+                    <a:pt x="555561" y="0"/>
+                  </a:moveTo>
+                  <a:lnTo>
+                    <a:pt x="79397" y="0"/>
+                  </a:lnTo>
+                  <a:cubicBezTo>
+                    <a:pt x="35547" y="0"/>
+                    <a:pt x="0" y="35547"/>
+                    <a:pt x="0" y="79397"/>
+                  </a:cubicBezTo>
+                  <a:lnTo>
+                    <a:pt x="0" y="436528"/>
+                  </a:lnTo>
+                  <a:cubicBezTo>
+                    <a:pt x="0" y="480377"/>
+                    <a:pt x="35547" y="515925"/>
+                    <a:pt x="79397" y="515925"/>
+                  </a:cubicBezTo>
+                  <a:lnTo>
+                    <a:pt x="297645" y="515925"/>
+                  </a:lnTo>
+                  <a:lnTo>
+                    <a:pt x="297645" y="615171"/>
+                  </a:lnTo>
+                  <a:cubicBezTo>
+                    <a:pt x="297657" y="626134"/>
+                    <a:pt x="306553" y="635011"/>
+                    <a:pt x="317515" y="634999"/>
+                  </a:cubicBezTo>
+                  <a:cubicBezTo>
+                    <a:pt x="322765" y="634994"/>
+                    <a:pt x="327798" y="632909"/>
+                    <a:pt x="331514" y="629201"/>
+                  </a:cubicBezTo>
+                  <a:lnTo>
+                    <a:pt x="444749" y="515831"/>
+                  </a:lnTo>
+                  <a:lnTo>
+                    <a:pt x="555561" y="515831"/>
+                  </a:lnTo>
+                  <a:cubicBezTo>
+                    <a:pt x="599410" y="515831"/>
+                    <a:pt x="634958" y="480283"/>
+                    <a:pt x="634958" y="436434"/>
+                  </a:cubicBezTo>
+                  <a:lnTo>
+                    <a:pt x="634958" y="79366"/>
+                  </a:lnTo>
+                  <a:cubicBezTo>
+                    <a:pt x="634940" y="35528"/>
+                    <a:pt x="599398" y="0"/>
+                    <a:pt x="555561" y="0"/>
+                  </a:cubicBezTo>
+                  <a:close/>
+                  <a:moveTo>
+                    <a:pt x="595259" y="436496"/>
+                  </a:moveTo>
+                  <a:cubicBezTo>
+                    <a:pt x="595259" y="458421"/>
+                    <a:pt x="577486" y="476195"/>
+                    <a:pt x="555561" y="476195"/>
+                  </a:cubicBezTo>
+                  <a:lnTo>
+                    <a:pt x="436465" y="476195"/>
+                  </a:lnTo>
+                  <a:cubicBezTo>
+                    <a:pt x="431201" y="476184"/>
+                    <a:pt x="426151" y="478275"/>
+                    <a:pt x="422435" y="482003"/>
+                  </a:cubicBezTo>
+                  <a:lnTo>
+                    <a:pt x="337260" y="567178"/>
+                  </a:lnTo>
+                  <a:lnTo>
+                    <a:pt x="337260" y="495981"/>
+                  </a:lnTo>
+                  <a:cubicBezTo>
+                    <a:pt x="337260" y="485019"/>
+                    <a:pt x="328373" y="476132"/>
+                    <a:pt x="317411" y="476132"/>
+                  </a:cubicBezTo>
+                  <a:lnTo>
+                    <a:pt x="79397" y="476132"/>
+                  </a:lnTo>
+                  <a:cubicBezTo>
+                    <a:pt x="57472" y="476132"/>
+                    <a:pt x="39699" y="458358"/>
+                    <a:pt x="39699" y="436434"/>
+                  </a:cubicBezTo>
+                  <a:lnTo>
+                    <a:pt x="39699" y="79366"/>
+                  </a:lnTo>
+                  <a:cubicBezTo>
+                    <a:pt x="39699" y="57441"/>
+                    <a:pt x="57472" y="39667"/>
+                    <a:pt x="79397" y="39667"/>
+                  </a:cubicBezTo>
+                  <a:lnTo>
+                    <a:pt x="555561" y="39667"/>
+                  </a:lnTo>
+                  <a:cubicBezTo>
+                    <a:pt x="577485" y="39667"/>
+                    <a:pt x="595259" y="57441"/>
+                    <a:pt x="595259" y="79366"/>
+                  </a:cubicBezTo>
+                  <a:close/>
+                </a:path>
+              </a:pathLst>
+            </a:custGeom>
+            <a:solidFill>
+              <a:srgbClr val="48A1FA"/>
+            </a:solidFill>
+            <a:ln w="614" cap="flat">
+              <a:noFill/>
+              <a:prstDash val="solid"/>
+              <a:miter/>
+            </a:ln>
+          </p:spPr>
+          <p:txBody>
+            <a:bodyPr rtlCol="0" anchor="ctr"/>
+            <a:lstStyle/>
+            <a:p>
+              <a:endParaRPr lang="zh-CN" altLang="en-US"/>
+            </a:p>
+          </p:txBody>
+        </p:sp>
+        <p:grpSp>
+          <p:nvGrpSpPr>
+            <p:cNvPr id="51" name="组合 50">
+              <a:extLst>
+                <a:ext uri="{FF2B5EF4-FFF2-40B4-BE49-F238E27FC236}">
+                  <a16:creationId xmlns:a16="http://schemas.microsoft.com/office/drawing/2014/main" id="{A6C66D7C-86F5-D91A-35C7-3E771AC58002}"/>
+                </a:ext>
+              </a:extLst>
+            </p:cNvPr>
+            <p:cNvGrpSpPr/>
+            <p:nvPr/>
+          </p:nvGrpSpPr>
+          <p:grpSpPr>
+            <a:xfrm>
+              <a:off x="5252018" y="3555205"/>
+              <a:ext cx="227794" cy="220229"/>
+              <a:chOff x="7247302" y="1874030"/>
+              <a:chExt cx="555828" cy="537369"/>
+            </a:xfrm>
+            <a:solidFill>
+              <a:srgbClr val="48A1FA"/>
+            </a:solidFill>
+          </p:grpSpPr>
+          <p:sp>
+            <p:nvSpPr>
+              <p:cNvPr id="45" name="任意多边形: 形状 44">
+                <a:extLst>
+                  <a:ext uri="{FF2B5EF4-FFF2-40B4-BE49-F238E27FC236}">
+                    <a16:creationId xmlns:a16="http://schemas.microsoft.com/office/drawing/2014/main" id="{A16140F7-5C8C-37F6-5946-41D9405D555E}"/>
+                  </a:ext>
+                </a:extLst>
+              </p:cNvPr>
+              <p:cNvSpPr/>
+              <p:nvPr/>
+            </p:nvSpPr>
+            <p:spPr>
+              <a:xfrm>
+                <a:off x="7247302" y="1980380"/>
+                <a:ext cx="319632" cy="365869"/>
+              </a:xfrm>
+              <a:custGeom>
+                <a:avLst/>
+                <a:gdLst>
+                  <a:gd name="connsiteX0" fmla="*/ 319633 w 319632"/>
+                  <a:gd name="connsiteY0" fmla="*/ 62 h 365869"/>
+                  <a:gd name="connsiteX1" fmla="*/ 227297 w 319632"/>
+                  <a:gd name="connsiteY1" fmla="*/ 200918 h 365869"/>
+                  <a:gd name="connsiteX2" fmla="*/ 241188 w 319632"/>
+                  <a:gd name="connsiteY2" fmla="*/ 217227 h 365869"/>
+                  <a:gd name="connsiteX3" fmla="*/ 242800 w 319632"/>
+                  <a:gd name="connsiteY3" fmla="*/ 257225 h 365869"/>
+                  <a:gd name="connsiteX4" fmla="*/ 203981 w 319632"/>
+                  <a:gd name="connsiteY4" fmla="*/ 256480 h 365869"/>
+                  <a:gd name="connsiteX5" fmla="*/ 193935 w 319632"/>
+                  <a:gd name="connsiteY5" fmla="*/ 246435 h 365869"/>
+                  <a:gd name="connsiteX6" fmla="*/ 40518 w 319632"/>
+                  <a:gd name="connsiteY6" fmla="*/ 363327 h 365869"/>
+                  <a:gd name="connsiteX7" fmla="*/ 27930 w 319632"/>
+                  <a:gd name="connsiteY7" fmla="*/ 365869 h 365869"/>
+                  <a:gd name="connsiteX8" fmla="*/ 2815 w 319632"/>
+                  <a:gd name="connsiteY8" fmla="*/ 352041 h 365869"/>
+                  <a:gd name="connsiteX9" fmla="*/ 21232 w 319632"/>
+                  <a:gd name="connsiteY9" fmla="*/ 307020 h 365869"/>
+                  <a:gd name="connsiteX10" fmla="*/ 157844 w 319632"/>
+                  <a:gd name="connsiteY10" fmla="*/ 203646 h 365869"/>
+                  <a:gd name="connsiteX11" fmla="*/ 95894 w 319632"/>
+                  <a:gd name="connsiteY11" fmla="*/ 95560 h 365869"/>
+                  <a:gd name="connsiteX12" fmla="*/ 111087 w 319632"/>
+                  <a:gd name="connsiteY12" fmla="*/ 61392 h 365869"/>
+                  <a:gd name="connsiteX13" fmla="*/ 145566 w 319632"/>
+                  <a:gd name="connsiteY13" fmla="*/ 76274 h 365869"/>
+                  <a:gd name="connsiteX14" fmla="*/ 190028 w 319632"/>
+                  <a:gd name="connsiteY14" fmla="*/ 156083 h 365869"/>
+                  <a:gd name="connsiteX15" fmla="*/ 260535 w 319632"/>
+                  <a:gd name="connsiteY15" fmla="*/ 0 h 365869"/>
+                </a:gdLst>
+                <a:ahLst/>
+                <a:cxnLst>
+                  <a:cxn ang="0">
+                    <a:pos x="connsiteX0" y="connsiteY0"/>
+                  </a:cxn>
+                  <a:cxn ang="0">
+                    <a:pos x="connsiteX1" y="connsiteY1"/>
+                  </a:cxn>
+                  <a:cxn ang="0">
+                    <a:pos x="connsiteX2" y="connsiteY2"/>
+                  </a:cxn>
+                  <a:cxn ang="0">
+                    <a:pos x="connsiteX3" y="connsiteY3"/>
+                  </a:cxn>
+                  <a:cxn ang="0">
+                    <a:pos x="connsiteX4" y="connsiteY4"/>
+                  </a:cxn>
+                  <a:cxn ang="0">
+                    <a:pos x="connsiteX5" y="connsiteY5"/>
+                  </a:cxn>
+                  <a:cxn ang="0">
+                    <a:pos x="connsiteX6" y="connsiteY6"/>
+                  </a:cxn>
+                  <a:cxn ang="0">
+                    <a:pos x="connsiteX7" y="connsiteY7"/>
+                  </a:cxn>
+                  <a:cxn ang="0">
+                    <a:pos x="connsiteX8" y="connsiteY8"/>
+                  </a:cxn>
+                  <a:cxn ang="0">
+                    <a:pos x="connsiteX9" y="connsiteY9"/>
+                  </a:cxn>
+                  <a:cxn ang="0">
+                    <a:pos x="connsiteX10" y="connsiteY10"/>
+                  </a:cxn>
+                  <a:cxn ang="0">
+                    <a:pos x="connsiteX11" y="connsiteY11"/>
+                  </a:cxn>
+                  <a:cxn ang="0">
+                    <a:pos x="connsiteX12" y="connsiteY12"/>
+                  </a:cxn>
+                  <a:cxn ang="0">
+                    <a:pos x="connsiteX13" y="connsiteY13"/>
+                  </a:cxn>
+                  <a:cxn ang="0">
+                    <a:pos x="connsiteX14" y="connsiteY14"/>
+                  </a:cxn>
+                  <a:cxn ang="0">
+                    <a:pos x="connsiteX15" y="connsiteY15"/>
+                  </a:cxn>
+                </a:cxnLst>
+                <a:rect l="l" t="t" r="r" b="b"/>
+                <a:pathLst>
+                  <a:path w="319632" h="365869">
+                    <a:moveTo>
+                      <a:pt x="319633" y="62"/>
+                    </a:moveTo>
+                    <a:cubicBezTo>
+                      <a:pt x="304564" y="75468"/>
+                      <a:pt x="272566" y="140581"/>
+                      <a:pt x="227297" y="200918"/>
+                    </a:cubicBezTo>
+                    <a:lnTo>
+                      <a:pt x="241188" y="217227"/>
+                    </a:lnTo>
+                    <a:cubicBezTo>
+                      <a:pt x="251234" y="227273"/>
+                      <a:pt x="254520" y="245504"/>
+                      <a:pt x="242800" y="257225"/>
+                    </a:cubicBezTo>
+                    <a:cubicBezTo>
+                      <a:pt x="232754" y="267271"/>
+                      <a:pt x="214089" y="266526"/>
+                      <a:pt x="203981" y="256480"/>
+                    </a:cubicBezTo>
+                    <a:lnTo>
+                      <a:pt x="193935" y="246435"/>
+                    </a:lnTo>
+                    <a:cubicBezTo>
+                      <a:pt x="151209" y="294184"/>
+                      <a:pt x="100855" y="333189"/>
+                      <a:pt x="40518" y="363327"/>
+                    </a:cubicBezTo>
+                    <a:cubicBezTo>
+                      <a:pt x="36301" y="364939"/>
+                      <a:pt x="30472" y="365869"/>
+                      <a:pt x="27930" y="365869"/>
+                    </a:cubicBezTo>
+                    <a:cubicBezTo>
+                      <a:pt x="16271" y="365869"/>
+                      <a:pt x="7838" y="362086"/>
+                      <a:pt x="2815" y="352041"/>
+                    </a:cubicBezTo>
+                    <a:cubicBezTo>
+                      <a:pt x="-3386" y="336290"/>
+                      <a:pt x="-224" y="316818"/>
+                      <a:pt x="21232" y="307020"/>
+                    </a:cubicBezTo>
+                    <a:cubicBezTo>
+                      <a:pt x="76609" y="279363"/>
+                      <a:pt x="117598" y="248915"/>
+                      <a:pt x="157844" y="203646"/>
+                    </a:cubicBezTo>
+                    <a:cubicBezTo>
+                      <a:pt x="130187" y="165943"/>
+                      <a:pt x="110963" y="133263"/>
+                      <a:pt x="95894" y="95560"/>
+                    </a:cubicBezTo>
+                    <a:cubicBezTo>
+                      <a:pt x="90871" y="82972"/>
+                      <a:pt x="98747" y="67097"/>
+                      <a:pt x="111087" y="61392"/>
+                    </a:cubicBezTo>
+                    <a:cubicBezTo>
+                      <a:pt x="125536" y="54756"/>
+                      <a:pt x="140543" y="63748"/>
+                      <a:pt x="145566" y="76274"/>
+                    </a:cubicBezTo>
+                    <a:cubicBezTo>
+                      <a:pt x="159890" y="109575"/>
+                      <a:pt x="169936" y="128426"/>
+                      <a:pt x="190028" y="156083"/>
+                    </a:cubicBezTo>
+                    <a:cubicBezTo>
+                      <a:pt x="225251" y="105792"/>
+                      <a:pt x="245467" y="60337"/>
+                      <a:pt x="260535" y="0"/>
+                    </a:cubicBezTo>
+                  </a:path>
+                </a:pathLst>
+              </a:custGeom>
+              <a:grpFill/>
+              <a:ln w="614" cap="flat">
+                <a:noFill/>
+                <a:prstDash val="solid"/>
+                <a:miter/>
+              </a:ln>
+            </p:spPr>
+            <p:txBody>
+              <a:bodyPr rtlCol="0" anchor="ctr"/>
+              <a:lstStyle/>
+              <a:p>
+                <a:endParaRPr lang="zh-CN" altLang="en-US"/>
+              </a:p>
+            </p:txBody>
+          </p:sp>
+          <p:sp>
+            <p:nvSpPr>
+              <p:cNvPr id="47" name="任意多边形: 形状 46">
+                <a:extLst>
+                  <a:ext uri="{FF2B5EF4-FFF2-40B4-BE49-F238E27FC236}">
+                    <a16:creationId xmlns:a16="http://schemas.microsoft.com/office/drawing/2014/main" id="{84962DB2-1677-08E1-8AE3-14468C701898}"/>
+                  </a:ext>
+                </a:extLst>
+              </p:cNvPr>
+              <p:cNvSpPr/>
+              <p:nvPr/>
+            </p:nvSpPr>
+            <p:spPr>
+              <a:xfrm>
+                <a:off x="7247512" y="1933003"/>
+                <a:ext cx="396502" cy="60027"/>
+              </a:xfrm>
+              <a:custGeom>
+                <a:avLst/>
+                <a:gdLst>
+                  <a:gd name="connsiteX0" fmla="*/ 366489 w 396502"/>
+                  <a:gd name="connsiteY0" fmla="*/ 60027 h 60027"/>
+                  <a:gd name="connsiteX1" fmla="*/ 30014 w 396502"/>
+                  <a:gd name="connsiteY1" fmla="*/ 60027 h 60027"/>
+                  <a:gd name="connsiteX2" fmla="*/ 0 w 396502"/>
+                  <a:gd name="connsiteY2" fmla="*/ 30014 h 60027"/>
+                  <a:gd name="connsiteX3" fmla="*/ 30014 w 396502"/>
+                  <a:gd name="connsiteY3" fmla="*/ 0 h 60027"/>
+                  <a:gd name="connsiteX4" fmla="*/ 366489 w 396502"/>
+                  <a:gd name="connsiteY4" fmla="*/ 0 h 60027"/>
+                  <a:gd name="connsiteX5" fmla="*/ 396503 w 396502"/>
+                  <a:gd name="connsiteY5" fmla="*/ 30014 h 60027"/>
+                  <a:gd name="connsiteX6" fmla="*/ 366489 w 396502"/>
+                  <a:gd name="connsiteY6" fmla="*/ 60027 h 60027"/>
+                </a:gdLst>
+                <a:ahLst/>
+                <a:cxnLst>
+                  <a:cxn ang="0">
+                    <a:pos x="connsiteX0" y="connsiteY0"/>
+                  </a:cxn>
+                  <a:cxn ang="0">
+                    <a:pos x="connsiteX1" y="connsiteY1"/>
+                  </a:cxn>
+                  <a:cxn ang="0">
+                    <a:pos x="connsiteX2" y="connsiteY2"/>
+                  </a:cxn>
+                  <a:cxn ang="0">
+                    <a:pos x="connsiteX3" y="connsiteY3"/>
+                  </a:cxn>
+                  <a:cxn ang="0">
+                    <a:pos x="connsiteX4" y="connsiteY4"/>
+                  </a:cxn>
+                  <a:cxn ang="0">
+                    <a:pos x="connsiteX5" y="connsiteY5"/>
+                  </a:cxn>
+                  <a:cxn ang="0">
+                    <a:pos x="connsiteX6" y="connsiteY6"/>
+                  </a:cxn>
+                </a:cxnLst>
+                <a:rect l="l" t="t" r="r" b="b"/>
+                <a:pathLst>
+                  <a:path w="396502" h="60027">
+                    <a:moveTo>
+                      <a:pt x="366489" y="60027"/>
+                    </a:moveTo>
+                    <a:lnTo>
+                      <a:pt x="30014" y="60027"/>
+                    </a:lnTo>
+                    <a:cubicBezTo>
+                      <a:pt x="13457" y="60027"/>
+                      <a:pt x="0" y="46571"/>
+                      <a:pt x="0" y="30014"/>
+                    </a:cubicBezTo>
+                    <a:cubicBezTo>
+                      <a:pt x="0" y="13457"/>
+                      <a:pt x="13457" y="0"/>
+                      <a:pt x="30014" y="0"/>
+                    </a:cubicBezTo>
+                    <a:lnTo>
+                      <a:pt x="366489" y="0"/>
+                    </a:lnTo>
+                    <a:cubicBezTo>
+                      <a:pt x="383046" y="0"/>
+                      <a:pt x="396503" y="13457"/>
+                      <a:pt x="396503" y="30014"/>
+                    </a:cubicBezTo>
+                    <a:cubicBezTo>
+                      <a:pt x="396441" y="46571"/>
+                      <a:pt x="383046" y="60027"/>
+                      <a:pt x="366489" y="60027"/>
+                    </a:cubicBezTo>
+                    <a:close/>
+                  </a:path>
+                </a:pathLst>
+              </a:custGeom>
+              <a:grpFill/>
+              <a:ln w="614" cap="flat">
+                <a:noFill/>
+                <a:prstDash val="solid"/>
+                <a:miter/>
+              </a:ln>
+            </p:spPr>
+            <p:txBody>
+              <a:bodyPr rtlCol="0" anchor="ctr"/>
+              <a:lstStyle/>
+              <a:p>
+                <a:endParaRPr lang="zh-CN" altLang="en-US"/>
+              </a:p>
+            </p:txBody>
+          </p:sp>
+          <p:sp>
+            <p:nvSpPr>
+              <p:cNvPr id="48" name="任意多边形: 形状 47">
+                <a:extLst>
+                  <a:ext uri="{FF2B5EF4-FFF2-40B4-BE49-F238E27FC236}">
+                    <a16:creationId xmlns:a16="http://schemas.microsoft.com/office/drawing/2014/main" id="{52DBD9D5-33AD-389C-4891-232541DADC28}"/>
+                  </a:ext>
+                </a:extLst>
+              </p:cNvPr>
+              <p:cNvSpPr/>
+              <p:nvPr/>
+            </p:nvSpPr>
+            <p:spPr>
+              <a:xfrm>
+                <a:off x="7406324" y="1874030"/>
+                <a:ext cx="357125" cy="476001"/>
+              </a:xfrm>
+              <a:custGeom>
+                <a:avLst/>
+                <a:gdLst>
+                  <a:gd name="connsiteX0" fmla="*/ 29952 w 357125"/>
+                  <a:gd name="connsiteY0" fmla="*/ 119000 h 476001"/>
+                  <a:gd name="connsiteX1" fmla="*/ 0 w 357125"/>
+                  <a:gd name="connsiteY1" fmla="*/ 89049 h 476001"/>
+                  <a:gd name="connsiteX2" fmla="*/ 0 w 357125"/>
+                  <a:gd name="connsiteY2" fmla="*/ 29952 h 476001"/>
+                  <a:gd name="connsiteX3" fmla="*/ 29952 w 357125"/>
+                  <a:gd name="connsiteY3" fmla="*/ 0 h 476001"/>
+                  <a:gd name="connsiteX4" fmla="*/ 59903 w 357125"/>
+                  <a:gd name="connsiteY4" fmla="*/ 29952 h 476001"/>
+                  <a:gd name="connsiteX5" fmla="*/ 59903 w 357125"/>
+                  <a:gd name="connsiteY5" fmla="*/ 89049 h 476001"/>
+                  <a:gd name="connsiteX6" fmla="*/ 29952 w 357125"/>
+                  <a:gd name="connsiteY6" fmla="*/ 119000 h 476001"/>
+                  <a:gd name="connsiteX7" fmla="*/ 327174 w 357125"/>
+                  <a:gd name="connsiteY7" fmla="*/ 476002 h 476001"/>
+                  <a:gd name="connsiteX8" fmla="*/ 149138 w 357125"/>
+                  <a:gd name="connsiteY8" fmla="*/ 476002 h 476001"/>
+                  <a:gd name="connsiteX9" fmla="*/ 119249 w 357125"/>
+                  <a:gd name="connsiteY9" fmla="*/ 446112 h 476001"/>
+                  <a:gd name="connsiteX10" fmla="*/ 149138 w 357125"/>
+                  <a:gd name="connsiteY10" fmla="*/ 416223 h 476001"/>
+                  <a:gd name="connsiteX11" fmla="*/ 327236 w 357125"/>
+                  <a:gd name="connsiteY11" fmla="*/ 416223 h 476001"/>
+                  <a:gd name="connsiteX12" fmla="*/ 357126 w 357125"/>
+                  <a:gd name="connsiteY12" fmla="*/ 446112 h 476001"/>
+                  <a:gd name="connsiteX13" fmla="*/ 327174 w 357125"/>
+                  <a:gd name="connsiteY13" fmla="*/ 476002 h 476001"/>
+                </a:gdLst>
+                <a:ahLst/>
+                <a:cxnLst>
+                  <a:cxn ang="0">
+                    <a:pos x="connsiteX0" y="connsiteY0"/>
+                  </a:cxn>
+                  <a:cxn ang="0">
+                    <a:pos x="connsiteX1" y="connsiteY1"/>
+                  </a:cxn>
+                  <a:cxn ang="0">
+                    <a:pos x="connsiteX2" y="connsiteY2"/>
+                  </a:cxn>
+                  <a:cxn ang="0">
+                    <a:pos x="connsiteX3" y="connsiteY3"/>
+                  </a:cxn>
+                  <a:cxn ang="0">
+                    <a:pos x="connsiteX4" y="connsiteY4"/>
+                  </a:cxn>
+                  <a:cxn ang="0">
+                    <a:pos x="connsiteX5" y="connsiteY5"/>
+                  </a:cxn>
+                  <a:cxn ang="0">
+                    <a:pos x="connsiteX6" y="connsiteY6"/>
+                  </a:cxn>
+                  <a:cxn ang="0">
+                    <a:pos x="connsiteX7" y="connsiteY7"/>
+                  </a:cxn>
+                  <a:cxn ang="0">
+                    <a:pos x="connsiteX8" y="connsiteY8"/>
+                  </a:cxn>
+                  <a:cxn ang="0">
+                    <a:pos x="connsiteX9" y="connsiteY9"/>
+                  </a:cxn>
+                  <a:cxn ang="0">
+                    <a:pos x="connsiteX10" y="connsiteY10"/>
+                  </a:cxn>
+                  <a:cxn ang="0">
+                    <a:pos x="connsiteX11" y="connsiteY11"/>
+                  </a:cxn>
+                  <a:cxn ang="0">
+                    <a:pos x="connsiteX12" y="connsiteY12"/>
+                  </a:cxn>
+                  <a:cxn ang="0">
+                    <a:pos x="connsiteX13" y="connsiteY13"/>
+                  </a:cxn>
+                </a:cxnLst>
+                <a:rect l="l" t="t" r="r" b="b"/>
+                <a:pathLst>
+                  <a:path w="357125" h="476001">
+                    <a:moveTo>
+                      <a:pt x="29952" y="119000"/>
+                    </a:moveTo>
+                    <a:cubicBezTo>
+                      <a:pt x="13395" y="119000"/>
+                      <a:pt x="0" y="105606"/>
+                      <a:pt x="0" y="89049"/>
+                    </a:cubicBezTo>
+                    <a:lnTo>
+                      <a:pt x="0" y="29952"/>
+                    </a:lnTo>
+                    <a:cubicBezTo>
+                      <a:pt x="0" y="13395"/>
+                      <a:pt x="13395" y="0"/>
+                      <a:pt x="29952" y="0"/>
+                    </a:cubicBezTo>
+                    <a:cubicBezTo>
+                      <a:pt x="46509" y="0"/>
+                      <a:pt x="59903" y="13395"/>
+                      <a:pt x="59903" y="29952"/>
+                    </a:cubicBezTo>
+                    <a:lnTo>
+                      <a:pt x="59903" y="89049"/>
+                    </a:lnTo>
+                    <a:cubicBezTo>
+                      <a:pt x="59903" y="105544"/>
+                      <a:pt x="46509" y="119000"/>
+                      <a:pt x="29952" y="119000"/>
+                    </a:cubicBezTo>
+                    <a:close/>
+                    <a:moveTo>
+                      <a:pt x="327174" y="476002"/>
+                    </a:moveTo>
+                    <a:lnTo>
+                      <a:pt x="149138" y="476002"/>
+                    </a:lnTo>
+                    <a:cubicBezTo>
+                      <a:pt x="132643" y="476002"/>
+                      <a:pt x="119249" y="462607"/>
+                      <a:pt x="119249" y="446112"/>
+                    </a:cubicBezTo>
+                    <a:cubicBezTo>
+                      <a:pt x="119249" y="429617"/>
+                      <a:pt x="132643" y="416223"/>
+                      <a:pt x="149138" y="416223"/>
+                    </a:cubicBezTo>
+                    <a:lnTo>
+                      <a:pt x="327236" y="416223"/>
+                    </a:lnTo>
+                    <a:cubicBezTo>
+                      <a:pt x="343731" y="416223"/>
+                      <a:pt x="357126" y="429617"/>
+                      <a:pt x="357126" y="446112"/>
+                    </a:cubicBezTo>
+                    <a:cubicBezTo>
+                      <a:pt x="357126" y="462607"/>
+                      <a:pt x="343731" y="476002"/>
+                      <a:pt x="327174" y="476002"/>
+                    </a:cubicBezTo>
+                    <a:close/>
+                  </a:path>
+                </a:pathLst>
+              </a:custGeom>
+              <a:grpFill/>
+              <a:ln w="614" cap="flat">
+                <a:noFill/>
+                <a:prstDash val="solid"/>
+                <a:miter/>
+              </a:ln>
+            </p:spPr>
+            <p:txBody>
+              <a:bodyPr rtlCol="0" anchor="ctr"/>
+              <a:lstStyle/>
+              <a:p>
+                <a:endParaRPr lang="zh-CN" altLang="en-US"/>
+              </a:p>
+            </p:txBody>
+          </p:sp>
+          <p:sp>
+            <p:nvSpPr>
+              <p:cNvPr id="49" name="任意多边形: 形状 48">
+                <a:extLst>
+                  <a:ext uri="{FF2B5EF4-FFF2-40B4-BE49-F238E27FC236}">
+                    <a16:creationId xmlns:a16="http://schemas.microsoft.com/office/drawing/2014/main" id="{A11D4F31-C304-BE5B-093F-769D93026E89}"/>
+                  </a:ext>
+                </a:extLst>
+              </p:cNvPr>
+              <p:cNvSpPr/>
+              <p:nvPr/>
+            </p:nvSpPr>
+            <p:spPr>
+              <a:xfrm>
+                <a:off x="7604786" y="2112242"/>
+                <a:ext cx="198344" cy="299157"/>
+              </a:xfrm>
+              <a:custGeom>
+                <a:avLst/>
+                <a:gdLst>
+                  <a:gd name="connsiteX0" fmla="*/ 183158 w 198344"/>
+                  <a:gd name="connsiteY0" fmla="*/ 295089 h 299157"/>
+                  <a:gd name="connsiteX1" fmla="*/ 141796 w 198344"/>
+                  <a:gd name="connsiteY1" fmla="*/ 283989 h 299157"/>
+                  <a:gd name="connsiteX2" fmla="*/ 4068 w 198344"/>
+                  <a:gd name="connsiteY2" fmla="*/ 45430 h 299157"/>
+                  <a:gd name="connsiteX3" fmla="*/ 15168 w 198344"/>
+                  <a:gd name="connsiteY3" fmla="*/ 4068 h 299157"/>
+                  <a:gd name="connsiteX4" fmla="*/ 56530 w 198344"/>
+                  <a:gd name="connsiteY4" fmla="*/ 15168 h 299157"/>
+                  <a:gd name="connsiteX5" fmla="*/ 194320 w 198344"/>
+                  <a:gd name="connsiteY5" fmla="*/ 253789 h 299157"/>
+                  <a:gd name="connsiteX6" fmla="*/ 183158 w 198344"/>
+                  <a:gd name="connsiteY6" fmla="*/ 295089 h 299157"/>
+                </a:gdLst>
+                <a:ahLst/>
+                <a:cxnLst>
+                  <a:cxn ang="0">
+                    <a:pos x="connsiteX0" y="connsiteY0"/>
+                  </a:cxn>
+                  <a:cxn ang="0">
+                    <a:pos x="connsiteX1" y="connsiteY1"/>
+                  </a:cxn>
+                  <a:cxn ang="0">
+                    <a:pos x="connsiteX2" y="connsiteY2"/>
+                  </a:cxn>
+                  <a:cxn ang="0">
+                    <a:pos x="connsiteX3" y="connsiteY3"/>
+                  </a:cxn>
+                  <a:cxn ang="0">
+                    <a:pos x="connsiteX4" y="connsiteY4"/>
+                  </a:cxn>
+                  <a:cxn ang="0">
+                    <a:pos x="connsiteX5" y="connsiteY5"/>
+                  </a:cxn>
+                  <a:cxn ang="0">
+                    <a:pos x="connsiteX6" y="connsiteY6"/>
+                  </a:cxn>
+                </a:cxnLst>
+                <a:rect l="l" t="t" r="r" b="b"/>
+                <a:pathLst>
+                  <a:path w="198344" h="299157">
+                    <a:moveTo>
+                      <a:pt x="183158" y="295089"/>
+                    </a:moveTo>
+                    <a:cubicBezTo>
+                      <a:pt x="168647" y="303461"/>
+                      <a:pt x="150168" y="298500"/>
+                      <a:pt x="141796" y="283989"/>
+                    </a:cubicBezTo>
+                    <a:lnTo>
+                      <a:pt x="4068" y="45430"/>
+                    </a:lnTo>
+                    <a:cubicBezTo>
+                      <a:pt x="-4303" y="30919"/>
+                      <a:pt x="657" y="12440"/>
+                      <a:pt x="15168" y="4068"/>
+                    </a:cubicBezTo>
+                    <a:cubicBezTo>
+                      <a:pt x="29679" y="-4303"/>
+                      <a:pt x="48158" y="657"/>
+                      <a:pt x="56530" y="15168"/>
+                    </a:cubicBezTo>
+                    <a:lnTo>
+                      <a:pt x="194320" y="253789"/>
+                    </a:lnTo>
+                    <a:cubicBezTo>
+                      <a:pt x="202630" y="268238"/>
+                      <a:pt x="197669" y="286718"/>
+                      <a:pt x="183158" y="295089"/>
+                    </a:cubicBezTo>
+                    <a:close/>
+                  </a:path>
+                </a:pathLst>
+              </a:custGeom>
+              <a:grpFill/>
+              <a:ln w="614" cap="flat">
+                <a:noFill/>
+                <a:prstDash val="solid"/>
+                <a:miter/>
+              </a:ln>
+            </p:spPr>
+            <p:txBody>
+              <a:bodyPr rtlCol="0" anchor="ctr"/>
+              <a:lstStyle/>
+              <a:p>
+                <a:endParaRPr lang="zh-CN" altLang="en-US"/>
+              </a:p>
+            </p:txBody>
+          </p:sp>
+          <p:sp>
+            <p:nvSpPr>
+              <p:cNvPr id="50" name="任意多边形: 形状 49">
+                <a:extLst>
+                  <a:ext uri="{FF2B5EF4-FFF2-40B4-BE49-F238E27FC236}">
+                    <a16:creationId xmlns:a16="http://schemas.microsoft.com/office/drawing/2014/main" id="{B7AEDCE8-9997-FCA5-B9DF-55A4AEFAF170}"/>
+                  </a:ext>
+                </a:extLst>
+              </p:cNvPr>
+              <p:cNvSpPr/>
+              <p:nvPr/>
+            </p:nvSpPr>
+            <p:spPr>
+              <a:xfrm>
+                <a:off x="7466872" y="2112180"/>
+                <a:ext cx="198388" cy="299219"/>
+              </a:xfrm>
+              <a:custGeom>
+                <a:avLst/>
+                <a:gdLst>
+                  <a:gd name="connsiteX0" fmla="*/ 15168 w 198388"/>
+                  <a:gd name="connsiteY0" fmla="*/ 295151 h 299219"/>
+                  <a:gd name="connsiteX1" fmla="*/ 4068 w 198388"/>
+                  <a:gd name="connsiteY1" fmla="*/ 253789 h 299219"/>
+                  <a:gd name="connsiteX2" fmla="*/ 141858 w 198388"/>
+                  <a:gd name="connsiteY2" fmla="*/ 15168 h 299219"/>
+                  <a:gd name="connsiteX3" fmla="*/ 183220 w 198388"/>
+                  <a:gd name="connsiteY3" fmla="*/ 4068 h 299219"/>
+                  <a:gd name="connsiteX4" fmla="*/ 194320 w 198388"/>
+                  <a:gd name="connsiteY4" fmla="*/ 45430 h 299219"/>
+                  <a:gd name="connsiteX5" fmla="*/ 56592 w 198388"/>
+                  <a:gd name="connsiteY5" fmla="*/ 284051 h 299219"/>
+                  <a:gd name="connsiteX6" fmla="*/ 15168 w 198388"/>
+                  <a:gd name="connsiteY6" fmla="*/ 295151 h 299219"/>
+                </a:gdLst>
+                <a:ahLst/>
+                <a:cxnLst>
+                  <a:cxn ang="0">
+                    <a:pos x="connsiteX0" y="connsiteY0"/>
+                  </a:cxn>
+                  <a:cxn ang="0">
+                    <a:pos x="connsiteX1" y="connsiteY1"/>
+                  </a:cxn>
+                  <a:cxn ang="0">
+                    <a:pos x="connsiteX2" y="connsiteY2"/>
+                  </a:cxn>
+                  <a:cxn ang="0">
+                    <a:pos x="connsiteX3" y="connsiteY3"/>
+                  </a:cxn>
+                  <a:cxn ang="0">
+                    <a:pos x="connsiteX4" y="connsiteY4"/>
+                  </a:cxn>
+                  <a:cxn ang="0">
+                    <a:pos x="connsiteX5" y="connsiteY5"/>
+                  </a:cxn>
+                  <a:cxn ang="0">
+                    <a:pos x="connsiteX6" y="connsiteY6"/>
+                  </a:cxn>
+                </a:cxnLst>
+                <a:rect l="l" t="t" r="r" b="b"/>
+                <a:pathLst>
+                  <a:path w="198388" h="299219">
+                    <a:moveTo>
+                      <a:pt x="15168" y="295151"/>
+                    </a:moveTo>
+                    <a:cubicBezTo>
+                      <a:pt x="657" y="286780"/>
+                      <a:pt x="-4303" y="268300"/>
+                      <a:pt x="4068" y="253789"/>
+                    </a:cubicBezTo>
+                    <a:lnTo>
+                      <a:pt x="141858" y="15168"/>
+                    </a:lnTo>
+                    <a:cubicBezTo>
+                      <a:pt x="150230" y="657"/>
+                      <a:pt x="168709" y="-4303"/>
+                      <a:pt x="183220" y="4068"/>
+                    </a:cubicBezTo>
+                    <a:cubicBezTo>
+                      <a:pt x="197731" y="12440"/>
+                      <a:pt x="202692" y="30919"/>
+                      <a:pt x="194320" y="45430"/>
+                    </a:cubicBezTo>
+                    <a:lnTo>
+                      <a:pt x="56592" y="284051"/>
+                    </a:lnTo>
+                    <a:cubicBezTo>
+                      <a:pt x="48220" y="298562"/>
+                      <a:pt x="29679" y="303523"/>
+                      <a:pt x="15168" y="295151"/>
+                    </a:cubicBezTo>
+                    <a:close/>
+                  </a:path>
+                </a:pathLst>
+              </a:custGeom>
+              <a:grpFill/>
+              <a:ln w="614" cap="flat">
+                <a:noFill/>
+                <a:prstDash val="solid"/>
+                <a:miter/>
+              </a:ln>
+            </p:spPr>
+            <p:txBody>
+              <a:bodyPr rtlCol="0" anchor="ctr"/>
+              <a:lstStyle/>
+              <a:p>
+                <a:endParaRPr lang="zh-CN" altLang="en-US"/>
+              </a:p>
+            </p:txBody>
+          </p:sp>
+        </p:grpSp>
+      </p:grpSp>
+      <p:grpSp>
+        <p:nvGrpSpPr>
+          <p:cNvPr id="60" name="组合 59">
+            <a:extLst>
+              <a:ext uri="{FF2B5EF4-FFF2-40B4-BE49-F238E27FC236}">
+                <a16:creationId xmlns:a16="http://schemas.microsoft.com/office/drawing/2014/main" id="{1DD7BC83-1D0E-2F71-1F10-9643DF213127}"/>
+              </a:ext>
+            </a:extLst>
+          </p:cNvPr>
+          <p:cNvGrpSpPr/>
+          <p:nvPr/>
+        </p:nvGrpSpPr>
+        <p:grpSpPr>
+          <a:xfrm>
+            <a:off x="5159551" y="5396969"/>
+            <a:ext cx="354233" cy="375070"/>
+            <a:chOff x="6096000" y="1838572"/>
+            <a:chExt cx="599722" cy="635000"/>
+          </a:xfrm>
+        </p:grpSpPr>
+        <p:sp>
+          <p:nvSpPr>
+            <p:cNvPr id="58" name="任意多边形: 形状 57">
+              <a:extLst>
+                <a:ext uri="{FF2B5EF4-FFF2-40B4-BE49-F238E27FC236}">
+                  <a16:creationId xmlns:a16="http://schemas.microsoft.com/office/drawing/2014/main" id="{472EE7B5-C41B-9585-8176-4320FCA81C94}"/>
+                </a:ext>
+              </a:extLst>
+            </p:cNvPr>
+            <p:cNvSpPr/>
+            <p:nvPr/>
+          </p:nvSpPr>
+          <p:spPr>
+            <a:xfrm>
+              <a:off x="6096000" y="1838572"/>
+              <a:ext cx="599722" cy="635000"/>
+            </a:xfrm>
+            <a:custGeom>
+              <a:avLst/>
+              <a:gdLst>
+                <a:gd name="connsiteX0" fmla="*/ 211666 w 599722"/>
+                <a:gd name="connsiteY0" fmla="*/ 599722 h 635000"/>
+                <a:gd name="connsiteX1" fmla="*/ 388056 w 599722"/>
+                <a:gd name="connsiteY1" fmla="*/ 599722 h 635000"/>
+                <a:gd name="connsiteX2" fmla="*/ 388056 w 599722"/>
+                <a:gd name="connsiteY2" fmla="*/ 635000 h 635000"/>
+                <a:gd name="connsiteX3" fmla="*/ 211666 w 599722"/>
+                <a:gd name="connsiteY3" fmla="*/ 635000 h 635000"/>
+                <a:gd name="connsiteX4" fmla="*/ 506342 w 599722"/>
+                <a:gd name="connsiteY4" fmla="*/ 68439 h 635000"/>
+                <a:gd name="connsiteX5" fmla="*/ 531284 w 599722"/>
+                <a:gd name="connsiteY5" fmla="*/ 93345 h 635000"/>
+                <a:gd name="connsiteX6" fmla="*/ 481401 w 599722"/>
+                <a:gd name="connsiteY6" fmla="*/ 143263 h 635000"/>
+                <a:gd name="connsiteX7" fmla="*/ 456459 w 599722"/>
+                <a:gd name="connsiteY7" fmla="*/ 118321 h 635000"/>
+                <a:gd name="connsiteX8" fmla="*/ 93380 w 599722"/>
+                <a:gd name="connsiteY8" fmla="*/ 68439 h 635000"/>
+                <a:gd name="connsiteX9" fmla="*/ 143228 w 599722"/>
+                <a:gd name="connsiteY9" fmla="*/ 118251 h 635000"/>
+                <a:gd name="connsiteX10" fmla="*/ 118286 w 599722"/>
+                <a:gd name="connsiteY10" fmla="*/ 143193 h 635000"/>
+                <a:gd name="connsiteX11" fmla="*/ 68369 w 599722"/>
+                <a:gd name="connsiteY11" fmla="*/ 93310 h 635000"/>
+                <a:gd name="connsiteX12" fmla="*/ 529166 w 599722"/>
+                <a:gd name="connsiteY12" fmla="*/ 282222 h 635000"/>
+                <a:gd name="connsiteX13" fmla="*/ 599722 w 599722"/>
+                <a:gd name="connsiteY13" fmla="*/ 282222 h 635000"/>
+                <a:gd name="connsiteX14" fmla="*/ 599722 w 599722"/>
+                <a:gd name="connsiteY14" fmla="*/ 317500 h 635000"/>
+                <a:gd name="connsiteX15" fmla="*/ 529166 w 599722"/>
+                <a:gd name="connsiteY15" fmla="*/ 317500 h 635000"/>
+                <a:gd name="connsiteX16" fmla="*/ 0 w 599722"/>
+                <a:gd name="connsiteY16" fmla="*/ 282222 h 635000"/>
+                <a:gd name="connsiteX17" fmla="*/ 70556 w 599722"/>
+                <a:gd name="connsiteY17" fmla="*/ 282222 h 635000"/>
+                <a:gd name="connsiteX18" fmla="*/ 70556 w 599722"/>
+                <a:gd name="connsiteY18" fmla="*/ 317500 h 635000"/>
+                <a:gd name="connsiteX19" fmla="*/ 0 w 599722"/>
+                <a:gd name="connsiteY19" fmla="*/ 317500 h 635000"/>
+                <a:gd name="connsiteX20" fmla="*/ 282222 w 599722"/>
+                <a:gd name="connsiteY20" fmla="*/ 0 h 635000"/>
+                <a:gd name="connsiteX21" fmla="*/ 317500 w 599722"/>
+                <a:gd name="connsiteY21" fmla="*/ 0 h 635000"/>
+                <a:gd name="connsiteX22" fmla="*/ 317500 w 599722"/>
+                <a:gd name="connsiteY22" fmla="*/ 70556 h 635000"/>
+                <a:gd name="connsiteX23" fmla="*/ 282222 w 599722"/>
+                <a:gd name="connsiteY23" fmla="*/ 70556 h 635000"/>
+                <a:gd name="connsiteX24" fmla="*/ 299861 w 599722"/>
+                <a:gd name="connsiteY24" fmla="*/ 105834 h 635000"/>
+                <a:gd name="connsiteX25" fmla="*/ 105834 w 599722"/>
+                <a:gd name="connsiteY25" fmla="*/ 299861 h 635000"/>
+                <a:gd name="connsiteX26" fmla="*/ 211666 w 599722"/>
+                <a:gd name="connsiteY26" fmla="*/ 472722 h 635000"/>
+                <a:gd name="connsiteX27" fmla="*/ 211666 w 599722"/>
+                <a:gd name="connsiteY27" fmla="*/ 564444 h 635000"/>
+                <a:gd name="connsiteX28" fmla="*/ 388056 w 599722"/>
+                <a:gd name="connsiteY28" fmla="*/ 564444 h 635000"/>
+                <a:gd name="connsiteX29" fmla="*/ 388056 w 599722"/>
+                <a:gd name="connsiteY29" fmla="*/ 472722 h 635000"/>
+                <a:gd name="connsiteX30" fmla="*/ 493889 w 599722"/>
+                <a:gd name="connsiteY30" fmla="*/ 299861 h 635000"/>
+                <a:gd name="connsiteX31" fmla="*/ 299861 w 599722"/>
+                <a:gd name="connsiteY31" fmla="*/ 105834 h 635000"/>
+                <a:gd name="connsiteX32" fmla="*/ 370416 w 599722"/>
+                <a:gd name="connsiteY32" fmla="*/ 440972 h 635000"/>
+                <a:gd name="connsiteX33" fmla="*/ 352778 w 599722"/>
+                <a:gd name="connsiteY33" fmla="*/ 451556 h 635000"/>
+                <a:gd name="connsiteX34" fmla="*/ 352778 w 599722"/>
+                <a:gd name="connsiteY34" fmla="*/ 529166 h 635000"/>
+                <a:gd name="connsiteX35" fmla="*/ 246944 w 599722"/>
+                <a:gd name="connsiteY35" fmla="*/ 529166 h 635000"/>
+                <a:gd name="connsiteX36" fmla="*/ 246944 w 599722"/>
+                <a:gd name="connsiteY36" fmla="*/ 451556 h 635000"/>
+                <a:gd name="connsiteX37" fmla="*/ 229306 w 599722"/>
+                <a:gd name="connsiteY37" fmla="*/ 440972 h 635000"/>
+                <a:gd name="connsiteX38" fmla="*/ 141111 w 599722"/>
+                <a:gd name="connsiteY38" fmla="*/ 299861 h 635000"/>
+                <a:gd name="connsiteX39" fmla="*/ 299861 w 599722"/>
+                <a:gd name="connsiteY39" fmla="*/ 141111 h 635000"/>
+                <a:gd name="connsiteX40" fmla="*/ 458611 w 599722"/>
+                <a:gd name="connsiteY40" fmla="*/ 299861 h 635000"/>
+                <a:gd name="connsiteX41" fmla="*/ 370416 w 599722"/>
+                <a:gd name="connsiteY41" fmla="*/ 440972 h 635000"/>
+              </a:gdLst>
+              <a:ahLst/>
+              <a:cxnLst>
+                <a:cxn ang="0">
+                  <a:pos x="connsiteX0" y="connsiteY0"/>
+                </a:cxn>
+                <a:cxn ang="0">
+                  <a:pos x="connsiteX1" y="connsiteY1"/>
+                </a:cxn>
+                <a:cxn ang="0">
+                  <a:pos x="connsiteX2" y="connsiteY2"/>
+                </a:cxn>
+                <a:cxn ang="0">
+                  <a:pos x="connsiteX3" y="connsiteY3"/>
+                </a:cxn>
+                <a:cxn ang="0">
+                  <a:pos x="connsiteX4" y="connsiteY4"/>
+                </a:cxn>
+                <a:cxn ang="0">
+                  <a:pos x="connsiteX5" y="connsiteY5"/>
+                </a:cxn>
+                <a:cxn ang="0">
+                  <a:pos x="connsiteX6" y="connsiteY6"/>
+                </a:cxn>
+                <a:cxn ang="0">
+                  <a:pos x="connsiteX7" y="connsiteY7"/>
+                </a:cxn>
+                <a:cxn ang="0">
+                  <a:pos x="connsiteX8" y="connsiteY8"/>
+                </a:cxn>
+                <a:cxn ang="0">
+                  <a:pos x="connsiteX9" y="connsiteY9"/>
+                </a:cxn>
+                <a:cxn ang="0">
+                  <a:pos x="connsiteX10" y="connsiteY10"/>
+                </a:cxn>
+                <a:cxn ang="0">
+                  <a:pos x="connsiteX11" y="connsiteY11"/>
+                </a:cxn>
+                <a:cxn ang="0">
+                  <a:pos x="connsiteX12" y="connsiteY12"/>
+                </a:cxn>
+                <a:cxn ang="0">
+                  <a:pos x="connsiteX13" y="connsiteY13"/>
+                </a:cxn>
+                <a:cxn ang="0">
+                  <a:pos x="connsiteX14" y="connsiteY14"/>
+                </a:cxn>
+                <a:cxn ang="0">
+                  <a:pos x="connsiteX15" y="connsiteY15"/>
+                </a:cxn>
+                <a:cxn ang="0">
+                  <a:pos x="connsiteX16" y="connsiteY16"/>
+                </a:cxn>
+                <a:cxn ang="0">
+                  <a:pos x="connsiteX17" y="connsiteY17"/>
+                </a:cxn>
+                <a:cxn ang="0">
+                  <a:pos x="connsiteX18" y="connsiteY18"/>
+                </a:cxn>
+                <a:cxn ang="0">
+                  <a:pos x="connsiteX19" y="connsiteY19"/>
+                </a:cxn>
+                <a:cxn ang="0">
+                  <a:pos x="connsiteX20" y="connsiteY20"/>
+                </a:cxn>
+                <a:cxn ang="0">
+                  <a:pos x="connsiteX21" y="connsiteY21"/>
+                </a:cxn>
+                <a:cxn ang="0">
+                  <a:pos x="connsiteX22" y="connsiteY22"/>
+                </a:cxn>
+                <a:cxn ang="0">
+                  <a:pos x="connsiteX23" y="connsiteY23"/>
+                </a:cxn>
+                <a:cxn ang="0">
+                  <a:pos x="connsiteX24" y="connsiteY24"/>
+                </a:cxn>
+                <a:cxn ang="0">
+                  <a:pos x="connsiteX25" y="connsiteY25"/>
+                </a:cxn>
+                <a:cxn ang="0">
+                  <a:pos x="connsiteX26" y="connsiteY26"/>
+                </a:cxn>
+                <a:cxn ang="0">
+                  <a:pos x="connsiteX27" y="connsiteY27"/>
+                </a:cxn>
+                <a:cxn ang="0">
+                  <a:pos x="connsiteX28" y="connsiteY28"/>
+                </a:cxn>
+                <a:cxn ang="0">
+                  <a:pos x="connsiteX29" y="connsiteY29"/>
+                </a:cxn>
+                <a:cxn ang="0">
+                  <a:pos x="connsiteX30" y="connsiteY30"/>
+                </a:cxn>
+                <a:cxn ang="0">
+                  <a:pos x="connsiteX31" y="connsiteY31"/>
+                </a:cxn>
+                <a:cxn ang="0">
+                  <a:pos x="connsiteX32" y="connsiteY32"/>
+                </a:cxn>
+                <a:cxn ang="0">
+                  <a:pos x="connsiteX33" y="connsiteY33"/>
+                </a:cxn>
+                <a:cxn ang="0">
+                  <a:pos x="connsiteX34" y="connsiteY34"/>
+                </a:cxn>
+                <a:cxn ang="0">
+                  <a:pos x="connsiteX35" y="connsiteY35"/>
+                </a:cxn>
+                <a:cxn ang="0">
+                  <a:pos x="connsiteX36" y="connsiteY36"/>
+                </a:cxn>
+                <a:cxn ang="0">
+                  <a:pos x="connsiteX37" y="connsiteY37"/>
+                </a:cxn>
+                <a:cxn ang="0">
+                  <a:pos x="connsiteX38" y="connsiteY38"/>
+                </a:cxn>
+                <a:cxn ang="0">
+                  <a:pos x="connsiteX39" y="connsiteY39"/>
+                </a:cxn>
+                <a:cxn ang="0">
+                  <a:pos x="connsiteX40" y="connsiteY40"/>
+                </a:cxn>
+                <a:cxn ang="0">
+                  <a:pos x="connsiteX41" y="connsiteY41"/>
+                </a:cxn>
+              </a:cxnLst>
+              <a:rect l="l" t="t" r="r" b="b"/>
+              <a:pathLst>
+                <a:path w="599722" h="635000">
+                  <a:moveTo>
+                    <a:pt x="211666" y="599722"/>
+                  </a:moveTo>
+                  <a:lnTo>
+                    <a:pt x="388056" y="599722"/>
+                  </a:lnTo>
+                  <a:lnTo>
+                    <a:pt x="388056" y="635000"/>
+                  </a:lnTo>
+                  <a:lnTo>
+                    <a:pt x="211666" y="635000"/>
+                  </a:lnTo>
+                  <a:close/>
+                  <a:moveTo>
+                    <a:pt x="506342" y="68439"/>
+                  </a:moveTo>
+                  <a:lnTo>
+                    <a:pt x="531284" y="93345"/>
+                  </a:lnTo>
+                  <a:lnTo>
+                    <a:pt x="481401" y="143263"/>
+                  </a:lnTo>
+                  <a:lnTo>
+                    <a:pt x="456459" y="118321"/>
+                  </a:lnTo>
+                  <a:close/>
+                  <a:moveTo>
+                    <a:pt x="93380" y="68439"/>
+                  </a:moveTo>
+                  <a:lnTo>
+                    <a:pt x="143228" y="118251"/>
+                  </a:lnTo>
+                  <a:lnTo>
+                    <a:pt x="118286" y="143193"/>
+                  </a:lnTo>
+                  <a:lnTo>
+                    <a:pt x="68369" y="93310"/>
+                  </a:lnTo>
+                  <a:close/>
+                  <a:moveTo>
+                    <a:pt x="529166" y="282222"/>
+                  </a:moveTo>
+                  <a:lnTo>
+                    <a:pt x="599722" y="282222"/>
+                  </a:lnTo>
+                  <a:lnTo>
+                    <a:pt x="599722" y="317500"/>
+                  </a:lnTo>
+                  <a:lnTo>
+                    <a:pt x="529166" y="317500"/>
+                  </a:lnTo>
+                  <a:close/>
+                  <a:moveTo>
+                    <a:pt x="0" y="282222"/>
+                  </a:moveTo>
+                  <a:lnTo>
+                    <a:pt x="70556" y="282222"/>
+                  </a:lnTo>
+                  <a:lnTo>
+                    <a:pt x="70556" y="317500"/>
+                  </a:lnTo>
+                  <a:lnTo>
+                    <a:pt x="0" y="317500"/>
+                  </a:lnTo>
+                  <a:close/>
+                  <a:moveTo>
+                    <a:pt x="282222" y="0"/>
+                  </a:moveTo>
+                  <a:lnTo>
+                    <a:pt x="317500" y="0"/>
+                  </a:lnTo>
+                  <a:lnTo>
+                    <a:pt x="317500" y="70556"/>
+                  </a:lnTo>
+                  <a:lnTo>
+                    <a:pt x="282222" y="70556"/>
+                  </a:lnTo>
+                  <a:close/>
+                  <a:moveTo>
+                    <a:pt x="299861" y="105834"/>
+                  </a:moveTo>
+                  <a:cubicBezTo>
+                    <a:pt x="194028" y="105834"/>
+                    <a:pt x="105834" y="194028"/>
+                    <a:pt x="105834" y="299861"/>
+                  </a:cubicBezTo>
+                  <a:cubicBezTo>
+                    <a:pt x="105834" y="373944"/>
+                    <a:pt x="141111" y="440972"/>
+                    <a:pt x="211666" y="472722"/>
+                  </a:cubicBezTo>
+                  <a:lnTo>
+                    <a:pt x="211666" y="564444"/>
+                  </a:lnTo>
+                  <a:lnTo>
+                    <a:pt x="388056" y="564444"/>
+                  </a:lnTo>
+                  <a:lnTo>
+                    <a:pt x="388056" y="472722"/>
+                  </a:lnTo>
+                  <a:cubicBezTo>
+                    <a:pt x="458611" y="440972"/>
+                    <a:pt x="493889" y="373944"/>
+                    <a:pt x="493889" y="299861"/>
+                  </a:cubicBezTo>
+                  <a:cubicBezTo>
+                    <a:pt x="493889" y="194028"/>
+                    <a:pt x="405694" y="105834"/>
+                    <a:pt x="299861" y="105834"/>
+                  </a:cubicBezTo>
+                  <a:close/>
+                  <a:moveTo>
+                    <a:pt x="370416" y="440972"/>
+                  </a:moveTo>
+                  <a:lnTo>
+                    <a:pt x="352778" y="451556"/>
+                  </a:lnTo>
+                  <a:lnTo>
+                    <a:pt x="352778" y="529166"/>
+                  </a:lnTo>
+                  <a:lnTo>
+                    <a:pt x="246944" y="529166"/>
+                  </a:lnTo>
+                  <a:lnTo>
+                    <a:pt x="246944" y="451556"/>
+                  </a:lnTo>
+                  <a:lnTo>
+                    <a:pt x="229306" y="440972"/>
+                  </a:lnTo>
+                  <a:cubicBezTo>
+                    <a:pt x="172861" y="412750"/>
+                    <a:pt x="141111" y="359834"/>
+                    <a:pt x="141111" y="299861"/>
+                  </a:cubicBezTo>
+                  <a:cubicBezTo>
+                    <a:pt x="141111" y="211666"/>
+                    <a:pt x="211666" y="141111"/>
+                    <a:pt x="299861" y="141111"/>
+                  </a:cubicBezTo>
+                  <a:cubicBezTo>
+                    <a:pt x="388056" y="141111"/>
+                    <a:pt x="458611" y="211666"/>
+                    <a:pt x="458611" y="299861"/>
+                  </a:cubicBezTo>
+                  <a:cubicBezTo>
+                    <a:pt x="458611" y="359834"/>
+                    <a:pt x="426861" y="412750"/>
+                    <a:pt x="370416" y="440972"/>
+                  </a:cubicBezTo>
+                  <a:close/>
+                </a:path>
+              </a:pathLst>
+            </a:custGeom>
+            <a:solidFill>
+              <a:srgbClr val="48A1FA"/>
+            </a:solidFill>
+            <a:ln w="614" cap="flat">
+              <a:noFill/>
+              <a:prstDash val="solid"/>
+              <a:miter/>
+            </a:ln>
+          </p:spPr>
+          <p:txBody>
+            <a:bodyPr rtlCol="0" anchor="ctr"/>
+            <a:lstStyle/>
+            <a:p>
+              <a:endParaRPr lang="zh-CN" altLang="en-US"/>
+            </a:p>
+          </p:txBody>
+        </p:sp>
+        <p:sp>
+          <p:nvSpPr>
+            <p:cNvPr id="59" name="任意多边形: 形状 58">
+              <a:extLst>
+                <a:ext uri="{FF2B5EF4-FFF2-40B4-BE49-F238E27FC236}">
+                  <a16:creationId xmlns:a16="http://schemas.microsoft.com/office/drawing/2014/main" id="{8314BD43-FBDB-EE31-A77D-FB68320E68D3}"/>
+                </a:ext>
+              </a:extLst>
+            </p:cNvPr>
+            <p:cNvSpPr/>
+            <p:nvPr/>
+          </p:nvSpPr>
+          <p:spPr>
+            <a:xfrm>
+              <a:off x="6307666" y="2120794"/>
+              <a:ext cx="176389" cy="211666"/>
+            </a:xfrm>
+            <a:custGeom>
+              <a:avLst/>
+              <a:gdLst>
+                <a:gd name="connsiteX0" fmla="*/ 0 w 176389"/>
+                <a:gd name="connsiteY0" fmla="*/ 35278 h 211666"/>
+                <a:gd name="connsiteX1" fmla="*/ 70556 w 176389"/>
+                <a:gd name="connsiteY1" fmla="*/ 35278 h 211666"/>
+                <a:gd name="connsiteX2" fmla="*/ 70556 w 176389"/>
+                <a:gd name="connsiteY2" fmla="*/ 211666 h 211666"/>
+                <a:gd name="connsiteX3" fmla="*/ 105834 w 176389"/>
+                <a:gd name="connsiteY3" fmla="*/ 211666 h 211666"/>
+                <a:gd name="connsiteX4" fmla="*/ 105834 w 176389"/>
+                <a:gd name="connsiteY4" fmla="*/ 35278 h 211666"/>
+                <a:gd name="connsiteX5" fmla="*/ 176389 w 176389"/>
+                <a:gd name="connsiteY5" fmla="*/ 35278 h 211666"/>
+                <a:gd name="connsiteX6" fmla="*/ 176389 w 176389"/>
+                <a:gd name="connsiteY6" fmla="*/ 0 h 211666"/>
+                <a:gd name="connsiteX7" fmla="*/ 0 w 176389"/>
+                <a:gd name="connsiteY7" fmla="*/ 0 h 211666"/>
+              </a:gdLst>
+              <a:ahLst/>
+              <a:cxnLst>
+                <a:cxn ang="0">
+                  <a:pos x="connsiteX0" y="connsiteY0"/>
+                </a:cxn>
+                <a:cxn ang="0">
+                  <a:pos x="connsiteX1" y="connsiteY1"/>
+                </a:cxn>
+                <a:cxn ang="0">
+                  <a:pos x="connsiteX2" y="connsiteY2"/>
+                </a:cxn>
+                <a:cxn ang="0">
+                  <a:pos x="connsiteX3" y="connsiteY3"/>
+                </a:cxn>
+                <a:cxn ang="0">
+                  <a:pos x="connsiteX4" y="connsiteY4"/>
+                </a:cxn>
+                <a:cxn ang="0">
+                  <a:pos x="connsiteX5" y="connsiteY5"/>
+                </a:cxn>
+                <a:cxn ang="0">
+                  <a:pos x="connsiteX6" y="connsiteY6"/>
+                </a:cxn>
+                <a:cxn ang="0">
+                  <a:pos x="connsiteX7" y="connsiteY7"/>
+                </a:cxn>
+              </a:cxnLst>
+              <a:rect l="l" t="t" r="r" b="b"/>
+              <a:pathLst>
+                <a:path w="176389" h="211666">
+                  <a:moveTo>
+                    <a:pt x="0" y="35278"/>
+                  </a:moveTo>
+                  <a:lnTo>
+                    <a:pt x="70556" y="35278"/>
+                  </a:lnTo>
+                  <a:lnTo>
+                    <a:pt x="70556" y="211666"/>
+                  </a:lnTo>
+                  <a:lnTo>
+                    <a:pt x="105834" y="211666"/>
+                  </a:lnTo>
+                  <a:lnTo>
+                    <a:pt x="105834" y="35278"/>
+                  </a:lnTo>
+                  <a:lnTo>
+                    <a:pt x="176389" y="35278"/>
+                  </a:lnTo>
+                  <a:lnTo>
+                    <a:pt x="176389" y="0"/>
+                  </a:lnTo>
+                  <a:lnTo>
+                    <a:pt x="0" y="0"/>
+                  </a:lnTo>
+                  <a:close/>
+                </a:path>
+              </a:pathLst>
+            </a:custGeom>
+            <a:solidFill>
+              <a:srgbClr val="48A1FA"/>
+            </a:solidFill>
+            <a:ln w="614" cap="flat">
+              <a:noFill/>
+              <a:prstDash val="solid"/>
+              <a:miter/>
+            </a:ln>
+          </p:spPr>
+          <p:txBody>
+            <a:bodyPr rtlCol="0" anchor="ctr"/>
+            <a:lstStyle/>
+            <a:p>
+              <a:endParaRPr lang="zh-CN" altLang="en-US"/>
+            </a:p>
+          </p:txBody>
+        </p:sp>
+      </p:grpSp>
     </p:spTree>
     <p:extLst>
       <p:ext uri="{BB962C8B-B14F-4D97-AF65-F5344CB8AC3E}">

--- a/Resources/生字教学.pptx
+++ b/Resources/生字教学.pptx
@@ -3312,20 +3312,6 @@
 <file path=ppt/slides/slide1.xml><?xml version="1.0" encoding="utf-8"?>
 <p:sld xmlns:a="http://schemas.openxmlformats.org/drawingml/2006/main" xmlns:r="http://schemas.openxmlformats.org/officeDocument/2006/relationships" xmlns:p="http://schemas.openxmlformats.org/presentationml/2006/main">
   <p:cSld>
-    <p:bg>
-      <p:bgPr>
-        <a:blipFill dpi="0" rotWithShape="1">
-          <a:blip r:embed="rId23">
-            <a:lum/>
-          </a:blip>
-          <a:srcRect/>
-          <a:stretch>
-            <a:fillRect/>
-          </a:stretch>
-        </a:blipFill>
-        <a:effectLst/>
-      </p:bgPr>
-    </p:bg>
     <p:spTree>
       <p:nvGrpSpPr>
         <p:cNvPr id="1" name=""/>
@@ -3340,6 +3326,36 @@
           <a:chExt cx="0" cy="0"/>
         </a:xfrm>
       </p:grpSpPr>
+      <p:pic>
+        <p:nvPicPr>
+          <p:cNvPr id="12" name="图片 11">
+            <a:extLst>
+              <a:ext uri="{FF2B5EF4-FFF2-40B4-BE49-F238E27FC236}">
+                <a16:creationId xmlns:a16="http://schemas.microsoft.com/office/drawing/2014/main" id="{E188EC3F-B751-0AD9-837D-837E29D8AF63}"/>
+              </a:ext>
+            </a:extLst>
+          </p:cNvPr>
+          <p:cNvPicPr>
+            <a:picLocks noChangeAspect="1"/>
+          </p:cNvPicPr>
+          <p:nvPr/>
+        </p:nvPicPr>
+        <p:blipFill>
+          <a:blip r:embed="rId23"/>
+          <a:stretch>
+            <a:fillRect/>
+          </a:stretch>
+        </p:blipFill>
+        <p:spPr>
+          <a:xfrm>
+            <a:off x="0" y="0"/>
+            <a:ext cx="12192000" cy="6858000"/>
+          </a:xfrm>
+          <a:prstGeom prst="rect">
+            <a:avLst/>
+          </a:prstGeom>
+        </p:spPr>
+      </p:pic>
       <p:sp>
         <p:nvSpPr>
           <p:cNvPr id="3" name="任意多边形: 形状 2">
@@ -5207,7 +5223,7 @@
             </p:custDataLst>
             <p:extLst>
               <p:ext uri="{D42A27DB-BD31-4B8C-83A1-F6EECF244321}">
-                <p14:modId xmlns:p14="http://schemas.microsoft.com/office/powerpoint/2010/main" val="1234103067"/>
+                <p14:modId xmlns:p14="http://schemas.microsoft.com/office/powerpoint/2010/main" val="3427309645"/>
               </p:ext>
             </p:extLst>
           </p:nvPr>

--- a/Resources/生字教学.pptx
+++ b/Resources/生字教学.pptx
@@ -3312,6 +3312,20 @@
 <file path=ppt/slides/slide1.xml><?xml version="1.0" encoding="utf-8"?>
 <p:sld xmlns:a="http://schemas.openxmlformats.org/drawingml/2006/main" xmlns:r="http://schemas.openxmlformats.org/officeDocument/2006/relationships" xmlns:p="http://schemas.openxmlformats.org/presentationml/2006/main">
   <p:cSld>
+    <p:bg>
+      <p:bgPr>
+        <a:blipFill dpi="0" rotWithShape="1">
+          <a:blip r:embed="rId23">
+            <a:lum/>
+          </a:blip>
+          <a:srcRect/>
+          <a:stretch>
+            <a:fillRect/>
+          </a:stretch>
+        </a:blipFill>
+        <a:effectLst/>
+      </p:bgPr>
+    </p:bg>
     <p:spTree>
       <p:nvGrpSpPr>
         <p:cNvPr id="1" name=""/>
@@ -3326,36 +3340,6 @@
           <a:chExt cx="0" cy="0"/>
         </a:xfrm>
       </p:grpSpPr>
-      <p:pic>
-        <p:nvPicPr>
-          <p:cNvPr id="12" name="图片 11">
-            <a:extLst>
-              <a:ext uri="{FF2B5EF4-FFF2-40B4-BE49-F238E27FC236}">
-                <a16:creationId xmlns:a16="http://schemas.microsoft.com/office/drawing/2014/main" id="{E188EC3F-B751-0AD9-837D-837E29D8AF63}"/>
-              </a:ext>
-            </a:extLst>
-          </p:cNvPr>
-          <p:cNvPicPr>
-            <a:picLocks noChangeAspect="1"/>
-          </p:cNvPicPr>
-          <p:nvPr/>
-        </p:nvPicPr>
-        <p:blipFill>
-          <a:blip r:embed="rId23"/>
-          <a:stretch>
-            <a:fillRect/>
-          </a:stretch>
-        </p:blipFill>
-        <p:spPr>
-          <a:xfrm>
-            <a:off x="0" y="0"/>
-            <a:ext cx="12192000" cy="6858000"/>
-          </a:xfrm>
-          <a:prstGeom prst="rect">
-            <a:avLst/>
-          </a:prstGeom>
-        </p:spPr>
-      </p:pic>
       <p:sp>
         <p:nvSpPr>
           <p:cNvPr id="3" name="任意多边形: 形状 2">
@@ -3420,7 +3404,11 @@
             </a:pathLst>
           </a:custGeom>
           <a:solidFill>
-            <a:srgbClr val="EFF7FF"/>
+            <a:schemeClr val="accent1">
+              <a:lumMod val="20000"/>
+              <a:lumOff val="80000"/>
+              <a:alpha val="33000"/>
+            </a:schemeClr>
           </a:solidFill>
           <a:ln>
             <a:noFill/>
@@ -3502,15 +3490,15 @@
               <a:avLst/>
             </a:prstGeom>
             <a:solidFill>
-              <a:srgbClr val="48A1FA"/>
+              <a:schemeClr val="accent1"/>
             </a:solidFill>
             <a:ln w="58185" cap="flat" cmpd="sng" algn="ctr">
               <a:solidFill>
-                <a:srgbClr val="48A1FA">
-                  <a:lumMod val="40000"/>
-                  <a:lumOff val="60000"/>
+                <a:schemeClr val="accent1">
+                  <a:lumMod val="20000"/>
+                  <a:lumOff val="80000"/>
                   <a:alpha val="58000"/>
-                </a:srgbClr>
+                </a:schemeClr>
               </a:solidFill>
               <a:prstDash val="solid"/>
               <a:miter lim="800000"/>
@@ -4081,15 +4069,15 @@
               <a:avLst/>
             </a:prstGeom>
             <a:solidFill>
-              <a:srgbClr val="48A1FA"/>
+              <a:schemeClr val="accent1"/>
             </a:solidFill>
             <a:ln w="58185" cap="flat" cmpd="sng" algn="ctr">
               <a:solidFill>
-                <a:srgbClr val="48A1FA">
-                  <a:lumMod val="40000"/>
-                  <a:lumOff val="60000"/>
+                <a:schemeClr val="accent1">
+                  <a:lumMod val="20000"/>
+                  <a:lumOff val="80000"/>
                   <a:alpha val="58000"/>
-                </a:srgbClr>
+                </a:schemeClr>
               </a:solidFill>
               <a:prstDash val="solid"/>
               <a:miter lim="800000"/>
@@ -4735,7 +4723,7 @@
           <a:noFill/>
           <a:ln w="19050" cap="flat" cmpd="sng" algn="ctr">
             <a:solidFill>
-              <a:srgbClr val="48A1FA"/>
+              <a:schemeClr val="accent1"/>
             </a:solidFill>
             <a:prstDash val="solid"/>
             <a:miter lim="800000"/>
@@ -4772,10 +4760,10 @@
           <a:noFill/>
           <a:ln w="14546" cap="flat" cmpd="sng" algn="ctr">
             <a:solidFill>
-              <a:srgbClr val="48A1FA">
-                <a:lumMod val="60000"/>
-                <a:lumOff val="40000"/>
-              </a:srgbClr>
+              <a:schemeClr val="accent1">
+                <a:lumMod val="40000"/>
+                <a:lumOff val="60000"/>
+              </a:schemeClr>
             </a:solidFill>
             <a:prstDash val="solid"/>
             <a:miter lim="800000"/>
@@ -4812,10 +4800,10 @@
           <a:noFill/>
           <a:ln w="14546" cap="flat" cmpd="sng" algn="ctr">
             <a:solidFill>
-              <a:srgbClr val="48A1FA">
-                <a:lumMod val="60000"/>
-                <a:lumOff val="40000"/>
-              </a:srgbClr>
+              <a:schemeClr val="accent1">
+                <a:lumMod val="40000"/>
+                <a:lumOff val="60000"/>
+              </a:schemeClr>
             </a:solidFill>
             <a:prstDash val="solid"/>
             <a:miter lim="800000"/>
@@ -4852,7 +4840,7 @@
           <a:noFill/>
           <a:ln w="19050" cap="flat" cmpd="sng" algn="ctr">
             <a:solidFill>
-              <a:srgbClr val="48A1FA"/>
+              <a:schemeClr val="accent1"/>
             </a:solidFill>
             <a:prstDash val="solid"/>
             <a:miter lim="800000"/>
@@ -4862,7 +4850,7 @@
       </p:cxnSp>
       <p:sp>
         <p:nvSpPr>
-          <p:cNvPr id="16" name="拼音返回文本框">
+          <p:cNvPr id="16" name="拼音返回文本框" hidden="1">
             <a:extLst>
               <a:ext uri="{FF2B5EF4-FFF2-40B4-BE49-F238E27FC236}">
                 <a16:creationId xmlns:a16="http://schemas.microsoft.com/office/drawing/2014/main" id="{103F738F-1BB9-ABAA-E446-EEB5B7DADA74}"/>
@@ -5015,7 +5003,7 @@
             <a:r>
               <a:rPr lang="zh-CN" altLang="en-US" sz="3600" dirty="0">
                 <a:solidFill>
-                  <a:srgbClr val="48A1FA"/>
+                  <a:schemeClr val="accent1"/>
                 </a:solidFill>
                 <a:latin typeface="+mj-ea"/>
                 <a:ea typeface="+mj-ea"/>
@@ -5078,9 +5066,10 @@
             <a:noFill/>
             <a:ln w="18184" cap="flat" cmpd="sng" algn="ctr">
               <a:solidFill>
-                <a:srgbClr val="48A1FA">
-                  <a:alpha val="75000"/>
-                </a:srgbClr>
+                <a:schemeClr val="accent1">
+                  <a:lumMod val="60000"/>
+                  <a:lumOff val="40000"/>
+                </a:schemeClr>
               </a:solidFill>
               <a:prstDash val="dash"/>
               <a:miter lim="800000"/>
@@ -5117,9 +5106,10 @@
             <a:noFill/>
             <a:ln w="18184" cap="flat" cmpd="sng" algn="ctr">
               <a:solidFill>
-                <a:srgbClr val="48A1FA">
-                  <a:alpha val="75000"/>
-                </a:srgbClr>
+                <a:schemeClr val="accent1">
+                  <a:lumMod val="60000"/>
+                  <a:lumOff val="40000"/>
+                </a:schemeClr>
               </a:solidFill>
               <a:prstDash val="dash"/>
               <a:miter lim="800000"/>
@@ -5156,7 +5146,7 @@
             <a:noFill/>
             <a:ln w="28575" cap="flat" cmpd="sng" algn="ctr">
               <a:solidFill>
-                <a:srgbClr val="48A1FA"/>
+                <a:schemeClr val="accent1"/>
               </a:solidFill>
               <a:prstDash val="solid"/>
               <a:miter lim="800000"/>
@@ -5223,7 +5213,7 @@
             </p:custDataLst>
             <p:extLst>
               <p:ext uri="{D42A27DB-BD31-4B8C-83A1-F6EECF244321}">
-                <p14:modId xmlns:p14="http://schemas.microsoft.com/office/powerpoint/2010/main" val="3427309645"/>
+                <p14:modId xmlns:p14="http://schemas.microsoft.com/office/powerpoint/2010/main" val="3955063491"/>
               </p:ext>
             </p:extLst>
           </p:nvPr>
@@ -5359,7 +5349,7 @@
                   <a:tcPr marL="51615" marR="51615" anchor="ctr">
                     <a:lnL w="12700" cap="flat" cmpd="sng" algn="ctr">
                       <a:solidFill>
-                        <a:srgbClr val="48A1FA"/>
+                        <a:schemeClr val="accent1"/>
                       </a:solidFill>
                       <a:prstDash val="solid"/>
                       <a:round/>
@@ -5368,7 +5358,7 @@
                     </a:lnL>
                     <a:lnR w="12700" cap="flat" cmpd="sng" algn="ctr">
                       <a:solidFill>
-                        <a:srgbClr val="48A1FA"/>
+                        <a:schemeClr val="accent1"/>
                       </a:solidFill>
                       <a:prstDash val="solid"/>
                       <a:round/>
@@ -5377,7 +5367,7 @@
                     </a:lnR>
                     <a:lnT w="12700" cap="flat" cmpd="sng" algn="ctr">
                       <a:solidFill>
-                        <a:srgbClr val="48A1FA"/>
+                        <a:schemeClr val="accent1"/>
                       </a:solidFill>
                       <a:prstDash val="solid"/>
                       <a:round/>
@@ -5386,7 +5376,7 @@
                     </a:lnT>
                     <a:lnB w="12700" cap="flat" cmpd="sng" algn="ctr">
                       <a:solidFill>
-                        <a:srgbClr val="48A1FA"/>
+                        <a:schemeClr val="accent1"/>
                       </a:solidFill>
                       <a:prstDash val="solid"/>
                       <a:round/>
@@ -5402,10 +5392,10 @@
                       <a:prstDash val="solid"/>
                     </a:lnBlToTr>
                     <a:solidFill>
-                      <a:srgbClr val="48A1FA">
+                      <a:schemeClr val="accent1">
                         <a:lumMod val="20000"/>
                         <a:lumOff val="80000"/>
-                      </a:srgbClr>
+                      </a:schemeClr>
                     </a:solidFill>
                   </a:tcPr>
                 </a:tc>
@@ -5512,7 +5502,7 @@
                   <a:tcPr marL="51615" marR="51615" anchor="ctr">
                     <a:lnL w="12700" cap="flat" cmpd="sng" algn="ctr">
                       <a:solidFill>
-                        <a:srgbClr val="48A1FA"/>
+                        <a:schemeClr val="accent1"/>
                       </a:solidFill>
                       <a:prstDash val="solid"/>
                       <a:round/>
@@ -5528,7 +5518,7 @@
                     </a:lnR>
                     <a:lnT w="12700" cap="flat" cmpd="sng" algn="ctr">
                       <a:solidFill>
-                        <a:srgbClr val="48A1FA"/>
+                        <a:schemeClr val="accent1"/>
                       </a:solidFill>
                       <a:prstDash val="solid"/>
                       <a:round/>
@@ -5537,7 +5527,7 @@
                     </a:lnT>
                     <a:lnB w="12700" cap="flat" cmpd="sng" algn="ctr">
                       <a:solidFill>
-                        <a:srgbClr val="48A1FA"/>
+                        <a:schemeClr val="accent1"/>
                       </a:solidFill>
                       <a:prstDash val="solid"/>
                       <a:round/>
@@ -5553,7 +5543,11 @@
                       <a:prstDash val="solid"/>
                     </a:lnBlToTr>
                     <a:solidFill>
-                      <a:srgbClr val="EFF7FF"/>
+                      <a:schemeClr val="accent1">
+                        <a:lumMod val="20000"/>
+                        <a:lumOff val="80000"/>
+                        <a:alpha val="0"/>
+                      </a:schemeClr>
                     </a:solidFill>
                   </a:tcPr>
                 </a:tc>
@@ -5670,7 +5664,7 @@
                   <a:tcPr marL="51615" marR="51615" anchor="ctr">
                     <a:lnL w="12700" cap="flat" cmpd="sng" algn="ctr">
                       <a:solidFill>
-                        <a:srgbClr val="48A1FA"/>
+                        <a:schemeClr val="accent1"/>
                       </a:solidFill>
                       <a:prstDash val="solid"/>
                       <a:round/>
@@ -5679,7 +5673,7 @@
                     </a:lnL>
                     <a:lnR w="12700" cap="flat" cmpd="sng" algn="ctr">
                       <a:solidFill>
-                        <a:srgbClr val="48A1FA"/>
+                        <a:schemeClr val="accent1"/>
                       </a:solidFill>
                       <a:prstDash val="solid"/>
                       <a:round/>
@@ -5688,7 +5682,7 @@
                     </a:lnR>
                     <a:lnT w="12700" cap="flat" cmpd="sng" algn="ctr">
                       <a:solidFill>
-                        <a:srgbClr val="48A1FA"/>
+                        <a:schemeClr val="accent1"/>
                       </a:solidFill>
                       <a:prstDash val="solid"/>
                       <a:round/>
@@ -5697,7 +5691,7 @@
                     </a:lnT>
                     <a:lnB w="12700" cap="flat" cmpd="sng" algn="ctr">
                       <a:solidFill>
-                        <a:srgbClr val="48A1FA"/>
+                        <a:schemeClr val="accent1"/>
                       </a:solidFill>
                       <a:prstDash val="solid"/>
                       <a:round/>
@@ -5713,10 +5707,10 @@
                       <a:prstDash val="solid"/>
                     </a:lnBlToTr>
                     <a:solidFill>
-                      <a:srgbClr val="48A1FA">
+                      <a:schemeClr val="accent1">
                         <a:lumMod val="20000"/>
                         <a:lumOff val="80000"/>
-                      </a:srgbClr>
+                      </a:schemeClr>
                     </a:solidFill>
                   </a:tcPr>
                 </a:tc>
@@ -5823,7 +5817,7 @@
                   <a:tcPr marL="51615" marR="51615" anchor="ctr">
                     <a:lnL w="12700" cap="flat" cmpd="sng" algn="ctr">
                       <a:solidFill>
-                        <a:srgbClr val="48A1FA"/>
+                        <a:schemeClr val="accent1"/>
                       </a:solidFill>
                       <a:prstDash val="solid"/>
                       <a:round/>
@@ -5839,7 +5833,7 @@
                     </a:lnR>
                     <a:lnT w="12700" cap="flat" cmpd="sng" algn="ctr">
                       <a:solidFill>
-                        <a:srgbClr val="48A1FA"/>
+                        <a:schemeClr val="accent1"/>
                       </a:solidFill>
                       <a:prstDash val="solid"/>
                       <a:round/>
@@ -5848,7 +5842,7 @@
                     </a:lnT>
                     <a:lnB w="12700" cap="flat" cmpd="sng" algn="ctr">
                       <a:solidFill>
-                        <a:srgbClr val="48A1FA"/>
+                        <a:schemeClr val="accent1"/>
                       </a:solidFill>
                       <a:prstDash val="solid"/>
                       <a:round/>
@@ -5864,7 +5858,11 @@
                       <a:prstDash val="solid"/>
                     </a:lnBlToTr>
                     <a:solidFill>
-                      <a:srgbClr val="EFF7FF"/>
+                      <a:schemeClr val="accent1">
+                        <a:lumMod val="20000"/>
+                        <a:lumOff val="80000"/>
+                        <a:alpha val="0"/>
+                      </a:schemeClr>
                     </a:solidFill>
                   </a:tcPr>
                 </a:tc>
@@ -5909,7 +5907,7 @@
                   <a:tcPr marL="51615" marR="51615" anchor="ctr">
                     <a:lnL w="12700" cap="flat" cmpd="sng" algn="ctr">
                       <a:solidFill>
-                        <a:srgbClr val="48A1FA"/>
+                        <a:schemeClr val="accent1"/>
                       </a:solidFill>
                       <a:prstDash val="solid"/>
                       <a:round/>
@@ -5918,7 +5916,7 @@
                     </a:lnL>
                     <a:lnR w="12700" cap="flat" cmpd="sng" algn="ctr">
                       <a:solidFill>
-                        <a:srgbClr val="48A1FA"/>
+                        <a:schemeClr val="accent1"/>
                       </a:solidFill>
                       <a:prstDash val="solid"/>
                       <a:round/>
@@ -5927,7 +5925,7 @@
                     </a:lnR>
                     <a:lnT w="12700" cap="flat" cmpd="sng" algn="ctr">
                       <a:solidFill>
-                        <a:srgbClr val="48A1FA"/>
+                        <a:schemeClr val="accent1"/>
                       </a:solidFill>
                       <a:prstDash val="solid"/>
                       <a:round/>
@@ -5936,7 +5934,7 @@
                     </a:lnT>
                     <a:lnB w="12700" cap="flat" cmpd="sng" algn="ctr">
                       <a:solidFill>
-                        <a:srgbClr val="48A1FA"/>
+                        <a:schemeClr val="accent1"/>
                       </a:solidFill>
                       <a:prstDash val="solid"/>
                       <a:round/>
@@ -5952,10 +5950,10 @@
                       <a:prstDash val="solid"/>
                     </a:lnBlToTr>
                     <a:solidFill>
-                      <a:srgbClr val="48A1FA">
+                      <a:schemeClr val="accent1">
                         <a:lumMod val="20000"/>
                         <a:lumOff val="80000"/>
-                      </a:srgbClr>
+                      </a:schemeClr>
                     </a:solidFill>
                   </a:tcPr>
                 </a:tc>
@@ -5980,7 +5978,7 @@
                   <a:tcPr marL="51615" marR="51615" anchor="ctr">
                     <a:lnL w="12700" cap="flat" cmpd="sng" algn="ctr">
                       <a:solidFill>
-                        <a:srgbClr val="48A1FA"/>
+                        <a:schemeClr val="accent1"/>
                       </a:solidFill>
                       <a:prstDash val="solid"/>
                       <a:round/>
@@ -5996,7 +5994,7 @@
                     </a:lnR>
                     <a:lnT w="12700" cap="flat" cmpd="sng" algn="ctr">
                       <a:solidFill>
-                        <a:srgbClr val="48A1FA"/>
+                        <a:schemeClr val="accent1"/>
                       </a:solidFill>
                       <a:prstDash val="solid"/>
                       <a:round/>
@@ -6005,7 +6003,7 @@
                     </a:lnT>
                     <a:lnB w="12700" cap="flat" cmpd="sng" algn="ctr">
                       <a:solidFill>
-                        <a:srgbClr val="48A1FA"/>
+                        <a:schemeClr val="accent1"/>
                       </a:solidFill>
                       <a:prstDash val="solid"/>
                       <a:round/>
@@ -6021,7 +6019,11 @@
                       <a:prstDash val="solid"/>
                     </a:lnBlToTr>
                     <a:solidFill>
-                      <a:srgbClr val="EFF7FF"/>
+                      <a:schemeClr val="accent1">
+                        <a:lumMod val="20000"/>
+                        <a:lumOff val="80000"/>
+                        <a:alpha val="0"/>
+                      </a:schemeClr>
                     </a:solidFill>
                   </a:tcPr>
                 </a:tc>
@@ -6073,7 +6075,7 @@
             <a:r>
               <a:rPr lang="zh-CN" altLang="en-US" sz="2800">
                 <a:solidFill>
-                  <a:srgbClr val="48A1FA"/>
+                  <a:schemeClr val="accent1"/>
                 </a:solidFill>
                 <a:latin typeface="+mj-ea"/>
                 <a:ea typeface="+mj-ea"/>
@@ -6082,7 +6084,7 @@
             </a:r>
             <a:endParaRPr lang="zh-CN" altLang="en-US" sz="2800" dirty="0">
               <a:solidFill>
-                <a:srgbClr val="48A1FA"/>
+                <a:schemeClr val="accent1"/>
               </a:solidFill>
               <a:latin typeface="+mj-ea"/>
               <a:ea typeface="+mj-ea"/>
@@ -6115,9 +6117,10 @@
           </a:solidFill>
           <a:ln w="19050">
             <a:solidFill>
-              <a:srgbClr val="48A1FA">
-                <a:alpha val="44000"/>
-              </a:srgbClr>
+              <a:schemeClr val="accent1">
+                <a:lumMod val="40000"/>
+                <a:lumOff val="60000"/>
+              </a:schemeClr>
             </a:solidFill>
             <a:prstDash val="sysDash"/>
           </a:ln>
@@ -6227,7 +6230,7 @@
           </a:solidFill>
           <a:ln w="15875">
             <a:solidFill>
-              <a:srgbClr val="48A1FA"/>
+              <a:schemeClr val="accent1"/>
             </a:solidFill>
           </a:ln>
           <a:effectLst>
@@ -6299,7 +6302,7 @@
           </a:solidFill>
           <a:ln w="15875">
             <a:solidFill>
-              <a:srgbClr val="48A1FA"/>
+              <a:schemeClr val="accent1"/>
             </a:solidFill>
           </a:ln>
           <a:effectLst>
@@ -6371,7 +6374,7 @@
           </a:solidFill>
           <a:ln w="15875">
             <a:solidFill>
-              <a:srgbClr val="48A1FA"/>
+              <a:schemeClr val="accent1"/>
             </a:solidFill>
           </a:ln>
           <a:effectLst>
@@ -6443,7 +6446,7 @@
           </a:solidFill>
           <a:ln w="15875">
             <a:solidFill>
-              <a:srgbClr val="48A1FA"/>
+              <a:schemeClr val="accent1"/>
             </a:solidFill>
           </a:ln>
           <a:effectLst>
@@ -6515,7 +6518,7 @@
           </a:solidFill>
           <a:ln w="15875">
             <a:solidFill>
-              <a:srgbClr val="48A1FA"/>
+              <a:schemeClr val="accent1"/>
             </a:solidFill>
           </a:ln>
           <a:effectLst>
@@ -6587,7 +6590,7 @@
           </a:solidFill>
           <a:ln w="15875">
             <a:solidFill>
-              <a:srgbClr val="48A1FA"/>
+              <a:schemeClr val="accent1"/>
             </a:solidFill>
           </a:ln>
           <a:effectLst>
@@ -6659,7 +6662,7 @@
           </a:solidFill>
           <a:ln w="15875">
             <a:solidFill>
-              <a:srgbClr val="48A1FA"/>
+              <a:schemeClr val="accent1"/>
             </a:solidFill>
           </a:ln>
           <a:effectLst>
@@ -6731,7 +6734,7 @@
           </a:solidFill>
           <a:ln w="15875">
             <a:solidFill>
-              <a:srgbClr val="48A1FA"/>
+              <a:schemeClr val="accent1"/>
             </a:solidFill>
           </a:ln>
           <a:effectLst>
@@ -6816,7 +6819,7 @@
             <a:r>
               <a:rPr lang="zh-CN" altLang="en-US" sz="2800">
                 <a:solidFill>
-                  <a:srgbClr val="48A1FA"/>
+                  <a:schemeClr val="accent1"/>
                 </a:solidFill>
                 <a:latin typeface="+mj-ea"/>
                 <a:ea typeface="+mj-ea"/>
@@ -6825,7 +6828,7 @@
             </a:r>
             <a:endParaRPr lang="zh-CN" altLang="en-US" sz="2800" dirty="0">
               <a:solidFill>
-                <a:srgbClr val="48A1FA"/>
+                <a:schemeClr val="accent1"/>
               </a:solidFill>
               <a:latin typeface="+mj-ea"/>
               <a:ea typeface="+mj-ea"/>
@@ -6835,7 +6838,7 @@
       </p:sp>
       <p:sp>
         <p:nvSpPr>
-          <p:cNvPr id="2" name="[笔画拆分]替换">
+          <p:cNvPr id="2" name="[笔画拆分]替换" hidden="1">
             <a:extLst>
               <a:ext uri="{FF2B5EF4-FFF2-40B4-BE49-F238E27FC236}">
                 <a16:creationId xmlns:a16="http://schemas.microsoft.com/office/drawing/2014/main" id="{04E44429-6CD9-7EED-6AA0-EF59F5C495BD}"/>
@@ -7300,7 +7303,7 @@
             </a:pathLst>
           </a:custGeom>
           <a:solidFill>
-            <a:srgbClr val="48A1FA"/>
+            <a:schemeClr val="accent1"/>
           </a:solidFill>
           <a:ln w="465" cap="flat">
             <a:noFill/>
@@ -7335,6 +7338,9 @@
             <a:chOff x="5158675" y="3500267"/>
             <a:chExt cx="414481" cy="414508"/>
           </a:xfrm>
+          <a:solidFill>
+            <a:schemeClr val="accent1"/>
+          </a:solidFill>
         </p:grpSpPr>
         <p:sp>
           <p:nvSpPr>
@@ -7608,9 +7614,7 @@
                 </a:path>
               </a:pathLst>
             </a:custGeom>
-            <a:solidFill>
-              <a:srgbClr val="48A1FA"/>
-            </a:solidFill>
+            <a:grpFill/>
             <a:ln w="614" cap="flat">
               <a:noFill/>
               <a:prstDash val="solid"/>
@@ -7644,9 +7648,7 @@
               <a:chOff x="7247302" y="1874030"/>
               <a:chExt cx="555828" cy="537369"/>
             </a:xfrm>
-            <a:solidFill>
-              <a:srgbClr val="48A1FA"/>
-            </a:solidFill>
+            <a:grpFill/>
           </p:grpSpPr>
           <p:sp>
             <p:nvSpPr>
@@ -8373,6 +8375,9 @@
             <a:chOff x="6096000" y="1838572"/>
             <a:chExt cx="599722" cy="635000"/>
           </a:xfrm>
+          <a:solidFill>
+            <a:schemeClr val="accent1"/>
+          </a:solidFill>
         </p:grpSpPr>
         <p:sp>
           <p:nvSpPr>
@@ -8764,9 +8769,7 @@
                 </a:path>
               </a:pathLst>
             </a:custGeom>
-            <a:solidFill>
-              <a:srgbClr val="48A1FA"/>
-            </a:solidFill>
+            <a:grpFill/>
             <a:ln w="614" cap="flat">
               <a:noFill/>
               <a:prstDash val="solid"/>
@@ -8876,9 +8879,7 @@
                 </a:path>
               </a:pathLst>
             </a:custGeom>
-            <a:solidFill>
-              <a:srgbClr val="48A1FA"/>
-            </a:solidFill>
+            <a:grpFill/>
             <a:ln w="614" cap="flat">
               <a:noFill/>
               <a:prstDash val="solid"/>
@@ -9037,7 +9038,7 @@
 <file path=ppt/theme/theme1.xml><?xml version="1.0" encoding="utf-8"?>
 <a:theme xmlns:a="http://schemas.openxmlformats.org/drawingml/2006/main" name="1_Office 主题​​">
   <a:themeElements>
-    <a:clrScheme name="课件主题色">
+    <a:clrScheme name="生字模板主题色">
       <a:dk1>
         <a:sysClr val="windowText" lastClr="000000"/>
       </a:dk1>
@@ -9051,7 +9052,7 @@
         <a:srgbClr val="E7E6E6"/>
       </a:lt2>
       <a:accent1>
-        <a:srgbClr val="ED7D31"/>
+        <a:srgbClr val="48A1FA"/>
       </a:accent1>
       <a:accent2>
         <a:srgbClr val="A1EA34"/>

--- a/Resources/生字教学.pptx
+++ b/Resources/生字教学.pptx
@@ -4850,7 +4850,7 @@
       </p:cxnSp>
       <p:sp>
         <p:nvSpPr>
-          <p:cNvPr id="16" name="拼音返回文本框" hidden="1">
+          <p:cNvPr id="16" name="拼音返回文本框">
             <a:extLst>
               <a:ext uri="{FF2B5EF4-FFF2-40B4-BE49-F238E27FC236}">
                 <a16:creationId xmlns:a16="http://schemas.microsoft.com/office/drawing/2014/main" id="{103F738F-1BB9-ABAA-E446-EEB5B7DADA74}"/>
@@ -6838,7 +6838,7 @@
       </p:sp>
       <p:sp>
         <p:nvSpPr>
-          <p:cNvPr id="2" name="[笔画拆分]替换" hidden="1">
+          <p:cNvPr id="2" name="[笔画拆分]替换">
             <a:extLst>
               <a:ext uri="{FF2B5EF4-FFF2-40B4-BE49-F238E27FC236}">
                 <a16:creationId xmlns:a16="http://schemas.microsoft.com/office/drawing/2014/main" id="{04E44429-6CD9-7EED-6AA0-EF59F5C495BD}"/>

--- a/Resources/生字教学.pptx
+++ b/Resources/生字教学.pptx
@@ -6188,7 +6188,7 @@
             <a:r>
               <a:rPr lang="zh-CN" altLang="en-US" sz="2800">
                 <a:solidFill>
-                  <a:srgbClr val="48A1FA"/>
+                  <a:schemeClr val="accent1"/>
                 </a:solidFill>
                 <a:latin typeface="+mj-ea"/>
                 <a:ea typeface="+mj-ea"/>
@@ -6197,7 +6197,7 @@
             </a:r>
             <a:endParaRPr lang="zh-CN" altLang="en-US" sz="2800" dirty="0">
               <a:solidFill>
-                <a:srgbClr val="48A1FA"/>
+                <a:schemeClr val="accent1"/>
               </a:solidFill>
               <a:latin typeface="+mj-ea"/>
               <a:ea typeface="+mj-ea"/>

--- a/Resources/生字教学.pptx
+++ b/Resources/生字教学.pptx
@@ -3504,12 +3504,11 @@
               <a:miter lim="800000"/>
             </a:ln>
             <a:effectLst>
-              <a:outerShdw blurRad="203648" dist="130917" dir="2699987" algn="tl" rotWithShape="0">
-                <a:srgbClr val="48A1FA">
-                  <a:lumMod val="60000"/>
-                  <a:lumOff val="40000"/>
-                  <a:alpha val="40000"/>
-                </a:srgbClr>
+              <a:outerShdw blurRad="317500" dist="88900" dir="2699987" algn="tl" rotWithShape="0">
+                <a:schemeClr val="accent1">
+                  <a:lumMod val="75000"/>
+                  <a:alpha val="25000"/>
+                </a:schemeClr>
               </a:outerShdw>
             </a:effectLst>
           </p:spPr>
@@ -4083,12 +4082,11 @@
               <a:miter lim="800000"/>
             </a:ln>
             <a:effectLst>
-              <a:outerShdw blurRad="203648" dist="130917" dir="2699987" algn="tl" rotWithShape="0">
-                <a:srgbClr val="48A1FA">
-                  <a:lumMod val="60000"/>
-                  <a:lumOff val="40000"/>
-                  <a:alpha val="40000"/>
-                </a:srgbClr>
+              <a:outerShdw blurRad="317500" dist="88900" dir="2699987" algn="tl" rotWithShape="0">
+                <a:schemeClr val="accent1">
+                  <a:lumMod val="75000"/>
+                  <a:alpha val="25000"/>
+                </a:schemeClr>
               </a:outerShdw>
             </a:effectLst>
           </p:spPr>
@@ -4940,10 +4938,10 @@
         <p:blipFill rotWithShape="1">
           <a:blip r:embed="rId24">
             <a:duotone>
-              <a:srgbClr val="48A1FA">
+              <a:schemeClr val="accent6">
                 <a:shade val="45000"/>
                 <a:satMod val="135000"/>
-              </a:srgbClr>
+              </a:schemeClr>
               <a:prstClr val="white"/>
             </a:duotone>
             <a:extLst>
@@ -6235,9 +6233,9 @@
           </a:ln>
           <a:effectLst>
             <a:outerShdw blurRad="292100" dist="38100" dir="2700000" algn="tl" rotWithShape="0">
-              <a:srgbClr val="48A1FA">
+              <a:schemeClr val="accent1">
                 <a:alpha val="14000"/>
-              </a:srgbClr>
+              </a:schemeClr>
             </a:outerShdw>
           </a:effectLst>
         </p:spPr>
@@ -6307,9 +6305,9 @@
           </a:ln>
           <a:effectLst>
             <a:outerShdw blurRad="292100" dist="38100" dir="2700000" algn="tl" rotWithShape="0">
-              <a:srgbClr val="48A1FA">
+              <a:schemeClr val="accent1">
                 <a:alpha val="14000"/>
-              </a:srgbClr>
+              </a:schemeClr>
             </a:outerShdw>
           </a:effectLst>
         </p:spPr>
@@ -6379,9 +6377,9 @@
           </a:ln>
           <a:effectLst>
             <a:outerShdw blurRad="292100" dist="38100" dir="2700000" algn="tl" rotWithShape="0">
-              <a:srgbClr val="48A1FA">
+              <a:schemeClr val="accent1">
                 <a:alpha val="14000"/>
-              </a:srgbClr>
+              </a:schemeClr>
             </a:outerShdw>
           </a:effectLst>
         </p:spPr>
@@ -6451,9 +6449,9 @@
           </a:ln>
           <a:effectLst>
             <a:outerShdw blurRad="292100" dist="38100" dir="2700000" algn="tl" rotWithShape="0">
-              <a:srgbClr val="48A1FA">
+              <a:schemeClr val="accent1">
                 <a:alpha val="14000"/>
-              </a:srgbClr>
+              </a:schemeClr>
             </a:outerShdw>
           </a:effectLst>
         </p:spPr>
@@ -6523,9 +6521,9 @@
           </a:ln>
           <a:effectLst>
             <a:outerShdw blurRad="292100" dist="38100" dir="2700000" algn="tl" rotWithShape="0">
-              <a:srgbClr val="48A1FA">
+              <a:schemeClr val="accent1">
                 <a:alpha val="14000"/>
-              </a:srgbClr>
+              </a:schemeClr>
             </a:outerShdw>
           </a:effectLst>
         </p:spPr>
@@ -6595,9 +6593,9 @@
           </a:ln>
           <a:effectLst>
             <a:outerShdw blurRad="292100" dist="38100" dir="2700000" algn="tl" rotWithShape="0">
-              <a:srgbClr val="48A1FA">
+              <a:schemeClr val="accent1">
                 <a:alpha val="14000"/>
-              </a:srgbClr>
+              </a:schemeClr>
             </a:outerShdw>
           </a:effectLst>
         </p:spPr>
@@ -6667,9 +6665,9 @@
           </a:ln>
           <a:effectLst>
             <a:outerShdw blurRad="292100" dist="38100" dir="2700000" algn="tl" rotWithShape="0">
-              <a:srgbClr val="48A1FA">
+              <a:schemeClr val="accent1">
                 <a:alpha val="14000"/>
-              </a:srgbClr>
+              </a:schemeClr>
             </a:outerShdw>
           </a:effectLst>
         </p:spPr>
@@ -6739,9 +6737,9 @@
           </a:ln>
           <a:effectLst>
             <a:outerShdw blurRad="292100" dist="38100" dir="2700000" algn="tl" rotWithShape="0">
-              <a:srgbClr val="48A1FA">
+              <a:schemeClr val="accent1">
                 <a:alpha val="14000"/>
-              </a:srgbClr>
+              </a:schemeClr>
             </a:outerShdw>
           </a:effectLst>
         </p:spPr>

--- a/Resources/生字教学.pptx
+++ b/Resources/生字教学.pptx
@@ -4938,7 +4938,7 @@
         <p:blipFill rotWithShape="1">
           <a:blip r:embed="rId24">
             <a:duotone>
-              <a:schemeClr val="accent6">
+              <a:schemeClr val="accent1">
                 <a:shade val="45000"/>
                 <a:satMod val="135000"/>
               </a:schemeClr>

--- a/Resources/生字教学.pptx
+++ b/Resources/生字教学.pptx
@@ -3874,10 +3874,7 @@
               </a:pathLst>
             </a:custGeom>
             <a:solidFill>
-              <a:srgbClr val="48A1FA">
-                <a:lumMod val="20000"/>
-                <a:lumOff val="80000"/>
-              </a:srgbClr>
+              <a:schemeClr val="bg1"/>
             </a:solidFill>
             <a:ln w="12700" cap="flat" cmpd="sng" algn="ctr">
               <a:noFill/>
@@ -4547,10 +4544,7 @@
               </a:pathLst>
             </a:custGeom>
             <a:solidFill>
-              <a:srgbClr val="48A1FA">
-                <a:lumMod val="20000"/>
-                <a:lumOff val="80000"/>
-              </a:srgbClr>
+              <a:schemeClr val="bg1"/>
             </a:solidFill>
             <a:ln w="12700" cap="flat" cmpd="sng" algn="ctr">
               <a:noFill/>

--- a/Resources/生字教学.pptx
+++ b/Resources/生字教学.pptx
@@ -259,7 +259,7 @@
           <a:p>
             <a:fld id="{51683BBD-C539-4CCF-AF5B-1ABA35A9BE62}" type="datetimeFigureOut">
               <a:rPr lang="zh-CN" altLang="en-US" smtClean="0"/>
-              <a:t>2024/6/24</a:t>
+              <a:t>2024/6/29</a:t>
             </a:fld>
             <a:endParaRPr lang="zh-CN" altLang="en-US"/>
           </a:p>
@@ -457,7 +457,7 @@
           <a:p>
             <a:fld id="{51683BBD-C539-4CCF-AF5B-1ABA35A9BE62}" type="datetimeFigureOut">
               <a:rPr lang="zh-CN" altLang="en-US" smtClean="0"/>
-              <a:t>2024/6/24</a:t>
+              <a:t>2024/6/29</a:t>
             </a:fld>
             <a:endParaRPr lang="zh-CN" altLang="en-US"/>
           </a:p>
@@ -665,7 +665,7 @@
           <a:p>
             <a:fld id="{51683BBD-C539-4CCF-AF5B-1ABA35A9BE62}" type="datetimeFigureOut">
               <a:rPr lang="zh-CN" altLang="en-US" smtClean="0"/>
-              <a:t>2024/6/24</a:t>
+              <a:t>2024/6/29</a:t>
             </a:fld>
             <a:endParaRPr lang="zh-CN" altLang="en-US"/>
           </a:p>
@@ -863,7 +863,7 @@
           <a:p>
             <a:fld id="{51683BBD-C539-4CCF-AF5B-1ABA35A9BE62}" type="datetimeFigureOut">
               <a:rPr lang="zh-CN" altLang="en-US" smtClean="0"/>
-              <a:t>2024/6/24</a:t>
+              <a:t>2024/6/29</a:t>
             </a:fld>
             <a:endParaRPr lang="zh-CN" altLang="en-US"/>
           </a:p>
@@ -1138,7 +1138,7 @@
           <a:p>
             <a:fld id="{51683BBD-C539-4CCF-AF5B-1ABA35A9BE62}" type="datetimeFigureOut">
               <a:rPr lang="zh-CN" altLang="en-US" smtClean="0"/>
-              <a:t>2024/6/24</a:t>
+              <a:t>2024/6/29</a:t>
             </a:fld>
             <a:endParaRPr lang="zh-CN" altLang="en-US"/>
           </a:p>
@@ -1403,7 +1403,7 @@
           <a:p>
             <a:fld id="{51683BBD-C539-4CCF-AF5B-1ABA35A9BE62}" type="datetimeFigureOut">
               <a:rPr lang="zh-CN" altLang="en-US" smtClean="0"/>
-              <a:t>2024/6/24</a:t>
+              <a:t>2024/6/29</a:t>
             </a:fld>
             <a:endParaRPr lang="zh-CN" altLang="en-US"/>
           </a:p>
@@ -1815,7 +1815,7 @@
           <a:p>
             <a:fld id="{51683BBD-C539-4CCF-AF5B-1ABA35A9BE62}" type="datetimeFigureOut">
               <a:rPr lang="zh-CN" altLang="en-US" smtClean="0"/>
-              <a:t>2024/6/24</a:t>
+              <a:t>2024/6/29</a:t>
             </a:fld>
             <a:endParaRPr lang="zh-CN" altLang="en-US"/>
           </a:p>
@@ -1956,7 +1956,7 @@
           <a:p>
             <a:fld id="{51683BBD-C539-4CCF-AF5B-1ABA35A9BE62}" type="datetimeFigureOut">
               <a:rPr lang="zh-CN" altLang="en-US" smtClean="0"/>
-              <a:t>2024/6/24</a:t>
+              <a:t>2024/6/29</a:t>
             </a:fld>
             <a:endParaRPr lang="zh-CN" altLang="en-US"/>
           </a:p>
@@ -2069,7 +2069,7 @@
           <a:p>
             <a:fld id="{51683BBD-C539-4CCF-AF5B-1ABA35A9BE62}" type="datetimeFigureOut">
               <a:rPr lang="zh-CN" altLang="en-US" smtClean="0"/>
-              <a:t>2024/6/24</a:t>
+              <a:t>2024/6/29</a:t>
             </a:fld>
             <a:endParaRPr lang="zh-CN" altLang="en-US"/>
           </a:p>
@@ -2380,7 +2380,7 @@
           <a:p>
             <a:fld id="{51683BBD-C539-4CCF-AF5B-1ABA35A9BE62}" type="datetimeFigureOut">
               <a:rPr lang="zh-CN" altLang="en-US" smtClean="0"/>
-              <a:t>2024/6/24</a:t>
+              <a:t>2024/6/29</a:t>
             </a:fld>
             <a:endParaRPr lang="zh-CN" altLang="en-US"/>
           </a:p>
@@ -2668,7 +2668,7 @@
           <a:p>
             <a:fld id="{51683BBD-C539-4CCF-AF5B-1ABA35A9BE62}" type="datetimeFigureOut">
               <a:rPr lang="zh-CN" altLang="en-US" smtClean="0"/>
-              <a:t>2024/6/24</a:t>
+              <a:t>2024/6/29</a:t>
             </a:fld>
             <a:endParaRPr lang="zh-CN" altLang="en-US"/>
           </a:p>
@@ -2909,7 +2909,7 @@
           <a:p>
             <a:fld id="{51683BBD-C539-4CCF-AF5B-1ABA35A9BE62}" type="datetimeFigureOut">
               <a:rPr lang="zh-CN" altLang="en-US" smtClean="0"/>
-              <a:t>2024/6/24</a:t>
+              <a:t>2024/6/29</a:t>
             </a:fld>
             <a:endParaRPr lang="zh-CN" altLang="en-US"/>
           </a:p>
@@ -4840,77 +4840,6 @@
           <a:effectLst/>
         </p:spPr>
       </p:cxnSp>
-      <p:sp>
-        <p:nvSpPr>
-          <p:cNvPr id="16" name="拼音返回文本框">
-            <a:extLst>
-              <a:ext uri="{FF2B5EF4-FFF2-40B4-BE49-F238E27FC236}">
-                <a16:creationId xmlns:a16="http://schemas.microsoft.com/office/drawing/2014/main" id="{103F738F-1BB9-ABAA-E446-EEB5B7DADA74}"/>
-              </a:ext>
-            </a:extLst>
-          </p:cNvPr>
-          <p:cNvSpPr txBox="1"/>
-          <p:nvPr>
-            <p:custDataLst>
-              <p:tags r:id="rId7"/>
-            </p:custDataLst>
-          </p:nvPr>
-        </p:nvSpPr>
-        <p:spPr>
-          <a:xfrm>
-            <a:off x="673053" y="1296322"/>
-            <a:ext cx="2403929" cy="599284"/>
-          </a:xfrm>
-          <a:prstGeom prst="rect">
-            <a:avLst/>
-          </a:prstGeom>
-          <a:noFill/>
-        </p:spPr>
-        <p:txBody>
-          <a:bodyPr wrap="square" rtlCol="0">
-            <a:spAutoFit/>
-            <a:scene3d>
-              <a:camera prst="orthographicFront"/>
-              <a:lightRig rig="threePt" dir="t"/>
-            </a:scene3d>
-            <a:sp3d extrusionH="523666">
-              <a:bevelT w="0" h="0"/>
-              <a:bevelB w="0" h="0"/>
-            </a:sp3d>
-          </a:bodyPr>
-          <a:lstStyle/>
-          <a:p>
-            <a:pPr algn="ctr">
-              <a:defRPr/>
-            </a:pPr>
-            <a:r>
-              <a:rPr lang="en-US" altLang="zh-CN" sz="3207" dirty="0" err="1">
-                <a:solidFill>
-                  <a:prstClr val="black">
-                    <a:lumMod val="85000"/>
-                    <a:lumOff val="15000"/>
-                  </a:prstClr>
-                </a:solidFill>
-                <a:latin typeface="Pinyinia_a"/>
-                <a:ea typeface="澳声通拼音鼎楷-简" panose="02010600030101010101" pitchFamily="2" charset="-122"/>
-                <a:cs typeface="澳声通拼音鼎楷-简" panose="02010600030101010101" pitchFamily="2" charset="-122"/>
-              </a:rPr>
-              <a:t>guài</a:t>
-            </a:r>
-            <a:endParaRPr lang="zh-CN" altLang="en-US" sz="3207" dirty="0">
-              <a:solidFill>
-                <a:prstClr val="black">
-                  <a:lumMod val="85000"/>
-                  <a:lumOff val="15000"/>
-                </a:prstClr>
-              </a:solidFill>
-              <a:latin typeface="Pinyinia_a"/>
-              <a:ea typeface="澳声通拼音鼎楷-简" panose="02010600030101010101" pitchFamily="2" charset="-122"/>
-              <a:cs typeface="澳声通拼音鼎楷-简" panose="02010600030101010101" pitchFamily="2" charset="-122"/>
-            </a:endParaRPr>
-          </a:p>
-        </p:txBody>
-      </p:sp>
       <p:pic>
         <p:nvPicPr>
           <p:cNvPr id="17" name="PA-图片 197">
@@ -4925,7 +4854,7 @@
           </p:cNvPicPr>
           <p:nvPr>
             <p:custDataLst>
-              <p:tags r:id="rId8"/>
+              <p:tags r:id="rId7"/>
             </p:custDataLst>
           </p:nvPr>
         </p:nvPicPr>
@@ -4969,7 +4898,7 @@
           <p:cNvSpPr txBox="1"/>
           <p:nvPr>
             <p:custDataLst>
-              <p:tags r:id="rId9"/>
+              <p:tags r:id="rId8"/>
             </p:custDataLst>
           </p:nvPr>
         </p:nvSpPr>
@@ -5017,7 +4946,7 @@
           <p:cNvGrpSpPr/>
           <p:nvPr>
             <p:custDataLst>
-              <p:tags r:id="rId10"/>
+              <p:tags r:id="rId9"/>
             </p:custDataLst>
           </p:nvPr>
         </p:nvGrpSpPr>
@@ -5201,7 +5130,7 @@
           </p:cNvGraphicFramePr>
           <p:nvPr>
             <p:custDataLst>
-              <p:tags r:id="rId11"/>
+              <p:tags r:id="rId10"/>
             </p:custDataLst>
             <p:extLst>
               <p:ext uri="{D42A27DB-BD31-4B8C-83A1-F6EECF244321}">
@@ -6041,7 +5970,7 @@
           <p:cNvSpPr txBox="1"/>
           <p:nvPr>
             <p:custDataLst>
-              <p:tags r:id="rId12"/>
+              <p:tags r:id="rId11"/>
             </p:custDataLst>
           </p:nvPr>
         </p:nvSpPr>
@@ -6154,7 +6083,7 @@
           <p:cNvSpPr txBox="1"/>
           <p:nvPr>
             <p:custDataLst>
-              <p:tags r:id="rId13"/>
+              <p:tags r:id="rId12"/>
             </p:custDataLst>
           </p:nvPr>
         </p:nvSpPr>
@@ -6785,7 +6714,7 @@
           <p:cNvSpPr txBox="1"/>
           <p:nvPr>
             <p:custDataLst>
-              <p:tags r:id="rId14"/>
+              <p:tags r:id="rId13"/>
             </p:custDataLst>
           </p:nvPr>
         </p:nvSpPr>
@@ -8887,6 +8816,77 @@
           </p:txBody>
         </p:sp>
       </p:grpSp>
+      <p:sp>
+        <p:nvSpPr>
+          <p:cNvPr id="16" name="拼音返回文本框">
+            <a:extLst>
+              <a:ext uri="{FF2B5EF4-FFF2-40B4-BE49-F238E27FC236}">
+                <a16:creationId xmlns:a16="http://schemas.microsoft.com/office/drawing/2014/main" id="{103F738F-1BB9-ABAA-E446-EEB5B7DADA74}"/>
+              </a:ext>
+            </a:extLst>
+          </p:cNvPr>
+          <p:cNvSpPr txBox="1"/>
+          <p:nvPr>
+            <p:custDataLst>
+              <p:tags r:id="rId14"/>
+            </p:custDataLst>
+          </p:nvPr>
+        </p:nvSpPr>
+        <p:spPr>
+          <a:xfrm>
+            <a:off x="673053" y="1296322"/>
+            <a:ext cx="2403929" cy="599284"/>
+          </a:xfrm>
+          <a:prstGeom prst="rect">
+            <a:avLst/>
+          </a:prstGeom>
+          <a:noFill/>
+        </p:spPr>
+        <p:txBody>
+          <a:bodyPr wrap="square" rtlCol="0">
+            <a:spAutoFit/>
+            <a:scene3d>
+              <a:camera prst="orthographicFront"/>
+              <a:lightRig rig="threePt" dir="t"/>
+            </a:scene3d>
+            <a:sp3d extrusionH="523666">
+              <a:bevelT w="0" h="0"/>
+              <a:bevelB w="0" h="0"/>
+            </a:sp3d>
+          </a:bodyPr>
+          <a:lstStyle/>
+          <a:p>
+            <a:pPr algn="ctr">
+              <a:defRPr/>
+            </a:pPr>
+            <a:r>
+              <a:rPr lang="en-US" altLang="zh-CN" sz="3207" dirty="0" err="1">
+                <a:solidFill>
+                  <a:prstClr val="black">
+                    <a:lumMod val="85000"/>
+                    <a:lumOff val="15000"/>
+                  </a:prstClr>
+                </a:solidFill>
+                <a:latin typeface="Pinyinia_a"/>
+                <a:ea typeface="澳声通拼音鼎楷-简" panose="02010600030101010101" pitchFamily="2" charset="-122"/>
+                <a:cs typeface="澳声通拼音鼎楷-简" panose="02010600030101010101" pitchFamily="2" charset="-122"/>
+              </a:rPr>
+              <a:t>guài</a:t>
+            </a:r>
+            <a:endParaRPr lang="zh-CN" altLang="en-US" sz="3207" dirty="0">
+              <a:solidFill>
+                <a:prstClr val="black">
+                  <a:lumMod val="85000"/>
+                  <a:lumOff val="15000"/>
+                </a:prstClr>
+              </a:solidFill>
+              <a:latin typeface="Pinyinia_a"/>
+              <a:ea typeface="澳声通拼音鼎楷-简" panose="02010600030101010101" pitchFamily="2" charset="-122"/>
+              <a:cs typeface="澳声通拼音鼎楷-简" panose="02010600030101010101" pitchFamily="2" charset="-122"/>
+            </a:endParaRPr>
+          </a:p>
+        </p:txBody>
+      </p:sp>
     </p:spTree>
     <p:extLst>
       <p:ext uri="{BB962C8B-B14F-4D97-AF65-F5344CB8AC3E}">

--- a/Resources/生字教学.pptx
+++ b/Resources/生字教学.pptx
@@ -259,7 +259,7 @@
           <a:p>
             <a:fld id="{51683BBD-C539-4CCF-AF5B-1ABA35A9BE62}" type="datetimeFigureOut">
               <a:rPr lang="zh-CN" altLang="en-US" smtClean="0"/>
-              <a:t>2024/6/29</a:t>
+              <a:t>2024/7/2</a:t>
             </a:fld>
             <a:endParaRPr lang="zh-CN" altLang="en-US"/>
           </a:p>
@@ -457,7 +457,7 @@
           <a:p>
             <a:fld id="{51683BBD-C539-4CCF-AF5B-1ABA35A9BE62}" type="datetimeFigureOut">
               <a:rPr lang="zh-CN" altLang="en-US" smtClean="0"/>
-              <a:t>2024/6/29</a:t>
+              <a:t>2024/7/2</a:t>
             </a:fld>
             <a:endParaRPr lang="zh-CN" altLang="en-US"/>
           </a:p>
@@ -665,7 +665,7 @@
           <a:p>
             <a:fld id="{51683BBD-C539-4CCF-AF5B-1ABA35A9BE62}" type="datetimeFigureOut">
               <a:rPr lang="zh-CN" altLang="en-US" smtClean="0"/>
-              <a:t>2024/6/29</a:t>
+              <a:t>2024/7/2</a:t>
             </a:fld>
             <a:endParaRPr lang="zh-CN" altLang="en-US"/>
           </a:p>
@@ -863,7 +863,7 @@
           <a:p>
             <a:fld id="{51683BBD-C539-4CCF-AF5B-1ABA35A9BE62}" type="datetimeFigureOut">
               <a:rPr lang="zh-CN" altLang="en-US" smtClean="0"/>
-              <a:t>2024/6/29</a:t>
+              <a:t>2024/7/2</a:t>
             </a:fld>
             <a:endParaRPr lang="zh-CN" altLang="en-US"/>
           </a:p>
@@ -1138,7 +1138,7 @@
           <a:p>
             <a:fld id="{51683BBD-C539-4CCF-AF5B-1ABA35A9BE62}" type="datetimeFigureOut">
               <a:rPr lang="zh-CN" altLang="en-US" smtClean="0"/>
-              <a:t>2024/6/29</a:t>
+              <a:t>2024/7/2</a:t>
             </a:fld>
             <a:endParaRPr lang="zh-CN" altLang="en-US"/>
           </a:p>
@@ -1403,7 +1403,7 @@
           <a:p>
             <a:fld id="{51683BBD-C539-4CCF-AF5B-1ABA35A9BE62}" type="datetimeFigureOut">
               <a:rPr lang="zh-CN" altLang="en-US" smtClean="0"/>
-              <a:t>2024/6/29</a:t>
+              <a:t>2024/7/2</a:t>
             </a:fld>
             <a:endParaRPr lang="zh-CN" altLang="en-US"/>
           </a:p>
@@ -1815,7 +1815,7 @@
           <a:p>
             <a:fld id="{51683BBD-C539-4CCF-AF5B-1ABA35A9BE62}" type="datetimeFigureOut">
               <a:rPr lang="zh-CN" altLang="en-US" smtClean="0"/>
-              <a:t>2024/6/29</a:t>
+              <a:t>2024/7/2</a:t>
             </a:fld>
             <a:endParaRPr lang="zh-CN" altLang="en-US"/>
           </a:p>
@@ -1956,7 +1956,7 @@
           <a:p>
             <a:fld id="{51683BBD-C539-4CCF-AF5B-1ABA35A9BE62}" type="datetimeFigureOut">
               <a:rPr lang="zh-CN" altLang="en-US" smtClean="0"/>
-              <a:t>2024/6/29</a:t>
+              <a:t>2024/7/2</a:t>
             </a:fld>
             <a:endParaRPr lang="zh-CN" altLang="en-US"/>
           </a:p>
@@ -2069,7 +2069,7 @@
           <a:p>
             <a:fld id="{51683BBD-C539-4CCF-AF5B-1ABA35A9BE62}" type="datetimeFigureOut">
               <a:rPr lang="zh-CN" altLang="en-US" smtClean="0"/>
-              <a:t>2024/6/29</a:t>
+              <a:t>2024/7/2</a:t>
             </a:fld>
             <a:endParaRPr lang="zh-CN" altLang="en-US"/>
           </a:p>
@@ -2380,7 +2380,7 @@
           <a:p>
             <a:fld id="{51683BBD-C539-4CCF-AF5B-1ABA35A9BE62}" type="datetimeFigureOut">
               <a:rPr lang="zh-CN" altLang="en-US" smtClean="0"/>
-              <a:t>2024/6/29</a:t>
+              <a:t>2024/7/2</a:t>
             </a:fld>
             <a:endParaRPr lang="zh-CN" altLang="en-US"/>
           </a:p>
@@ -2668,7 +2668,7 @@
           <a:p>
             <a:fld id="{51683BBD-C539-4CCF-AF5B-1ABA35A9BE62}" type="datetimeFigureOut">
               <a:rPr lang="zh-CN" altLang="en-US" smtClean="0"/>
-              <a:t>2024/6/29</a:t>
+              <a:t>2024/7/2</a:t>
             </a:fld>
             <a:endParaRPr lang="zh-CN" altLang="en-US"/>
           </a:p>
@@ -2909,7 +2909,7 @@
           <a:p>
             <a:fld id="{51683BBD-C539-4CCF-AF5B-1ABA35A9BE62}" type="datetimeFigureOut">
               <a:rPr lang="zh-CN" altLang="en-US" smtClean="0"/>
-              <a:t>2024/6/29</a:t>
+              <a:t>2024/7/2</a:t>
             </a:fld>
             <a:endParaRPr lang="zh-CN" altLang="en-US"/>
           </a:p>
@@ -4905,7 +4905,7 @@
         <p:spPr>
           <a:xfrm>
             <a:off x="1519222" y="322978"/>
-            <a:ext cx="2387935" cy="646331"/>
+            <a:ext cx="2056973" cy="646331"/>
           </a:xfrm>
           <a:prstGeom prst="rect">
             <a:avLst/>
@@ -4913,7 +4913,7 @@
           <a:noFill/>
         </p:spPr>
         <p:txBody>
-          <a:bodyPr wrap="square" rtlCol="0">
+          <a:bodyPr wrap="none" rtlCol="0">
             <a:spAutoFit/>
           </a:bodyPr>
           <a:lstStyle/>
@@ -5977,7 +5977,7 @@
         <p:spPr>
           <a:xfrm>
             <a:off x="5454890" y="329783"/>
-            <a:ext cx="2387935" cy="523220"/>
+            <a:ext cx="1694695" cy="523220"/>
           </a:xfrm>
           <a:prstGeom prst="rect">
             <a:avLst/>
@@ -5985,7 +5985,7 @@
           <a:noFill/>
         </p:spPr>
         <p:txBody>
-          <a:bodyPr wrap="square" rtlCol="0">
+          <a:bodyPr wrap="none" rtlCol="0">
             <a:spAutoFit/>
           </a:bodyPr>
           <a:lstStyle/>
@@ -6090,7 +6090,7 @@
         <p:spPr>
           <a:xfrm>
             <a:off x="5560664" y="3367940"/>
-            <a:ext cx="2387935" cy="523220"/>
+            <a:ext cx="1704313" cy="523220"/>
           </a:xfrm>
           <a:prstGeom prst="rect">
             <a:avLst/>
@@ -6098,7 +6098,7 @@
           <a:noFill/>
         </p:spPr>
         <p:txBody>
-          <a:bodyPr wrap="square" rtlCol="0">
+          <a:bodyPr wrap="none" rtlCol="0">
             <a:spAutoFit/>
           </a:bodyPr>
           <a:lstStyle/>
@@ -6721,7 +6721,7 @@
         <p:spPr>
           <a:xfrm>
             <a:off x="5527772" y="5349231"/>
-            <a:ext cx="1070671" cy="523220"/>
+            <a:ext cx="1117614" cy="523220"/>
           </a:xfrm>
           <a:prstGeom prst="rect">
             <a:avLst/>
@@ -6729,7 +6729,7 @@
           <a:noFill/>
         </p:spPr>
         <p:txBody>
-          <a:bodyPr wrap="square" rtlCol="0">
+          <a:bodyPr wrap="none" rtlCol="0">
             <a:spAutoFit/>
           </a:bodyPr>
           <a:lstStyle/>
@@ -8834,8 +8834,8 @@
         </p:nvSpPr>
         <p:spPr>
           <a:xfrm>
-            <a:off x="673053" y="1296322"/>
-            <a:ext cx="2403929" cy="599284"/>
+            <a:off x="1340255" y="1296322"/>
+            <a:ext cx="1069524" cy="585866"/>
           </a:xfrm>
           <a:prstGeom prst="rect">
             <a:avLst/>
@@ -8843,7 +8843,7 @@
           <a:noFill/>
         </p:spPr>
         <p:txBody>
-          <a:bodyPr wrap="square" rtlCol="0">
+          <a:bodyPr wrap="none" rtlCol="0">
             <a:spAutoFit/>
             <a:scene3d>
               <a:camera prst="orthographicFront"/>
